--- a/doc/Crypto_Final_Presentation.pptx
+++ b/doc/Crypto_Final_Presentation.pptx
@@ -2,13 +2,13 @@
 <file path=ppt/presentation.xml><?xml version="1.0" encoding="utf-8"?>
 <p:presentation xmlns:a="http://schemas.openxmlformats.org/drawingml/2006/main" xmlns:r="http://schemas.openxmlformats.org/officeDocument/2006/relationships" xmlns:p="http://schemas.openxmlformats.org/presentationml/2006/main" saveSubsetFonts="1">
   <p:sldMasterIdLst>
-    <p:sldMasterId id="2147483648" r:id="rId1"/>
+    <p:sldMasterId id="2147483660" r:id="rId1"/>
   </p:sldMasterIdLst>
   <p:notesMasterIdLst>
-    <p:notesMasterId r:id="rId12"/>
+    <p:notesMasterId r:id="rId19"/>
   </p:notesMasterIdLst>
   <p:handoutMasterIdLst>
-    <p:handoutMasterId r:id="rId13"/>
+    <p:handoutMasterId r:id="rId20"/>
   </p:handoutMasterIdLst>
   <p:sldIdLst>
     <p:sldId id="256" r:id="rId2"/>
@@ -19,8 +19,15 @@
     <p:sldId id="260" r:id="rId7"/>
     <p:sldId id="261" r:id="rId8"/>
     <p:sldId id="262" r:id="rId9"/>
-    <p:sldId id="264" r:id="rId10"/>
-    <p:sldId id="265" r:id="rId11"/>
+    <p:sldId id="271" r:id="rId10"/>
+    <p:sldId id="272" r:id="rId11"/>
+    <p:sldId id="267" r:id="rId12"/>
+    <p:sldId id="264" r:id="rId13"/>
+    <p:sldId id="265" r:id="rId14"/>
+    <p:sldId id="266" r:id="rId15"/>
+    <p:sldId id="268" r:id="rId16"/>
+    <p:sldId id="269" r:id="rId17"/>
+    <p:sldId id="270" r:id="rId18"/>
   </p:sldIdLst>
   <p:sldSz cx="12192000" cy="6858000"/>
   <p:notesSz cx="6858000" cy="9144000"/>
@@ -28,7 +35,7 @@
     <a:defPPr>
       <a:defRPr lang="en-US"/>
     </a:defPPr>
-    <a:lvl1pPr marL="0" algn="l" defTabSz="914400" rtl="0" eaLnBrk="1" latinLnBrk="0" hangingPunct="1">
+    <a:lvl1pPr marL="0" algn="l" defTabSz="457200" rtl="0" eaLnBrk="1" latinLnBrk="0" hangingPunct="1">
       <a:defRPr sz="1800" kern="1200">
         <a:solidFill>
           <a:schemeClr val="tx1"/>
@@ -38,7 +45,7 @@
         <a:cs typeface="+mn-cs"/>
       </a:defRPr>
     </a:lvl1pPr>
-    <a:lvl2pPr marL="457200" algn="l" defTabSz="914400" rtl="0" eaLnBrk="1" latinLnBrk="0" hangingPunct="1">
+    <a:lvl2pPr marL="457200" algn="l" defTabSz="457200" rtl="0" eaLnBrk="1" latinLnBrk="0" hangingPunct="1">
       <a:defRPr sz="1800" kern="1200">
         <a:solidFill>
           <a:schemeClr val="tx1"/>
@@ -48,7 +55,7 @@
         <a:cs typeface="+mn-cs"/>
       </a:defRPr>
     </a:lvl2pPr>
-    <a:lvl3pPr marL="914400" algn="l" defTabSz="914400" rtl="0" eaLnBrk="1" latinLnBrk="0" hangingPunct="1">
+    <a:lvl3pPr marL="914400" algn="l" defTabSz="457200" rtl="0" eaLnBrk="1" latinLnBrk="0" hangingPunct="1">
       <a:defRPr sz="1800" kern="1200">
         <a:solidFill>
           <a:schemeClr val="tx1"/>
@@ -58,7 +65,7 @@
         <a:cs typeface="+mn-cs"/>
       </a:defRPr>
     </a:lvl3pPr>
-    <a:lvl4pPr marL="1371600" algn="l" defTabSz="914400" rtl="0" eaLnBrk="1" latinLnBrk="0" hangingPunct="1">
+    <a:lvl4pPr marL="1371600" algn="l" defTabSz="457200" rtl="0" eaLnBrk="1" latinLnBrk="0" hangingPunct="1">
       <a:defRPr sz="1800" kern="1200">
         <a:solidFill>
           <a:schemeClr val="tx1"/>
@@ -68,7 +75,7 @@
         <a:cs typeface="+mn-cs"/>
       </a:defRPr>
     </a:lvl4pPr>
-    <a:lvl5pPr marL="1828800" algn="l" defTabSz="914400" rtl="0" eaLnBrk="1" latinLnBrk="0" hangingPunct="1">
+    <a:lvl5pPr marL="1828800" algn="l" defTabSz="457200" rtl="0" eaLnBrk="1" latinLnBrk="0" hangingPunct="1">
       <a:defRPr sz="1800" kern="1200">
         <a:solidFill>
           <a:schemeClr val="tx1"/>
@@ -78,7 +85,7 @@
         <a:cs typeface="+mn-cs"/>
       </a:defRPr>
     </a:lvl5pPr>
-    <a:lvl6pPr marL="2286000" algn="l" defTabSz="914400" rtl="0" eaLnBrk="1" latinLnBrk="0" hangingPunct="1">
+    <a:lvl6pPr marL="2286000" algn="l" defTabSz="457200" rtl="0" eaLnBrk="1" latinLnBrk="0" hangingPunct="1">
       <a:defRPr sz="1800" kern="1200">
         <a:solidFill>
           <a:schemeClr val="tx1"/>
@@ -88,7 +95,7 @@
         <a:cs typeface="+mn-cs"/>
       </a:defRPr>
     </a:lvl6pPr>
-    <a:lvl7pPr marL="2743200" algn="l" defTabSz="914400" rtl="0" eaLnBrk="1" latinLnBrk="0" hangingPunct="1">
+    <a:lvl7pPr marL="2743200" algn="l" defTabSz="457200" rtl="0" eaLnBrk="1" latinLnBrk="0" hangingPunct="1">
       <a:defRPr sz="1800" kern="1200">
         <a:solidFill>
           <a:schemeClr val="tx1"/>
@@ -98,7 +105,7 @@
         <a:cs typeface="+mn-cs"/>
       </a:defRPr>
     </a:lvl7pPr>
-    <a:lvl8pPr marL="3200400" algn="l" defTabSz="914400" rtl="0" eaLnBrk="1" latinLnBrk="0" hangingPunct="1">
+    <a:lvl8pPr marL="3200400" algn="l" defTabSz="457200" rtl="0" eaLnBrk="1" latinLnBrk="0" hangingPunct="1">
       <a:defRPr sz="1800" kern="1200">
         <a:solidFill>
           <a:schemeClr val="tx1"/>
@@ -108,7 +115,7 @@
         <a:cs typeface="+mn-cs"/>
       </a:defRPr>
     </a:lvl8pPr>
-    <a:lvl9pPr marL="3657600" algn="l" defTabSz="914400" rtl="0" eaLnBrk="1" latinLnBrk="0" hangingPunct="1">
+    <a:lvl9pPr marL="3657600" algn="l" defTabSz="457200" rtl="0" eaLnBrk="1" latinLnBrk="0" hangingPunct="1">
       <a:defRPr sz="1800" kern="1200">
         <a:solidFill>
           <a:schemeClr val="tx1"/>
@@ -209,7 +216,7 @@
           <a:p>
             <a:fld id="{DBF0A504-8D30-45BB-8D29-F7BF444A4C1E}" type="datetimeFigureOut">
               <a:rPr lang="en-US" smtClean="0"/>
-              <a:t>12/16/2016</a:t>
+              <a:t>12/18/2016</a:t>
             </a:fld>
             <a:endParaRPr lang="en-US"/>
           </a:p>
@@ -375,7 +382,7 @@
           <a:p>
             <a:fld id="{BA443B5A-046E-4325-A058-2C61FA8B0430}" type="datetimeFigureOut">
               <a:rPr lang="en-US" smtClean="0"/>
-              <a:t>12/16/2016</a:t>
+              <a:t>12/18/2016</a:t>
             </a:fld>
             <a:endParaRPr lang="en-US"/>
           </a:p>
@@ -439,38 +446,37 @@
           <a:p>
             <a:pPr lvl="0"/>
             <a:r>
-              <a:rPr lang="en-US" smtClean="0"/>
+              <a:rPr lang="en-US"/>
               <a:t>Click to edit Master text styles</a:t>
             </a:r>
           </a:p>
           <a:p>
             <a:pPr lvl="1"/>
             <a:r>
-              <a:rPr lang="en-US" smtClean="0"/>
+              <a:rPr lang="en-US"/>
               <a:t>Second level</a:t>
             </a:r>
           </a:p>
           <a:p>
             <a:pPr lvl="2"/>
             <a:r>
-              <a:rPr lang="en-US" smtClean="0"/>
+              <a:rPr lang="en-US"/>
               <a:t>Third level</a:t>
             </a:r>
           </a:p>
           <a:p>
             <a:pPr lvl="3"/>
             <a:r>
-              <a:rPr lang="en-US" smtClean="0"/>
+              <a:rPr lang="en-US"/>
               <a:t>Fourth level</a:t>
             </a:r>
           </a:p>
           <a:p>
             <a:pPr lvl="4"/>
             <a:r>
-              <a:rPr lang="en-US" smtClean="0"/>
+              <a:rPr lang="en-US"/>
               <a:t>Fifth level</a:t>
             </a:r>
-            <a:endParaRPr lang="en-US"/>
           </a:p>
         </p:txBody>
       </p:sp>
@@ -645,8 +651,16 @@
 </file>
 
 <file path=ppt/slideLayouts/slideLayout1.xml><?xml version="1.0" encoding="utf-8"?>
-<p:sldLayout xmlns:a="http://schemas.openxmlformats.org/drawingml/2006/main" xmlns:r="http://schemas.openxmlformats.org/officeDocument/2006/relationships" xmlns:p="http://schemas.openxmlformats.org/presentationml/2006/main" type="title" preserve="1">
+<p:sldLayout xmlns:a="http://schemas.openxmlformats.org/drawingml/2006/main" xmlns:r="http://schemas.openxmlformats.org/officeDocument/2006/relationships" xmlns:p="http://schemas.openxmlformats.org/presentationml/2006/main" showMasterSp="0" type="title" preserve="1">
   <p:cSld name="Title Slide">
+    <p:bg>
+      <p:bgPr>
+        <a:solidFill>
+          <a:schemeClr val="bg2"/>
+        </a:solidFill>
+        <a:effectLst/>
+      </p:bgPr>
+    </p:bg>
     <p:spTree>
       <p:nvGrpSpPr>
         <p:cNvPr id="1" name=""/>
@@ -673,23 +687,29 @@
         </p:nvSpPr>
         <p:spPr>
           <a:xfrm>
-            <a:off x="1524000" y="1122363"/>
-            <a:ext cx="9144000" cy="2387600"/>
+            <a:off x="1915128" y="1788454"/>
+            <a:ext cx="8361229" cy="2098226"/>
           </a:xfrm>
         </p:spPr>
         <p:txBody>
-          <a:bodyPr anchor="b"/>
+          <a:bodyPr anchor="b">
+            <a:noAutofit/>
+          </a:bodyPr>
           <a:lstStyle>
             <a:lvl1pPr algn="ctr">
-              <a:defRPr sz="6000"/>
+              <a:defRPr sz="7200" cap="all" baseline="0">
+                <a:solidFill>
+                  <a:schemeClr val="tx2"/>
+                </a:solidFill>
+              </a:defRPr>
             </a:lvl1pPr>
           </a:lstStyle>
           <a:p>
             <a:r>
-              <a:rPr lang="en-US" smtClean="0"/>
+              <a:rPr lang="en-US"/>
               <a:t>Click to edit Master title style</a:t>
             </a:r>
-            <a:endParaRPr lang="en-US"/>
+            <a:endParaRPr lang="en-US" dirty="0"/>
           </a:p>
         </p:txBody>
       </p:sp>
@@ -705,16 +725,27 @@
         </p:nvSpPr>
         <p:spPr>
           <a:xfrm>
-            <a:off x="1524000" y="3602038"/>
-            <a:ext cx="9144000" cy="1655762"/>
+            <a:off x="2679906" y="3956279"/>
+            <a:ext cx="6831673" cy="1086237"/>
           </a:xfrm>
         </p:spPr>
         <p:txBody>
-          <a:bodyPr/>
+          <a:bodyPr>
+            <a:normAutofit/>
+          </a:bodyPr>
           <a:lstStyle>
             <a:lvl1pPr marL="0" indent="0" algn="ctr">
+              <a:lnSpc>
+                <a:spcPct val="112000"/>
+              </a:lnSpc>
+              <a:spcBef>
+                <a:spcPts val="0"/>
+              </a:spcBef>
+              <a:spcAft>
+                <a:spcPts val="0"/>
+              </a:spcAft>
               <a:buNone/>
-              <a:defRPr sz="2400"/>
+              <a:defRPr sz="2300"/>
             </a:lvl1pPr>
             <a:lvl2pPr marL="457200" indent="0" algn="ctr">
               <a:buNone/>
@@ -751,10 +782,10 @@
           </a:lstStyle>
           <a:p>
             <a:r>
-              <a:rPr lang="en-US" smtClean="0"/>
+              <a:rPr lang="en-US"/>
               <a:t>Click to edit Master subtitle style</a:t>
             </a:r>
-            <a:endParaRPr lang="en-US"/>
+            <a:endParaRPr lang="en-US" dirty="0"/>
           </a:p>
         </p:txBody>
       </p:sp>
@@ -768,14 +799,27 @@
             <p:ph type="dt" sz="half" idx="10"/>
           </p:nvPr>
         </p:nvSpPr>
-        <p:spPr/>
-        <p:txBody>
-          <a:bodyPr/>
-          <a:lstStyle/>
+        <p:spPr>
+          <a:xfrm>
+            <a:off x="752858" y="6453386"/>
+            <a:ext cx="1607944" cy="404614"/>
+          </a:xfrm>
+        </p:spPr>
+        <p:txBody>
+          <a:bodyPr/>
+          <a:lstStyle>
+            <a:lvl1pPr>
+              <a:defRPr baseline="0">
+                <a:solidFill>
+                  <a:schemeClr val="tx2"/>
+                </a:solidFill>
+              </a:defRPr>
+            </a:lvl1pPr>
+          </a:lstStyle>
           <a:p>
             <a:fld id="{16F9FCAB-75CB-418E-A87B-2EA497AA5328}" type="datetimeFigureOut">
               <a:rPr lang="en-US" smtClean="0"/>
-              <a:t>12/16/2016</a:t>
+              <a:t>12/18/2016</a:t>
             </a:fld>
             <a:endParaRPr lang="en-US"/>
           </a:p>
@@ -791,10 +835,23 @@
             <p:ph type="ftr" sz="quarter" idx="11"/>
           </p:nvPr>
         </p:nvSpPr>
-        <p:spPr/>
-        <p:txBody>
-          <a:bodyPr/>
-          <a:lstStyle/>
+        <p:spPr>
+          <a:xfrm>
+            <a:off x="2584054" y="6453386"/>
+            <a:ext cx="7023377" cy="404614"/>
+          </a:xfrm>
+        </p:spPr>
+        <p:txBody>
+          <a:bodyPr/>
+          <a:lstStyle>
+            <a:lvl1pPr algn="ctr">
+              <a:defRPr baseline="0">
+                <a:solidFill>
+                  <a:schemeClr val="tx2"/>
+                </a:solidFill>
+              </a:defRPr>
+            </a:lvl1pPr>
+          </a:lstStyle>
           <a:p>
             <a:endParaRPr lang="en-US"/>
           </a:p>
@@ -810,10 +867,23 @@
             <p:ph type="sldNum" sz="quarter" idx="12"/>
           </p:nvPr>
         </p:nvSpPr>
-        <p:spPr/>
-        <p:txBody>
-          <a:bodyPr/>
-          <a:lstStyle/>
+        <p:spPr>
+          <a:xfrm>
+            <a:off x="9830683" y="6453386"/>
+            <a:ext cx="1596292" cy="404614"/>
+          </a:xfrm>
+        </p:spPr>
+        <p:txBody>
+          <a:bodyPr/>
+          <a:lstStyle>
+            <a:lvl1pPr>
+              <a:defRPr baseline="0">
+                <a:solidFill>
+                  <a:schemeClr val="tx2"/>
+                </a:solidFill>
+              </a:defRPr>
+            </a:lvl1pPr>
+          </a:lstStyle>
           <a:p>
             <a:fld id="{4A9ECB40-0D5F-4ACD-AF7E-161FADA5E9D9}" type="slidenum">
               <a:rPr lang="en-US" smtClean="0"/>
@@ -823,15 +893,144 @@
           </a:p>
         </p:txBody>
       </p:sp>
+      <p:grpSp>
+        <p:nvGrpSpPr>
+          <p:cNvPr id="7" name="Group 6"/>
+          <p:cNvGrpSpPr/>
+          <p:nvPr/>
+        </p:nvGrpSpPr>
+        <p:grpSpPr>
+          <a:xfrm>
+            <a:off x="752858" y="744469"/>
+            <a:ext cx="10674117" cy="5349671"/>
+            <a:chOff x="752858" y="744469"/>
+            <a:chExt cx="10674117" cy="5349671"/>
+          </a:xfrm>
+        </p:grpSpPr>
+        <p:sp>
+          <p:nvSpPr>
+            <p:cNvPr id="11" name="Freeform 6"/>
+            <p:cNvSpPr/>
+            <p:nvPr/>
+          </p:nvSpPr>
+          <p:spPr bwMode="auto">
+            <a:xfrm>
+              <a:off x="8151962" y="1685652"/>
+              <a:ext cx="3275013" cy="4408488"/>
+            </a:xfrm>
+            <a:custGeom>
+              <a:avLst/>
+              <a:gdLst/>
+              <a:ahLst/>
+              <a:cxnLst/>
+              <a:rect l="l" t="t" r="r" b="b"/>
+              <a:pathLst>
+                <a:path w="10000" h="10000">
+                  <a:moveTo>
+                    <a:pt x="8761" y="0"/>
+                  </a:moveTo>
+                  <a:lnTo>
+                    <a:pt x="10000" y="0"/>
+                  </a:lnTo>
+                  <a:lnTo>
+                    <a:pt x="10000" y="10000"/>
+                  </a:lnTo>
+                  <a:lnTo>
+                    <a:pt x="0" y="10000"/>
+                  </a:lnTo>
+                  <a:lnTo>
+                    <a:pt x="0" y="9126"/>
+                  </a:lnTo>
+                  <a:lnTo>
+                    <a:pt x="8761" y="9127"/>
+                  </a:lnTo>
+                  <a:lnTo>
+                    <a:pt x="8761" y="0"/>
+                  </a:lnTo>
+                  <a:close/>
+                </a:path>
+              </a:pathLst>
+            </a:custGeom>
+            <a:solidFill>
+              <a:schemeClr val="tx2"/>
+            </a:solidFill>
+            <a:ln w="0">
+              <a:noFill/>
+              <a:prstDash val="solid"/>
+              <a:round/>
+              <a:headEnd/>
+              <a:tailEnd/>
+            </a:ln>
+          </p:spPr>
+        </p:sp>
+        <p:sp>
+          <p:nvSpPr>
+            <p:cNvPr id="14" name="Freeform 6"/>
+            <p:cNvSpPr/>
+            <p:nvPr/>
+          </p:nvSpPr>
+          <p:spPr bwMode="auto">
+            <a:xfrm flipH="1" flipV="1">
+              <a:off x="752858" y="744469"/>
+              <a:ext cx="3275668" cy="4408488"/>
+            </a:xfrm>
+            <a:custGeom>
+              <a:avLst/>
+              <a:gdLst/>
+              <a:ahLst/>
+              <a:cxnLst/>
+              <a:rect l="l" t="t" r="r" b="b"/>
+              <a:pathLst>
+                <a:path w="10002" h="10000">
+                  <a:moveTo>
+                    <a:pt x="8763" y="0"/>
+                  </a:moveTo>
+                  <a:lnTo>
+                    <a:pt x="10002" y="0"/>
+                  </a:lnTo>
+                  <a:lnTo>
+                    <a:pt x="10002" y="10000"/>
+                  </a:lnTo>
+                  <a:lnTo>
+                    <a:pt x="2" y="10000"/>
+                  </a:lnTo>
+                  <a:cubicBezTo>
+                    <a:pt x="-2" y="9698"/>
+                    <a:pt x="4" y="9427"/>
+                    <a:pt x="0" y="9125"/>
+                  </a:cubicBezTo>
+                  <a:lnTo>
+                    <a:pt x="8763" y="9128"/>
+                  </a:lnTo>
+                  <a:lnTo>
+                    <a:pt x="8763" y="0"/>
+                  </a:lnTo>
+                  <a:close/>
+                </a:path>
+              </a:pathLst>
+            </a:custGeom>
+            <a:solidFill>
+              <a:schemeClr val="tx2"/>
+            </a:solidFill>
+            <a:ln w="0">
+              <a:noFill/>
+              <a:prstDash val="solid"/>
+              <a:round/>
+              <a:headEnd/>
+              <a:tailEnd/>
+            </a:ln>
+          </p:spPr>
+        </p:sp>
+      </p:grpSp>
     </p:spTree>
     <p:extLst>
       <p:ext uri="{BB962C8B-B14F-4D97-AF65-F5344CB8AC3E}">
-        <p14:creationId xmlns:p14="http://schemas.microsoft.com/office/powerpoint/2010/main" val="645799289"/>
+        <p14:creationId xmlns:p14="http://schemas.microsoft.com/office/powerpoint/2010/main" val="773403117"/>
       </p:ext>
     </p:extLst>
   </p:cSld>
   <p:clrMapOvr>
-    <a:masterClrMapping/>
+    <a:overrideClrMapping bg1="lt1" tx1="dk1" bg2="lt2" tx2="dk2" accent1="accent1" accent2="accent2" accent3="accent3" accent4="accent4" accent5="accent5" accent6="accent6" hlink="hlink" folHlink="folHlink"/>
   </p:clrMapOvr>
 </p:sldLayout>
 </file>
@@ -869,10 +1068,10 @@
           <a:lstStyle/>
           <a:p>
             <a:r>
-              <a:rPr lang="en-US" smtClean="0"/>
+              <a:rPr lang="en-US"/>
               <a:t>Click to edit Master title style</a:t>
             </a:r>
-            <a:endParaRPr lang="en-US"/>
+            <a:endParaRPr lang="en-US" dirty="0"/>
           </a:p>
         </p:txBody>
       </p:sp>
@@ -886,45 +1085,50 @@
             <p:ph type="body" orient="vert" idx="1"/>
           </p:nvPr>
         </p:nvSpPr>
-        <p:spPr/>
+        <p:spPr>
+          <a:xfrm>
+            <a:off x="1371600" y="2295525"/>
+            <a:ext cx="9601200" cy="3571875"/>
+          </a:xfrm>
+        </p:spPr>
         <p:txBody>
           <a:bodyPr vert="eaVert"/>
           <a:lstStyle/>
           <a:p>
             <a:pPr lvl="0"/>
             <a:r>
-              <a:rPr lang="en-US" smtClean="0"/>
-              <a:t>Click to edit Master text styles</a:t>
+              <a:rPr lang="en-US"/>
+              <a:t>Edit Master text styles</a:t>
             </a:r>
           </a:p>
           <a:p>
             <a:pPr lvl="1"/>
             <a:r>
-              <a:rPr lang="en-US" smtClean="0"/>
+              <a:rPr lang="en-US"/>
               <a:t>Second level</a:t>
             </a:r>
           </a:p>
           <a:p>
             <a:pPr lvl="2"/>
             <a:r>
-              <a:rPr lang="en-US" smtClean="0"/>
+              <a:rPr lang="en-US"/>
               <a:t>Third level</a:t>
             </a:r>
           </a:p>
           <a:p>
             <a:pPr lvl="3"/>
             <a:r>
-              <a:rPr lang="en-US" smtClean="0"/>
+              <a:rPr lang="en-US"/>
               <a:t>Fourth level</a:t>
             </a:r>
           </a:p>
           <a:p>
             <a:pPr lvl="4"/>
             <a:r>
-              <a:rPr lang="en-US" smtClean="0"/>
+              <a:rPr lang="en-US"/>
               <a:t>Fifth level</a:t>
             </a:r>
-            <a:endParaRPr lang="en-US"/>
+            <a:endParaRPr lang="en-US" dirty="0"/>
           </a:p>
         </p:txBody>
       </p:sp>
@@ -945,7 +1149,7 @@
           <a:p>
             <a:fld id="{16F9FCAB-75CB-418E-A87B-2EA497AA5328}" type="datetimeFigureOut">
               <a:rPr lang="en-US" smtClean="0"/>
-              <a:t>12/16/2016</a:t>
+              <a:t>12/18/2016</a:t>
             </a:fld>
             <a:endParaRPr lang="en-US"/>
           </a:p>
@@ -996,7 +1200,7 @@
     </p:spTree>
     <p:extLst>
       <p:ext uri="{BB962C8B-B14F-4D97-AF65-F5344CB8AC3E}">
-        <p14:creationId xmlns:p14="http://schemas.microsoft.com/office/powerpoint/2010/main" val="2076384319"/>
+        <p14:creationId xmlns:p14="http://schemas.microsoft.com/office/powerpoint/2010/main" val="4129135387"/>
       </p:ext>
     </p:extLst>
   </p:cSld>
@@ -1035,8 +1239,8 @@
         </p:nvSpPr>
         <p:spPr>
           <a:xfrm>
-            <a:off x="8724900" y="365125"/>
-            <a:ext cx="2628900" cy="5811838"/>
+            <a:off x="9596561" y="624156"/>
+            <a:ext cx="1565766" cy="5243244"/>
           </a:xfrm>
         </p:spPr>
         <p:txBody>
@@ -1044,10 +1248,10 @@
           <a:lstStyle/>
           <a:p>
             <a:r>
-              <a:rPr lang="en-US" smtClean="0"/>
+              <a:rPr lang="en-US"/>
               <a:t>Click to edit Master title style</a:t>
             </a:r>
-            <a:endParaRPr lang="en-US"/>
+            <a:endParaRPr lang="en-US" dirty="0"/>
           </a:p>
         </p:txBody>
       </p:sp>
@@ -1063,8 +1267,8 @@
         </p:nvSpPr>
         <p:spPr>
           <a:xfrm>
-            <a:off x="838200" y="365125"/>
-            <a:ext cx="7734300" cy="5811838"/>
+            <a:off x="1371600" y="624156"/>
+            <a:ext cx="8179641" cy="5243244"/>
           </a:xfrm>
         </p:spPr>
         <p:txBody>
@@ -1073,38 +1277,38 @@
           <a:p>
             <a:pPr lvl="0"/>
             <a:r>
-              <a:rPr lang="en-US" smtClean="0"/>
-              <a:t>Click to edit Master text styles</a:t>
+              <a:rPr lang="en-US"/>
+              <a:t>Edit Master text styles</a:t>
             </a:r>
           </a:p>
           <a:p>
             <a:pPr lvl="1"/>
             <a:r>
-              <a:rPr lang="en-US" smtClean="0"/>
+              <a:rPr lang="en-US"/>
               <a:t>Second level</a:t>
             </a:r>
           </a:p>
           <a:p>
             <a:pPr lvl="2"/>
             <a:r>
-              <a:rPr lang="en-US" smtClean="0"/>
+              <a:rPr lang="en-US"/>
               <a:t>Third level</a:t>
             </a:r>
           </a:p>
           <a:p>
             <a:pPr lvl="3"/>
             <a:r>
-              <a:rPr lang="en-US" smtClean="0"/>
+              <a:rPr lang="en-US"/>
               <a:t>Fourth level</a:t>
             </a:r>
           </a:p>
           <a:p>
             <a:pPr lvl="4"/>
             <a:r>
-              <a:rPr lang="en-US" smtClean="0"/>
+              <a:rPr lang="en-US"/>
               <a:t>Fifth level</a:t>
             </a:r>
-            <a:endParaRPr lang="en-US"/>
+            <a:endParaRPr lang="en-US" dirty="0"/>
           </a:p>
         </p:txBody>
       </p:sp>
@@ -1125,7 +1329,7 @@
           <a:p>
             <a:fld id="{16F9FCAB-75CB-418E-A87B-2EA497AA5328}" type="datetimeFigureOut">
               <a:rPr lang="en-US" smtClean="0"/>
-              <a:t>12/16/2016</a:t>
+              <a:t>12/18/2016</a:t>
             </a:fld>
             <a:endParaRPr lang="en-US"/>
           </a:p>
@@ -1176,7 +1380,7 @@
     </p:spTree>
     <p:extLst>
       <p:ext uri="{BB962C8B-B14F-4D97-AF65-F5344CB8AC3E}">
-        <p14:creationId xmlns:p14="http://schemas.microsoft.com/office/powerpoint/2010/main" val="182418516"/>
+        <p14:creationId xmlns:p14="http://schemas.microsoft.com/office/powerpoint/2010/main" val="2729999449"/>
       </p:ext>
     </p:extLst>
   </p:cSld>
@@ -1219,10 +1423,10 @@
           <a:lstStyle/>
           <a:p>
             <a:r>
-              <a:rPr lang="en-US" smtClean="0"/>
+              <a:rPr lang="en-US"/>
               <a:t>Click to edit Master title style</a:t>
             </a:r>
-            <a:endParaRPr lang="en-US"/>
+            <a:endParaRPr lang="en-US" dirty="0"/>
           </a:p>
         </p:txBody>
       </p:sp>
@@ -1243,38 +1447,38 @@
           <a:p>
             <a:pPr lvl="0"/>
             <a:r>
-              <a:rPr lang="en-US" smtClean="0"/>
-              <a:t>Click to edit Master text styles</a:t>
+              <a:rPr lang="en-US"/>
+              <a:t>Edit Master text styles</a:t>
             </a:r>
           </a:p>
           <a:p>
             <a:pPr lvl="1"/>
             <a:r>
-              <a:rPr lang="en-US" smtClean="0"/>
+              <a:rPr lang="en-US"/>
               <a:t>Second level</a:t>
             </a:r>
           </a:p>
           <a:p>
             <a:pPr lvl="2"/>
             <a:r>
-              <a:rPr lang="en-US" smtClean="0"/>
+              <a:rPr lang="en-US"/>
               <a:t>Third level</a:t>
             </a:r>
           </a:p>
           <a:p>
             <a:pPr lvl="3"/>
             <a:r>
-              <a:rPr lang="en-US" smtClean="0"/>
+              <a:rPr lang="en-US"/>
               <a:t>Fourth level</a:t>
             </a:r>
           </a:p>
           <a:p>
             <a:pPr lvl="4"/>
             <a:r>
-              <a:rPr lang="en-US" smtClean="0"/>
+              <a:rPr lang="en-US"/>
               <a:t>Fifth level</a:t>
             </a:r>
-            <a:endParaRPr lang="en-US"/>
+            <a:endParaRPr lang="en-US" dirty="0"/>
           </a:p>
         </p:txBody>
       </p:sp>
@@ -1295,7 +1499,7 @@
           <a:p>
             <a:fld id="{16F9FCAB-75CB-418E-A87B-2EA497AA5328}" type="datetimeFigureOut">
               <a:rPr lang="en-US" smtClean="0"/>
-              <a:t>12/16/2016</a:t>
+              <a:t>12/18/2016</a:t>
             </a:fld>
             <a:endParaRPr lang="en-US"/>
           </a:p>
@@ -1346,7 +1550,7 @@
     </p:spTree>
     <p:extLst>
       <p:ext uri="{BB962C8B-B14F-4D97-AF65-F5344CB8AC3E}">
-        <p14:creationId xmlns:p14="http://schemas.microsoft.com/office/powerpoint/2010/main" val="2762526652"/>
+        <p14:creationId xmlns:p14="http://schemas.microsoft.com/office/powerpoint/2010/main" val="1481954644"/>
       </p:ext>
     </p:extLst>
   </p:cSld>
@@ -1357,8 +1561,13 @@
 </file>
 
 <file path=ppt/slideLayouts/slideLayout3.xml><?xml version="1.0" encoding="utf-8"?>
-<p:sldLayout xmlns:a="http://schemas.openxmlformats.org/drawingml/2006/main" xmlns:r="http://schemas.openxmlformats.org/officeDocument/2006/relationships" xmlns:p="http://schemas.openxmlformats.org/presentationml/2006/main" type="secHead" preserve="1">
+<p:sldLayout xmlns:a="http://schemas.openxmlformats.org/drawingml/2006/main" xmlns:r="http://schemas.openxmlformats.org/officeDocument/2006/relationships" xmlns:p="http://schemas.openxmlformats.org/presentationml/2006/main" showMasterSp="0" type="secHead" preserve="1">
   <p:cSld name="Section Header">
+    <p:bg>
+      <p:bgRef idx="1001">
+        <a:schemeClr val="bg2"/>
+      </p:bgRef>
+    </p:bg>
     <p:spTree>
       <p:nvGrpSpPr>
         <p:cNvPr id="1" name=""/>
@@ -1385,23 +1594,29 @@
         </p:nvSpPr>
         <p:spPr>
           <a:xfrm>
-            <a:off x="831850" y="1709738"/>
-            <a:ext cx="10515600" cy="2852737"/>
+            <a:off x="765025" y="1301360"/>
+            <a:ext cx="9612971" cy="2852737"/>
           </a:xfrm>
         </p:spPr>
         <p:txBody>
-          <a:bodyPr anchor="b"/>
+          <a:bodyPr anchor="b">
+            <a:normAutofit/>
+          </a:bodyPr>
           <a:lstStyle>
-            <a:lvl1pPr>
-              <a:defRPr sz="6000"/>
+            <a:lvl1pPr algn="r">
+              <a:defRPr sz="7200" cap="all" baseline="0">
+                <a:solidFill>
+                  <a:schemeClr val="tx2"/>
+                </a:solidFill>
+              </a:defRPr>
             </a:lvl1pPr>
           </a:lstStyle>
           <a:p>
             <a:r>
-              <a:rPr lang="en-US" smtClean="0"/>
+              <a:rPr lang="en-US"/>
               <a:t>Click to edit Master title style</a:t>
             </a:r>
-            <a:endParaRPr lang="en-US"/>
+            <a:endParaRPr lang="en-US" dirty="0"/>
           </a:p>
         </p:txBody>
       </p:sp>
@@ -1417,20 +1632,27 @@
         </p:nvSpPr>
         <p:spPr>
           <a:xfrm>
-            <a:off x="831850" y="4589463"/>
-            <a:ext cx="10515600" cy="1500187"/>
+            <a:off x="765025" y="4216328"/>
+            <a:ext cx="9612971" cy="1143324"/>
           </a:xfrm>
         </p:spPr>
         <p:txBody>
           <a:bodyPr/>
           <a:lstStyle>
-            <a:lvl1pPr marL="0" indent="0">
+            <a:lvl1pPr marL="0" indent="0" algn="r">
+              <a:lnSpc>
+                <a:spcPct val="112000"/>
+              </a:lnSpc>
+              <a:spcBef>
+                <a:spcPts val="0"/>
+              </a:spcBef>
+              <a:spcAft>
+                <a:spcPts val="0"/>
+              </a:spcAft>
               <a:buNone/>
               <a:defRPr sz="2400">
                 <a:solidFill>
-                  <a:schemeClr val="tx1">
-                    <a:tint val="75000"/>
-                  </a:schemeClr>
+                  <a:schemeClr val="tx2"/>
                 </a:solidFill>
               </a:defRPr>
             </a:lvl1pPr>
@@ -1518,8 +1740,8 @@
           <a:p>
             <a:pPr lvl="0"/>
             <a:r>
-              <a:rPr lang="en-US" smtClean="0"/>
-              <a:t>Click to edit Master text styles</a:t>
+              <a:rPr lang="en-US"/>
+              <a:t>Edit Master text styles</a:t>
             </a:r>
           </a:p>
         </p:txBody>
@@ -1534,14 +1756,27 @@
             <p:ph type="dt" sz="half" idx="10"/>
           </p:nvPr>
         </p:nvSpPr>
-        <p:spPr/>
-        <p:txBody>
-          <a:bodyPr/>
-          <a:lstStyle/>
+        <p:spPr>
+          <a:xfrm>
+            <a:off x="738908" y="6453386"/>
+            <a:ext cx="1622409" cy="404614"/>
+          </a:xfrm>
+        </p:spPr>
+        <p:txBody>
+          <a:bodyPr/>
+          <a:lstStyle>
+            <a:lvl1pPr>
+              <a:defRPr>
+                <a:solidFill>
+                  <a:schemeClr val="tx2"/>
+                </a:solidFill>
+              </a:defRPr>
+            </a:lvl1pPr>
+          </a:lstStyle>
           <a:p>
             <a:fld id="{16F9FCAB-75CB-418E-A87B-2EA497AA5328}" type="datetimeFigureOut">
               <a:rPr lang="en-US" smtClean="0"/>
-              <a:t>12/16/2016</a:t>
+              <a:t>12/18/2016</a:t>
             </a:fld>
             <a:endParaRPr lang="en-US"/>
           </a:p>
@@ -1557,10 +1792,23 @@
             <p:ph type="ftr" sz="quarter" idx="11"/>
           </p:nvPr>
         </p:nvSpPr>
-        <p:spPr/>
-        <p:txBody>
-          <a:bodyPr/>
-          <a:lstStyle/>
+        <p:spPr>
+          <a:xfrm>
+            <a:off x="2584312" y="6453386"/>
+            <a:ext cx="7023377" cy="404614"/>
+          </a:xfrm>
+        </p:spPr>
+        <p:txBody>
+          <a:bodyPr/>
+          <a:lstStyle>
+            <a:lvl1pPr algn="ctr">
+              <a:defRPr>
+                <a:solidFill>
+                  <a:schemeClr val="tx2"/>
+                </a:solidFill>
+              </a:defRPr>
+            </a:lvl1pPr>
+          </a:lstStyle>
           <a:p>
             <a:endParaRPr lang="en-US"/>
           </a:p>
@@ -1576,10 +1824,23 @@
             <p:ph type="sldNum" sz="quarter" idx="12"/>
           </p:nvPr>
         </p:nvSpPr>
-        <p:spPr/>
-        <p:txBody>
-          <a:bodyPr/>
-          <a:lstStyle/>
+        <p:spPr>
+          <a:xfrm>
+            <a:off x="9830683" y="6453386"/>
+            <a:ext cx="1596292" cy="404614"/>
+          </a:xfrm>
+        </p:spPr>
+        <p:txBody>
+          <a:bodyPr/>
+          <a:lstStyle>
+            <a:lvl1pPr>
+              <a:defRPr>
+                <a:solidFill>
+                  <a:schemeClr val="tx2"/>
+                </a:solidFill>
+              </a:defRPr>
+            </a:lvl1pPr>
+          </a:lstStyle>
           <a:p>
             <a:fld id="{4A9ECB40-0D5F-4ACD-AF7E-161FADA5E9D9}" type="slidenum">
               <a:rPr lang="en-US" smtClean="0"/>
@@ -1589,15 +1850,71 @@
           </a:p>
         </p:txBody>
       </p:sp>
+      <p:sp>
+        <p:nvSpPr>
+          <p:cNvPr id="7" name="Freeform 6" title="Crop Mark"/>
+          <p:cNvSpPr/>
+          <p:nvPr/>
+        </p:nvSpPr>
+        <p:spPr bwMode="auto">
+          <a:xfrm>
+            <a:off x="8151962" y="1685652"/>
+            <a:ext cx="3275013" cy="4408488"/>
+          </a:xfrm>
+          <a:custGeom>
+            <a:avLst/>
+            <a:gdLst/>
+            <a:ahLst/>
+            <a:cxnLst/>
+            <a:rect l="0" t="0" r="r" b="b"/>
+            <a:pathLst>
+              <a:path w="4125" h="5554">
+                <a:moveTo>
+                  <a:pt x="3614" y="0"/>
+                </a:moveTo>
+                <a:lnTo>
+                  <a:pt x="4125" y="0"/>
+                </a:lnTo>
+                <a:lnTo>
+                  <a:pt x="4125" y="5554"/>
+                </a:lnTo>
+                <a:lnTo>
+                  <a:pt x="0" y="5554"/>
+                </a:lnTo>
+                <a:lnTo>
+                  <a:pt x="0" y="5074"/>
+                </a:lnTo>
+                <a:lnTo>
+                  <a:pt x="3614" y="5074"/>
+                </a:lnTo>
+                <a:lnTo>
+                  <a:pt x="3614" y="0"/>
+                </a:lnTo>
+                <a:close/>
+              </a:path>
+            </a:pathLst>
+          </a:custGeom>
+          <a:solidFill>
+            <a:schemeClr val="tx2"/>
+          </a:solidFill>
+          <a:ln w="0">
+            <a:noFill/>
+            <a:prstDash val="solid"/>
+            <a:round/>
+            <a:headEnd/>
+            <a:tailEnd/>
+          </a:ln>
+        </p:spPr>
+      </p:sp>
     </p:spTree>
     <p:extLst>
       <p:ext uri="{BB962C8B-B14F-4D97-AF65-F5344CB8AC3E}">
-        <p14:creationId xmlns:p14="http://schemas.microsoft.com/office/powerpoint/2010/main" val="927294737"/>
+        <p14:creationId xmlns:p14="http://schemas.microsoft.com/office/powerpoint/2010/main" val="2340495352"/>
       </p:ext>
     </p:extLst>
   </p:cSld>
   <p:clrMapOvr>
-    <a:masterClrMapping/>
+    <a:overrideClrMapping bg1="dk1" tx1="lt1" bg2="dk2" tx2="lt2" accent1="accent1" accent2="accent2" accent3="accent3" accent4="accent4" accent5="accent5" accent6="accent6" hlink="hlink" folHlink="folHlink"/>
   </p:clrMapOvr>
 </p:sldLayout>
 </file>
@@ -1632,13 +1949,21 @@
         <p:spPr/>
         <p:txBody>
           <a:bodyPr/>
-          <a:lstStyle/>
-          <a:p>
-            <a:r>
-              <a:rPr lang="en-US" smtClean="0"/>
+          <a:lstStyle>
+            <a:lvl1pPr>
+              <a:defRPr>
+                <a:solidFill>
+                  <a:schemeClr val="tx2"/>
+                </a:solidFill>
+              </a:defRPr>
+            </a:lvl1pPr>
+          </a:lstStyle>
+          <a:p>
+            <a:r>
+              <a:rPr lang="en-US"/>
               <a:t>Click to edit Master title style</a:t>
             </a:r>
-            <a:endParaRPr lang="en-US"/>
+            <a:endParaRPr lang="en-US" dirty="0"/>
           </a:p>
         </p:txBody>
       </p:sp>
@@ -1654,48 +1979,84 @@
         </p:nvSpPr>
         <p:spPr>
           <a:xfrm>
-            <a:off x="838200" y="1825625"/>
-            <a:ext cx="5181600" cy="4351338"/>
+            <a:off x="1371600" y="2285999"/>
+            <a:ext cx="4447786" cy="3581401"/>
           </a:xfrm>
         </p:spPr>
         <p:txBody>
           <a:bodyPr/>
-          <a:lstStyle/>
+          <a:lstStyle>
+            <a:lvl1pPr>
+              <a:defRPr baseline="0">
+                <a:solidFill>
+                  <a:schemeClr val="tx2"/>
+                </a:solidFill>
+              </a:defRPr>
+            </a:lvl1pPr>
+            <a:lvl2pPr>
+              <a:defRPr baseline="0">
+                <a:solidFill>
+                  <a:schemeClr val="tx2"/>
+                </a:solidFill>
+              </a:defRPr>
+            </a:lvl2pPr>
+            <a:lvl3pPr>
+              <a:defRPr baseline="0">
+                <a:solidFill>
+                  <a:schemeClr val="tx2"/>
+                </a:solidFill>
+              </a:defRPr>
+            </a:lvl3pPr>
+            <a:lvl4pPr>
+              <a:defRPr baseline="0">
+                <a:solidFill>
+                  <a:schemeClr val="tx2"/>
+                </a:solidFill>
+              </a:defRPr>
+            </a:lvl4pPr>
+            <a:lvl5pPr>
+              <a:defRPr baseline="0">
+                <a:solidFill>
+                  <a:schemeClr val="tx2"/>
+                </a:solidFill>
+              </a:defRPr>
+            </a:lvl5pPr>
+          </a:lstStyle>
           <a:p>
             <a:pPr lvl="0"/>
             <a:r>
-              <a:rPr lang="en-US" smtClean="0"/>
-              <a:t>Click to edit Master text styles</a:t>
+              <a:rPr lang="en-US"/>
+              <a:t>Edit Master text styles</a:t>
             </a:r>
           </a:p>
           <a:p>
             <a:pPr lvl="1"/>
             <a:r>
-              <a:rPr lang="en-US" smtClean="0"/>
+              <a:rPr lang="en-US"/>
               <a:t>Second level</a:t>
             </a:r>
           </a:p>
           <a:p>
             <a:pPr lvl="2"/>
             <a:r>
-              <a:rPr lang="en-US" smtClean="0"/>
+              <a:rPr lang="en-US"/>
               <a:t>Third level</a:t>
             </a:r>
           </a:p>
           <a:p>
             <a:pPr lvl="3"/>
             <a:r>
-              <a:rPr lang="en-US" smtClean="0"/>
+              <a:rPr lang="en-US"/>
               <a:t>Fourth level</a:t>
             </a:r>
           </a:p>
           <a:p>
             <a:pPr lvl="4"/>
             <a:r>
-              <a:rPr lang="en-US" smtClean="0"/>
+              <a:rPr lang="en-US"/>
               <a:t>Fifth level</a:t>
             </a:r>
-            <a:endParaRPr lang="en-US"/>
+            <a:endParaRPr lang="en-US" dirty="0"/>
           </a:p>
         </p:txBody>
       </p:sp>
@@ -1711,48 +2072,84 @@
         </p:nvSpPr>
         <p:spPr>
           <a:xfrm>
-            <a:off x="6172200" y="1825625"/>
-            <a:ext cx="5181600" cy="4351338"/>
+            <a:off x="6525403" y="2285999"/>
+            <a:ext cx="4447786" cy="3581401"/>
           </a:xfrm>
         </p:spPr>
         <p:txBody>
           <a:bodyPr/>
-          <a:lstStyle/>
+          <a:lstStyle>
+            <a:lvl1pPr>
+              <a:defRPr>
+                <a:solidFill>
+                  <a:schemeClr val="tx2"/>
+                </a:solidFill>
+              </a:defRPr>
+            </a:lvl1pPr>
+            <a:lvl2pPr>
+              <a:defRPr>
+                <a:solidFill>
+                  <a:schemeClr val="tx2"/>
+                </a:solidFill>
+              </a:defRPr>
+            </a:lvl2pPr>
+            <a:lvl3pPr>
+              <a:defRPr>
+                <a:solidFill>
+                  <a:schemeClr val="tx2"/>
+                </a:solidFill>
+              </a:defRPr>
+            </a:lvl3pPr>
+            <a:lvl4pPr>
+              <a:defRPr>
+                <a:solidFill>
+                  <a:schemeClr val="tx2"/>
+                </a:solidFill>
+              </a:defRPr>
+            </a:lvl4pPr>
+            <a:lvl5pPr>
+              <a:defRPr>
+                <a:solidFill>
+                  <a:schemeClr val="tx2"/>
+                </a:solidFill>
+              </a:defRPr>
+            </a:lvl5pPr>
+          </a:lstStyle>
           <a:p>
             <a:pPr lvl="0"/>
             <a:r>
-              <a:rPr lang="en-US" smtClean="0"/>
-              <a:t>Click to edit Master text styles</a:t>
+              <a:rPr lang="en-US"/>
+              <a:t>Edit Master text styles</a:t>
             </a:r>
           </a:p>
           <a:p>
             <a:pPr lvl="1"/>
             <a:r>
-              <a:rPr lang="en-US" smtClean="0"/>
+              <a:rPr lang="en-US"/>
               <a:t>Second level</a:t>
             </a:r>
           </a:p>
           <a:p>
             <a:pPr lvl="2"/>
             <a:r>
-              <a:rPr lang="en-US" smtClean="0"/>
+              <a:rPr lang="en-US"/>
               <a:t>Third level</a:t>
             </a:r>
           </a:p>
           <a:p>
             <a:pPr lvl="3"/>
             <a:r>
-              <a:rPr lang="en-US" smtClean="0"/>
+              <a:rPr lang="en-US"/>
               <a:t>Fourth level</a:t>
             </a:r>
           </a:p>
           <a:p>
             <a:pPr lvl="4"/>
             <a:r>
-              <a:rPr lang="en-US" smtClean="0"/>
+              <a:rPr lang="en-US"/>
               <a:t>Fifth level</a:t>
             </a:r>
-            <a:endParaRPr lang="en-US"/>
+            <a:endParaRPr lang="en-US" dirty="0"/>
           </a:p>
         </p:txBody>
       </p:sp>
@@ -1773,7 +2170,7 @@
           <a:p>
             <a:fld id="{16F9FCAB-75CB-418E-A87B-2EA497AA5328}" type="datetimeFigureOut">
               <a:rPr lang="en-US" smtClean="0"/>
-              <a:t>12/16/2016</a:t>
+              <a:t>12/18/2016</a:t>
             </a:fld>
             <a:endParaRPr lang="en-US"/>
           </a:p>
@@ -1824,7 +2221,7 @@
     </p:spTree>
     <p:extLst>
       <p:ext uri="{BB962C8B-B14F-4D97-AF65-F5344CB8AC3E}">
-        <p14:creationId xmlns:p14="http://schemas.microsoft.com/office/powerpoint/2010/main" val="294401839"/>
+        <p14:creationId xmlns:p14="http://schemas.microsoft.com/office/powerpoint/2010/main" val="963616574"/>
       </p:ext>
     </p:extLst>
   </p:cSld>
@@ -1863,19 +2260,27 @@
         </p:nvSpPr>
         <p:spPr>
           <a:xfrm>
-            <a:off x="839788" y="365125"/>
-            <a:ext cx="10515600" cy="1325563"/>
+            <a:off x="1371600" y="685800"/>
+            <a:ext cx="9601200" cy="1485900"/>
           </a:xfrm>
         </p:spPr>
         <p:txBody>
           <a:bodyPr/>
-          <a:lstStyle/>
-          <a:p>
-            <a:r>
-              <a:rPr lang="en-US" smtClean="0"/>
+          <a:lstStyle>
+            <a:lvl1pPr>
+              <a:defRPr>
+                <a:solidFill>
+                  <a:schemeClr val="tx2"/>
+                </a:solidFill>
+              </a:defRPr>
+            </a:lvl1pPr>
+          </a:lstStyle>
+          <a:p>
+            <a:r>
+              <a:rPr lang="en-US"/>
               <a:t>Click to edit Master title style</a:t>
             </a:r>
-            <a:endParaRPr lang="en-US"/>
+            <a:endParaRPr lang="en-US" dirty="0"/>
           </a:p>
         </p:txBody>
       </p:sp>
@@ -1891,16 +2296,31 @@
         </p:nvSpPr>
         <p:spPr>
           <a:xfrm>
-            <a:off x="839788" y="1681163"/>
-            <a:ext cx="5157787" cy="823912"/>
+            <a:off x="1371600" y="2340864"/>
+            <a:ext cx="4443984" cy="823912"/>
           </a:xfrm>
         </p:spPr>
         <p:txBody>
-          <a:bodyPr anchor="b"/>
+          <a:bodyPr anchor="b">
+            <a:noAutofit/>
+          </a:bodyPr>
           <a:lstStyle>
             <a:lvl1pPr marL="0" indent="0">
+              <a:lnSpc>
+                <a:spcPct val="84000"/>
+              </a:lnSpc>
+              <a:spcBef>
+                <a:spcPts val="0"/>
+              </a:spcBef>
+              <a:spcAft>
+                <a:spcPts val="0"/>
+              </a:spcAft>
               <a:buNone/>
-              <a:defRPr sz="2400" b="1"/>
+              <a:defRPr sz="3000" b="0" baseline="0">
+                <a:solidFill>
+                  <a:schemeClr val="tx2"/>
+                </a:solidFill>
+              </a:defRPr>
             </a:lvl1pPr>
             <a:lvl2pPr marL="457200" indent="0">
               <a:buNone/>
@@ -1938,8 +2358,8 @@
           <a:p>
             <a:pPr lvl="0"/>
             <a:r>
-              <a:rPr lang="en-US" smtClean="0"/>
-              <a:t>Click to edit Master text styles</a:t>
+              <a:rPr lang="en-US"/>
+              <a:t>Edit Master text styles</a:t>
             </a:r>
           </a:p>
         </p:txBody>
@@ -1956,48 +2376,84 @@
         </p:nvSpPr>
         <p:spPr>
           <a:xfrm>
-            <a:off x="839788" y="2505075"/>
-            <a:ext cx="5157787" cy="3684588"/>
+            <a:off x="1371600" y="3305207"/>
+            <a:ext cx="4443984" cy="2562193"/>
           </a:xfrm>
         </p:spPr>
         <p:txBody>
           <a:bodyPr/>
-          <a:lstStyle/>
+          <a:lstStyle>
+            <a:lvl1pPr>
+              <a:defRPr baseline="0">
+                <a:solidFill>
+                  <a:schemeClr val="tx2"/>
+                </a:solidFill>
+              </a:defRPr>
+            </a:lvl1pPr>
+            <a:lvl2pPr>
+              <a:defRPr baseline="0">
+                <a:solidFill>
+                  <a:schemeClr val="tx2"/>
+                </a:solidFill>
+              </a:defRPr>
+            </a:lvl2pPr>
+            <a:lvl3pPr>
+              <a:defRPr baseline="0">
+                <a:solidFill>
+                  <a:schemeClr val="tx2"/>
+                </a:solidFill>
+              </a:defRPr>
+            </a:lvl3pPr>
+            <a:lvl4pPr>
+              <a:defRPr baseline="0">
+                <a:solidFill>
+                  <a:schemeClr val="tx2"/>
+                </a:solidFill>
+              </a:defRPr>
+            </a:lvl4pPr>
+            <a:lvl5pPr>
+              <a:defRPr baseline="0">
+                <a:solidFill>
+                  <a:schemeClr val="tx2"/>
+                </a:solidFill>
+              </a:defRPr>
+            </a:lvl5pPr>
+          </a:lstStyle>
           <a:p>
             <a:pPr lvl="0"/>
             <a:r>
-              <a:rPr lang="en-US" smtClean="0"/>
-              <a:t>Click to edit Master text styles</a:t>
+              <a:rPr lang="en-US"/>
+              <a:t>Edit Master text styles</a:t>
             </a:r>
           </a:p>
           <a:p>
             <a:pPr lvl="1"/>
             <a:r>
-              <a:rPr lang="en-US" smtClean="0"/>
+              <a:rPr lang="en-US"/>
               <a:t>Second level</a:t>
             </a:r>
           </a:p>
           <a:p>
             <a:pPr lvl="2"/>
             <a:r>
-              <a:rPr lang="en-US" smtClean="0"/>
+              <a:rPr lang="en-US"/>
               <a:t>Third level</a:t>
             </a:r>
           </a:p>
           <a:p>
             <a:pPr lvl="3"/>
             <a:r>
-              <a:rPr lang="en-US" smtClean="0"/>
+              <a:rPr lang="en-US"/>
               <a:t>Fourth level</a:t>
             </a:r>
           </a:p>
           <a:p>
             <a:pPr lvl="4"/>
             <a:r>
-              <a:rPr lang="en-US" smtClean="0"/>
+              <a:rPr lang="en-US"/>
               <a:t>Fifth level</a:t>
             </a:r>
-            <a:endParaRPr lang="en-US"/>
+            <a:endParaRPr lang="en-US" dirty="0"/>
           </a:p>
         </p:txBody>
       </p:sp>
@@ -2013,16 +2469,31 @@
         </p:nvSpPr>
         <p:spPr>
           <a:xfrm>
-            <a:off x="6172200" y="1681163"/>
-            <a:ext cx="5183188" cy="823912"/>
+            <a:off x="6525014" y="2340864"/>
+            <a:ext cx="4443984" cy="823912"/>
           </a:xfrm>
         </p:spPr>
         <p:txBody>
-          <a:bodyPr anchor="b"/>
+          <a:bodyPr anchor="b">
+            <a:noAutofit/>
+          </a:bodyPr>
           <a:lstStyle>
             <a:lvl1pPr marL="0" indent="0">
+              <a:lnSpc>
+                <a:spcPct val="84000"/>
+              </a:lnSpc>
+              <a:spcBef>
+                <a:spcPts val="0"/>
+              </a:spcBef>
+              <a:spcAft>
+                <a:spcPts val="0"/>
+              </a:spcAft>
               <a:buNone/>
-              <a:defRPr sz="2400" b="1"/>
+              <a:defRPr sz="3000" b="0" baseline="0">
+                <a:solidFill>
+                  <a:schemeClr val="tx2"/>
+                </a:solidFill>
+              </a:defRPr>
             </a:lvl1pPr>
             <a:lvl2pPr marL="457200" indent="0">
               <a:buNone/>
@@ -2060,8 +2531,8 @@
           <a:p>
             <a:pPr lvl="0"/>
             <a:r>
-              <a:rPr lang="en-US" smtClean="0"/>
-              <a:t>Click to edit Master text styles</a:t>
+              <a:rPr lang="en-US"/>
+              <a:t>Edit Master text styles</a:t>
             </a:r>
           </a:p>
         </p:txBody>
@@ -2078,48 +2549,84 @@
         </p:nvSpPr>
         <p:spPr>
           <a:xfrm>
-            <a:off x="6172200" y="2505075"/>
-            <a:ext cx="5183188" cy="3684588"/>
+            <a:off x="6525014" y="3305207"/>
+            <a:ext cx="4443984" cy="2562193"/>
           </a:xfrm>
         </p:spPr>
         <p:txBody>
           <a:bodyPr/>
-          <a:lstStyle/>
+          <a:lstStyle>
+            <a:lvl1pPr>
+              <a:defRPr baseline="0">
+                <a:solidFill>
+                  <a:schemeClr val="tx2"/>
+                </a:solidFill>
+              </a:defRPr>
+            </a:lvl1pPr>
+            <a:lvl2pPr>
+              <a:defRPr baseline="0">
+                <a:solidFill>
+                  <a:schemeClr val="tx2"/>
+                </a:solidFill>
+              </a:defRPr>
+            </a:lvl2pPr>
+            <a:lvl3pPr>
+              <a:defRPr baseline="0">
+                <a:solidFill>
+                  <a:schemeClr val="tx2"/>
+                </a:solidFill>
+              </a:defRPr>
+            </a:lvl3pPr>
+            <a:lvl4pPr>
+              <a:defRPr baseline="0">
+                <a:solidFill>
+                  <a:schemeClr val="tx2"/>
+                </a:solidFill>
+              </a:defRPr>
+            </a:lvl4pPr>
+            <a:lvl5pPr>
+              <a:defRPr baseline="0">
+                <a:solidFill>
+                  <a:schemeClr val="tx2"/>
+                </a:solidFill>
+              </a:defRPr>
+            </a:lvl5pPr>
+          </a:lstStyle>
           <a:p>
             <a:pPr lvl="0"/>
             <a:r>
-              <a:rPr lang="en-US" smtClean="0"/>
-              <a:t>Click to edit Master text styles</a:t>
+              <a:rPr lang="en-US"/>
+              <a:t>Edit Master text styles</a:t>
             </a:r>
           </a:p>
           <a:p>
             <a:pPr lvl="1"/>
             <a:r>
-              <a:rPr lang="en-US" smtClean="0"/>
+              <a:rPr lang="en-US"/>
               <a:t>Second level</a:t>
             </a:r>
           </a:p>
           <a:p>
             <a:pPr lvl="2"/>
             <a:r>
-              <a:rPr lang="en-US" smtClean="0"/>
+              <a:rPr lang="en-US"/>
               <a:t>Third level</a:t>
             </a:r>
           </a:p>
           <a:p>
             <a:pPr lvl="3"/>
             <a:r>
-              <a:rPr lang="en-US" smtClean="0"/>
+              <a:rPr lang="en-US"/>
               <a:t>Fourth level</a:t>
             </a:r>
           </a:p>
           <a:p>
             <a:pPr lvl="4"/>
             <a:r>
-              <a:rPr lang="en-US" smtClean="0"/>
+              <a:rPr lang="en-US"/>
               <a:t>Fifth level</a:t>
             </a:r>
-            <a:endParaRPr lang="en-US"/>
+            <a:endParaRPr lang="en-US" dirty="0"/>
           </a:p>
         </p:txBody>
       </p:sp>
@@ -2140,7 +2647,7 @@
           <a:p>
             <a:fld id="{16F9FCAB-75CB-418E-A87B-2EA497AA5328}" type="datetimeFigureOut">
               <a:rPr lang="en-US" smtClean="0"/>
-              <a:t>12/16/2016</a:t>
+              <a:t>12/18/2016</a:t>
             </a:fld>
             <a:endParaRPr lang="en-US"/>
           </a:p>
@@ -2191,7 +2698,7 @@
     </p:spTree>
     <p:extLst>
       <p:ext uri="{BB962C8B-B14F-4D97-AF65-F5344CB8AC3E}">
-        <p14:creationId xmlns:p14="http://schemas.microsoft.com/office/powerpoint/2010/main" val="1197516204"/>
+        <p14:creationId xmlns:p14="http://schemas.microsoft.com/office/powerpoint/2010/main" val="3260826612"/>
       </p:ext>
     </p:extLst>
   </p:cSld>
@@ -2234,10 +2741,10 @@
           <a:lstStyle/>
           <a:p>
             <a:r>
-              <a:rPr lang="en-US" smtClean="0"/>
+              <a:rPr lang="en-US"/>
               <a:t>Click to edit Master title style</a:t>
             </a:r>
-            <a:endParaRPr lang="en-US"/>
+            <a:endParaRPr lang="en-US" dirty="0"/>
           </a:p>
         </p:txBody>
       </p:sp>
@@ -2258,7 +2765,7 @@
           <a:p>
             <a:fld id="{16F9FCAB-75CB-418E-A87B-2EA497AA5328}" type="datetimeFigureOut">
               <a:rPr lang="en-US" smtClean="0"/>
-              <a:t>12/16/2016</a:t>
+              <a:t>12/18/2016</a:t>
             </a:fld>
             <a:endParaRPr lang="en-US"/>
           </a:p>
@@ -2309,7 +2816,7 @@
     </p:spTree>
     <p:extLst>
       <p:ext uri="{BB962C8B-B14F-4D97-AF65-F5344CB8AC3E}">
-        <p14:creationId xmlns:p14="http://schemas.microsoft.com/office/powerpoint/2010/main" val="1074362817"/>
+        <p14:creationId xmlns:p14="http://schemas.microsoft.com/office/powerpoint/2010/main" val="3769139982"/>
       </p:ext>
     </p:extLst>
   </p:cSld>
@@ -2353,7 +2860,7 @@
           <a:p>
             <a:fld id="{16F9FCAB-75CB-418E-A87B-2EA497AA5328}" type="datetimeFigureOut">
               <a:rPr lang="en-US" smtClean="0"/>
-              <a:t>12/16/2016</a:t>
+              <a:t>12/18/2016</a:t>
             </a:fld>
             <a:endParaRPr lang="en-US"/>
           </a:p>
@@ -2404,7 +2911,7 @@
     </p:spTree>
     <p:extLst>
       <p:ext uri="{BB962C8B-B14F-4D97-AF65-F5344CB8AC3E}">
-        <p14:creationId xmlns:p14="http://schemas.microsoft.com/office/powerpoint/2010/main" val="792421344"/>
+        <p14:creationId xmlns:p14="http://schemas.microsoft.com/office/powerpoint/2010/main" val="2606555091"/>
       </p:ext>
     </p:extLst>
   </p:cSld>
@@ -2415,7 +2922,7 @@
 </file>
 
 <file path=ppt/slideLayouts/slideLayout8.xml><?xml version="1.0" encoding="utf-8"?>
-<p:sldLayout xmlns:a="http://schemas.openxmlformats.org/drawingml/2006/main" xmlns:r="http://schemas.openxmlformats.org/officeDocument/2006/relationships" xmlns:p="http://schemas.openxmlformats.org/presentationml/2006/main" type="objTx" preserve="1">
+<p:sldLayout xmlns:a="http://schemas.openxmlformats.org/drawingml/2006/main" xmlns:r="http://schemas.openxmlformats.org/officeDocument/2006/relationships" xmlns:p="http://schemas.openxmlformats.org/presentationml/2006/main" showMasterSp="0" type="objTx" preserve="1">
   <p:cSld name="Content with Caption">
     <p:spTree>
       <p:nvGrpSpPr>
@@ -2433,33 +2940,80 @@
       </p:grpSpPr>
       <p:sp>
         <p:nvSpPr>
-          <p:cNvPr id="2" name="Title 1"/>
-          <p:cNvSpPr>
-            <a:spLocks noGrp="1"/>
-          </p:cNvSpPr>
-          <p:nvPr>
-            <p:ph type="title"/>
-          </p:nvPr>
+          <p:cNvPr id="8" name="Rectangle 7" title="Background Shape"/>
+          <p:cNvSpPr/>
+          <p:nvPr/>
         </p:nvSpPr>
         <p:spPr>
           <a:xfrm>
-            <a:off x="839788" y="457200"/>
-            <a:ext cx="3932237" cy="1600200"/>
+            <a:off x="0" y="376"/>
+            <a:ext cx="5303520" cy="6857624"/>
+          </a:xfrm>
+          <a:prstGeom prst="rect">
+            <a:avLst/>
+          </a:prstGeom>
+          <a:solidFill>
+            <a:schemeClr val="accent1"/>
+          </a:solidFill>
+          <a:ln>
+            <a:noFill/>
+          </a:ln>
+        </p:spPr>
+        <p:style>
+          <a:lnRef idx="2">
+            <a:schemeClr val="accent1">
+              <a:shade val="50000"/>
+            </a:schemeClr>
+          </a:lnRef>
+          <a:fillRef idx="1">
+            <a:schemeClr val="accent1"/>
+          </a:fillRef>
+          <a:effectRef idx="0">
+            <a:schemeClr val="accent1"/>
+          </a:effectRef>
+          <a:fontRef idx="minor">
+            <a:schemeClr val="lt1"/>
+          </a:fontRef>
+        </p:style>
+      </p:sp>
+      <p:sp>
+        <p:nvSpPr>
+          <p:cNvPr id="2" name="Title 1"/>
+          <p:cNvSpPr>
+            <a:spLocks noGrp="1"/>
+          </p:cNvSpPr>
+          <p:nvPr>
+            <p:ph type="title"/>
+          </p:nvPr>
+        </p:nvSpPr>
+        <p:spPr>
+          <a:xfrm>
+            <a:off x="723900" y="685800"/>
+            <a:ext cx="3855720" cy="2157884"/>
           </a:xfrm>
         </p:spPr>
         <p:txBody>
-          <a:bodyPr anchor="b"/>
+          <a:bodyPr anchor="t">
+            <a:noAutofit/>
+          </a:bodyPr>
           <a:lstStyle>
             <a:lvl1pPr>
-              <a:defRPr sz="3200"/>
+              <a:lnSpc>
+                <a:spcPct val="84000"/>
+              </a:lnSpc>
+              <a:defRPr sz="4800" baseline="0">
+                <a:solidFill>
+                  <a:schemeClr val="tx2"/>
+                </a:solidFill>
+              </a:defRPr>
             </a:lvl1pPr>
           </a:lstStyle>
           <a:p>
             <a:r>
-              <a:rPr lang="en-US" smtClean="0"/>
+              <a:rPr lang="en-US"/>
               <a:t>Click to edit Master title style</a:t>
             </a:r>
-            <a:endParaRPr lang="en-US"/>
+            <a:endParaRPr lang="en-US" dirty="0"/>
           </a:p>
         </p:txBody>
       </p:sp>
@@ -2475,76 +3029,76 @@
         </p:nvSpPr>
         <p:spPr>
           <a:xfrm>
-            <a:off x="5183188" y="987425"/>
-            <a:ext cx="6172200" cy="4873625"/>
+            <a:off x="6256020" y="685801"/>
+            <a:ext cx="5212080" cy="5175250"/>
           </a:xfrm>
         </p:spPr>
         <p:txBody>
           <a:bodyPr/>
           <a:lstStyle>
             <a:lvl1pPr>
-              <a:defRPr sz="3200"/>
+              <a:defRPr sz="2000"/>
             </a:lvl1pPr>
             <a:lvl2pPr>
-              <a:defRPr sz="2800"/>
+              <a:defRPr sz="2000"/>
             </a:lvl2pPr>
             <a:lvl3pPr>
-              <a:defRPr sz="2400"/>
+              <a:defRPr sz="1800"/>
             </a:lvl3pPr>
             <a:lvl4pPr>
-              <a:defRPr sz="2000"/>
+              <a:defRPr sz="1800"/>
             </a:lvl4pPr>
             <a:lvl5pPr>
-              <a:defRPr sz="2000"/>
+              <a:defRPr sz="1600"/>
             </a:lvl5pPr>
             <a:lvl6pPr>
-              <a:defRPr sz="2000"/>
+              <a:defRPr sz="1600"/>
             </a:lvl6pPr>
             <a:lvl7pPr>
-              <a:defRPr sz="2000"/>
+              <a:defRPr sz="1600"/>
             </a:lvl7pPr>
             <a:lvl8pPr>
-              <a:defRPr sz="2000"/>
+              <a:defRPr sz="1600"/>
             </a:lvl8pPr>
             <a:lvl9pPr>
-              <a:defRPr sz="2000"/>
+              <a:defRPr sz="1600"/>
             </a:lvl9pPr>
           </a:lstStyle>
           <a:p>
             <a:pPr lvl="0"/>
             <a:r>
-              <a:rPr lang="en-US" smtClean="0"/>
-              <a:t>Click to edit Master text styles</a:t>
+              <a:rPr lang="en-US"/>
+              <a:t>Edit Master text styles</a:t>
             </a:r>
           </a:p>
           <a:p>
             <a:pPr lvl="1"/>
             <a:r>
-              <a:rPr lang="en-US" smtClean="0"/>
+              <a:rPr lang="en-US"/>
               <a:t>Second level</a:t>
             </a:r>
           </a:p>
           <a:p>
             <a:pPr lvl="2"/>
             <a:r>
-              <a:rPr lang="en-US" smtClean="0"/>
+              <a:rPr lang="en-US"/>
               <a:t>Third level</a:t>
             </a:r>
           </a:p>
           <a:p>
             <a:pPr lvl="3"/>
             <a:r>
-              <a:rPr lang="en-US" smtClean="0"/>
+              <a:rPr lang="en-US"/>
               <a:t>Fourth level</a:t>
             </a:r>
           </a:p>
           <a:p>
             <a:pPr lvl="4"/>
             <a:r>
-              <a:rPr lang="en-US" smtClean="0"/>
+              <a:rPr lang="en-US"/>
               <a:t>Fifth level</a:t>
             </a:r>
-            <a:endParaRPr lang="en-US"/>
+            <a:endParaRPr lang="en-US" dirty="0"/>
           </a:p>
         </p:txBody>
       </p:sp>
@@ -2560,14 +3114,23 @@
         </p:nvSpPr>
         <p:spPr>
           <a:xfrm>
-            <a:off x="839788" y="2057400"/>
-            <a:ext cx="3932237" cy="3811588"/>
+            <a:off x="723900" y="2856344"/>
+            <a:ext cx="3855720" cy="3011056"/>
           </a:xfrm>
         </p:spPr>
         <p:txBody>
           <a:bodyPr/>
           <a:lstStyle>
             <a:lvl1pPr marL="0" indent="0">
+              <a:lnSpc>
+                <a:spcPct val="113000"/>
+              </a:lnSpc>
+              <a:spcBef>
+                <a:spcPts val="0"/>
+              </a:spcBef>
+              <a:spcAft>
+                <a:spcPts val="1500"/>
+              </a:spcAft>
               <a:buNone/>
               <a:defRPr sz="1600"/>
             </a:lvl1pPr>
@@ -2607,8 +3170,8 @@
           <a:p>
             <a:pPr lvl="0"/>
             <a:r>
-              <a:rPr lang="en-US" smtClean="0"/>
-              <a:t>Click to edit Master text styles</a:t>
+              <a:rPr lang="en-US"/>
+              <a:t>Edit Master text styles</a:t>
             </a:r>
           </a:p>
         </p:txBody>
@@ -2623,14 +3186,27 @@
             <p:ph type="dt" sz="half" idx="10"/>
           </p:nvPr>
         </p:nvSpPr>
-        <p:spPr/>
-        <p:txBody>
-          <a:bodyPr/>
-          <a:lstStyle/>
+        <p:spPr>
+          <a:xfrm>
+            <a:off x="723900" y="6453386"/>
+            <a:ext cx="1204572" cy="404614"/>
+          </a:xfrm>
+        </p:spPr>
+        <p:txBody>
+          <a:bodyPr/>
+          <a:lstStyle>
+            <a:lvl1pPr>
+              <a:defRPr>
+                <a:solidFill>
+                  <a:schemeClr val="tx2"/>
+                </a:solidFill>
+              </a:defRPr>
+            </a:lvl1pPr>
+          </a:lstStyle>
           <a:p>
             <a:fld id="{16F9FCAB-75CB-418E-A87B-2EA497AA5328}" type="datetimeFigureOut">
               <a:rPr lang="en-US" smtClean="0"/>
-              <a:t>12/16/2016</a:t>
+              <a:t>12/18/2016</a:t>
             </a:fld>
             <a:endParaRPr lang="en-US"/>
           </a:p>
@@ -2646,10 +3222,23 @@
             <p:ph type="ftr" sz="quarter" idx="11"/>
           </p:nvPr>
         </p:nvSpPr>
-        <p:spPr/>
-        <p:txBody>
-          <a:bodyPr/>
-          <a:lstStyle/>
+        <p:spPr>
+          <a:xfrm>
+            <a:off x="2205945" y="6453386"/>
+            <a:ext cx="2373675" cy="404614"/>
+          </a:xfrm>
+        </p:spPr>
+        <p:txBody>
+          <a:bodyPr/>
+          <a:lstStyle>
+            <a:lvl1pPr>
+              <a:defRPr>
+                <a:solidFill>
+                  <a:schemeClr val="tx2"/>
+                </a:solidFill>
+              </a:defRPr>
+            </a:lvl1pPr>
+          </a:lstStyle>
           <a:p>
             <a:endParaRPr lang="en-US"/>
           </a:p>
@@ -2665,10 +3254,23 @@
             <p:ph type="sldNum" sz="quarter" idx="12"/>
           </p:nvPr>
         </p:nvSpPr>
-        <p:spPr/>
-        <p:txBody>
-          <a:bodyPr/>
-          <a:lstStyle/>
+        <p:spPr>
+          <a:xfrm>
+            <a:off x="9883140" y="6453386"/>
+            <a:ext cx="1596292" cy="404614"/>
+          </a:xfrm>
+        </p:spPr>
+        <p:txBody>
+          <a:bodyPr/>
+          <a:lstStyle>
+            <a:lvl1pPr>
+              <a:defRPr>
+                <a:solidFill>
+                  <a:schemeClr val="tx2"/>
+                </a:solidFill>
+              </a:defRPr>
+            </a:lvl1pPr>
+          </a:lstStyle>
           <a:p>
             <a:fld id="{4A9ECB40-0D5F-4ACD-AF7E-161FADA5E9D9}" type="slidenum">
               <a:rPr lang="en-US" smtClean="0"/>
@@ -2678,10 +3280,48 @@
           </a:p>
         </p:txBody>
       </p:sp>
+      <p:sp>
+        <p:nvSpPr>
+          <p:cNvPr id="9" name="Rectangle 8" title="Divider Bar"/>
+          <p:cNvSpPr/>
+          <p:nvPr/>
+        </p:nvSpPr>
+        <p:spPr>
+          <a:xfrm>
+            <a:off x="5303520" y="376"/>
+            <a:ext cx="228600" cy="6858000"/>
+          </a:xfrm>
+          <a:prstGeom prst="rect">
+            <a:avLst/>
+          </a:prstGeom>
+          <a:solidFill>
+            <a:schemeClr val="tx2"/>
+          </a:solidFill>
+          <a:ln>
+            <a:noFill/>
+          </a:ln>
+        </p:spPr>
+        <p:style>
+          <a:lnRef idx="2">
+            <a:schemeClr val="accent1">
+              <a:shade val="50000"/>
+            </a:schemeClr>
+          </a:lnRef>
+          <a:fillRef idx="1">
+            <a:schemeClr val="accent1"/>
+          </a:fillRef>
+          <a:effectRef idx="0">
+            <a:schemeClr val="accent1"/>
+          </a:effectRef>
+          <a:fontRef idx="minor">
+            <a:schemeClr val="lt1"/>
+          </a:fontRef>
+        </p:style>
+      </p:sp>
     </p:spTree>
     <p:extLst>
       <p:ext uri="{BB962C8B-B14F-4D97-AF65-F5344CB8AC3E}">
-        <p14:creationId xmlns:p14="http://schemas.microsoft.com/office/powerpoint/2010/main" val="961339279"/>
+        <p14:creationId xmlns:p14="http://schemas.microsoft.com/office/powerpoint/2010/main" val="2381009269"/>
       </p:ext>
     </p:extLst>
   </p:cSld>
@@ -2692,7 +3332,7 @@
 </file>
 
 <file path=ppt/slideLayouts/slideLayout9.xml><?xml version="1.0" encoding="utf-8"?>
-<p:sldLayout xmlns:a="http://schemas.openxmlformats.org/drawingml/2006/main" xmlns:r="http://schemas.openxmlformats.org/officeDocument/2006/relationships" xmlns:p="http://schemas.openxmlformats.org/presentationml/2006/main" type="picTx" preserve="1">
+<p:sldLayout xmlns:a="http://schemas.openxmlformats.org/drawingml/2006/main" xmlns:r="http://schemas.openxmlformats.org/officeDocument/2006/relationships" xmlns:p="http://schemas.openxmlformats.org/presentationml/2006/main" showMasterSp="0" type="picTx" preserve="1">
   <p:cSld name="Picture with Caption">
     <p:spTree>
       <p:nvGrpSpPr>
@@ -2710,33 +3350,76 @@
       </p:grpSpPr>
       <p:sp>
         <p:nvSpPr>
-          <p:cNvPr id="2" name="Title 1"/>
-          <p:cNvSpPr>
-            <a:spLocks noGrp="1"/>
-          </p:cNvSpPr>
-          <p:nvPr>
-            <p:ph type="title"/>
-          </p:nvPr>
+          <p:cNvPr id="8" name="Rectangle 7" title="Background Shape"/>
+          <p:cNvSpPr/>
+          <p:nvPr/>
         </p:nvSpPr>
         <p:spPr>
           <a:xfrm>
-            <a:off x="839788" y="457200"/>
-            <a:ext cx="3932237" cy="1600200"/>
+            <a:off x="0" y="376"/>
+            <a:ext cx="5303520" cy="6857624"/>
+          </a:xfrm>
+          <a:prstGeom prst="rect">
+            <a:avLst/>
+          </a:prstGeom>
+          <a:solidFill>
+            <a:schemeClr val="accent1"/>
+          </a:solidFill>
+          <a:ln>
+            <a:noFill/>
+          </a:ln>
+        </p:spPr>
+        <p:style>
+          <a:lnRef idx="2">
+            <a:schemeClr val="accent1">
+              <a:shade val="50000"/>
+            </a:schemeClr>
+          </a:lnRef>
+          <a:fillRef idx="1">
+            <a:schemeClr val="accent1"/>
+          </a:fillRef>
+          <a:effectRef idx="0">
+            <a:schemeClr val="accent1"/>
+          </a:effectRef>
+          <a:fontRef idx="minor">
+            <a:schemeClr val="lt1"/>
+          </a:fontRef>
+        </p:style>
+      </p:sp>
+      <p:sp>
+        <p:nvSpPr>
+          <p:cNvPr id="2" name="Title 1"/>
+          <p:cNvSpPr>
+            <a:spLocks noGrp="1"/>
+          </p:cNvSpPr>
+          <p:nvPr>
+            <p:ph type="title"/>
+          </p:nvPr>
+        </p:nvSpPr>
+        <p:spPr>
+          <a:xfrm>
+            <a:off x="723900" y="685800"/>
+            <a:ext cx="3855720" cy="2157884"/>
           </a:xfrm>
         </p:spPr>
         <p:txBody>
-          <a:bodyPr anchor="b"/>
+          <a:bodyPr anchor="t">
+            <a:normAutofit/>
+          </a:bodyPr>
           <a:lstStyle>
             <a:lvl1pPr>
-              <a:defRPr sz="3200"/>
+              <a:lnSpc>
+                <a:spcPct val="84000"/>
+              </a:lnSpc>
+              <a:defRPr sz="4800" baseline="0"/>
             </a:lvl1pPr>
           </a:lstStyle>
           <a:p>
             <a:r>
-              <a:rPr lang="en-US" smtClean="0"/>
+              <a:rPr lang="en-US"/>
               <a:t>Click to edit Master title style</a:t>
             </a:r>
-            <a:endParaRPr lang="en-US"/>
+            <a:endParaRPr lang="en-US" dirty="0"/>
           </a:p>
         </p:txBody>
       </p:sp>
@@ -2744,7 +3427,7 @@
         <p:nvSpPr>
           <p:cNvPr id="3" name="Picture Placeholder 2"/>
           <p:cNvSpPr>
-            <a:spLocks noGrp="1"/>
+            <a:spLocks noGrp="1" noChangeAspect="1"/>
           </p:cNvSpPr>
           <p:nvPr>
             <p:ph type="pic" idx="1"/>
@@ -2752,24 +3435,26 @@
         </p:nvSpPr>
         <p:spPr>
           <a:xfrm>
-            <a:off x="5183188" y="987425"/>
-            <a:ext cx="6172200" cy="4873625"/>
+            <a:off x="5532120" y="0"/>
+            <a:ext cx="6659880" cy="6857999"/>
           </a:xfrm>
         </p:spPr>
         <p:txBody>
-          <a:bodyPr/>
+          <a:bodyPr anchor="t">
+            <a:normAutofit/>
+          </a:bodyPr>
           <a:lstStyle>
             <a:lvl1pPr marL="0" indent="0">
               <a:buNone/>
-              <a:defRPr sz="3200"/>
+              <a:defRPr sz="2000"/>
             </a:lvl1pPr>
             <a:lvl2pPr marL="457200" indent="0">
               <a:buNone/>
-              <a:defRPr sz="2800"/>
+              <a:defRPr sz="2000"/>
             </a:lvl2pPr>
             <a:lvl3pPr marL="914400" indent="0">
               <a:buNone/>
-              <a:defRPr sz="2400"/>
+              <a:defRPr sz="2000"/>
             </a:lvl3pPr>
             <a:lvl4pPr marL="1371600" indent="0">
               <a:buNone/>
@@ -2797,7 +3482,11 @@
             </a:lvl9pPr>
           </a:lstStyle>
           <a:p>
-            <a:endParaRPr lang="en-US"/>
+            <a:r>
+              <a:rPr lang="en-US"/>
+              <a:t>Click icon to add picture</a:t>
+            </a:r>
+            <a:endParaRPr lang="en-US" dirty="0"/>
           </a:p>
         </p:txBody>
       </p:sp>
@@ -2813,14 +3502,23 @@
         </p:nvSpPr>
         <p:spPr>
           <a:xfrm>
-            <a:off x="839788" y="2057400"/>
-            <a:ext cx="3932237" cy="3811588"/>
+            <a:off x="723900" y="2855968"/>
+            <a:ext cx="3855720" cy="3011432"/>
           </a:xfrm>
         </p:spPr>
         <p:txBody>
           <a:bodyPr/>
           <a:lstStyle>
             <a:lvl1pPr marL="0" indent="0">
+              <a:lnSpc>
+                <a:spcPct val="113000"/>
+              </a:lnSpc>
+              <a:spcBef>
+                <a:spcPts val="0"/>
+              </a:spcBef>
+              <a:spcAft>
+                <a:spcPts val="1500"/>
+              </a:spcAft>
               <a:buNone/>
               <a:defRPr sz="1600"/>
             </a:lvl1pPr>
@@ -2860,8 +3558,8 @@
           <a:p>
             <a:pPr lvl="0"/>
             <a:r>
-              <a:rPr lang="en-US" smtClean="0"/>
-              <a:t>Click to edit Master text styles</a:t>
+              <a:rPr lang="en-US"/>
+              <a:t>Edit Master text styles</a:t>
             </a:r>
           </a:p>
         </p:txBody>
@@ -2876,14 +3574,27 @@
             <p:ph type="dt" sz="half" idx="10"/>
           </p:nvPr>
         </p:nvSpPr>
-        <p:spPr/>
-        <p:txBody>
-          <a:bodyPr/>
-          <a:lstStyle/>
+        <p:spPr>
+          <a:xfrm>
+            <a:off x="723900" y="6453386"/>
+            <a:ext cx="1204572" cy="404614"/>
+          </a:xfrm>
+        </p:spPr>
+        <p:txBody>
+          <a:bodyPr/>
+          <a:lstStyle>
+            <a:lvl1pPr>
+              <a:defRPr>
+                <a:solidFill>
+                  <a:schemeClr val="tx2"/>
+                </a:solidFill>
+              </a:defRPr>
+            </a:lvl1pPr>
+          </a:lstStyle>
           <a:p>
             <a:fld id="{16F9FCAB-75CB-418E-A87B-2EA497AA5328}" type="datetimeFigureOut">
               <a:rPr lang="en-US" smtClean="0"/>
-              <a:t>12/16/2016</a:t>
+              <a:t>12/18/2016</a:t>
             </a:fld>
             <a:endParaRPr lang="en-US"/>
           </a:p>
@@ -2899,10 +3610,23 @@
             <p:ph type="ftr" sz="quarter" idx="11"/>
           </p:nvPr>
         </p:nvSpPr>
-        <p:spPr/>
-        <p:txBody>
-          <a:bodyPr/>
-          <a:lstStyle/>
+        <p:spPr>
+          <a:xfrm>
+            <a:off x="2205945" y="6453386"/>
+            <a:ext cx="2373675" cy="404614"/>
+          </a:xfrm>
+        </p:spPr>
+        <p:txBody>
+          <a:bodyPr/>
+          <a:lstStyle>
+            <a:lvl1pPr>
+              <a:defRPr>
+                <a:solidFill>
+                  <a:schemeClr val="tx2"/>
+                </a:solidFill>
+              </a:defRPr>
+            </a:lvl1pPr>
+          </a:lstStyle>
           <a:p>
             <a:endParaRPr lang="en-US"/>
           </a:p>
@@ -2918,10 +3642,23 @@
             <p:ph type="sldNum" sz="quarter" idx="12"/>
           </p:nvPr>
         </p:nvSpPr>
-        <p:spPr/>
-        <p:txBody>
-          <a:bodyPr/>
-          <a:lstStyle/>
+        <p:spPr>
+          <a:xfrm>
+            <a:off x="9883140" y="6453386"/>
+            <a:ext cx="1596292" cy="404614"/>
+          </a:xfrm>
+        </p:spPr>
+        <p:txBody>
+          <a:bodyPr/>
+          <a:lstStyle>
+            <a:lvl1pPr>
+              <a:defRPr>
+                <a:solidFill>
+                  <a:schemeClr val="tx2"/>
+                </a:solidFill>
+              </a:defRPr>
+            </a:lvl1pPr>
+          </a:lstStyle>
           <a:p>
             <a:fld id="{4A9ECB40-0D5F-4ACD-AF7E-161FADA5E9D9}" type="slidenum">
               <a:rPr lang="en-US" smtClean="0"/>
@@ -2931,10 +3668,48 @@
           </a:p>
         </p:txBody>
       </p:sp>
+      <p:sp>
+        <p:nvSpPr>
+          <p:cNvPr id="9" name="Rectangle 8" title="Divider Bar"/>
+          <p:cNvSpPr/>
+          <p:nvPr/>
+        </p:nvSpPr>
+        <p:spPr>
+          <a:xfrm>
+            <a:off x="5303520" y="376"/>
+            <a:ext cx="228600" cy="6858000"/>
+          </a:xfrm>
+          <a:prstGeom prst="rect">
+            <a:avLst/>
+          </a:prstGeom>
+          <a:solidFill>
+            <a:schemeClr val="tx2"/>
+          </a:solidFill>
+          <a:ln>
+            <a:noFill/>
+          </a:ln>
+        </p:spPr>
+        <p:style>
+          <a:lnRef idx="2">
+            <a:schemeClr val="accent1">
+              <a:shade val="50000"/>
+            </a:schemeClr>
+          </a:lnRef>
+          <a:fillRef idx="1">
+            <a:schemeClr val="accent1"/>
+          </a:fillRef>
+          <a:effectRef idx="0">
+            <a:schemeClr val="accent1"/>
+          </a:effectRef>
+          <a:fontRef idx="minor">
+            <a:schemeClr val="lt1"/>
+          </a:fontRef>
+        </p:style>
+      </p:sp>
     </p:spTree>
     <p:extLst>
       <p:ext uri="{BB962C8B-B14F-4D97-AF65-F5344CB8AC3E}">
-        <p14:creationId xmlns:p14="http://schemas.microsoft.com/office/powerpoint/2010/main" val="3449402124"/>
+        <p14:creationId xmlns:p14="http://schemas.microsoft.com/office/powerpoint/2010/main" val="775380362"/>
       </p:ext>
     </p:extLst>
   </p:cSld>
@@ -2948,9 +3723,12 @@
 <p:sldMaster xmlns:a="http://schemas.openxmlformats.org/drawingml/2006/main" xmlns:r="http://schemas.openxmlformats.org/officeDocument/2006/relationships" xmlns:p="http://schemas.openxmlformats.org/presentationml/2006/main">
   <p:cSld>
     <p:bg>
-      <p:bgRef idx="1001">
-        <a:schemeClr val="bg1"/>
-      </p:bgRef>
+      <p:bgPr>
+        <a:solidFill>
+          <a:schemeClr val="bg2"/>
+        </a:solidFill>
+        <a:effectLst/>
+      </p:bgPr>
     </p:bg>
     <p:spTree>
       <p:nvGrpSpPr>
@@ -2968,152 +3746,152 @@
       </p:grpSpPr>
       <p:sp>
         <p:nvSpPr>
-          <p:cNvPr id="5" name="Footer Placeholder 4"/>
-          <p:cNvSpPr>
-            <a:spLocks noGrp="1"/>
-          </p:cNvSpPr>
-          <p:nvPr>
-            <p:ph type="ftr" sz="quarter" idx="3"/>
+          <p:cNvPr id="2" name="Title Placeholder 1"/>
+          <p:cNvSpPr>
+            <a:spLocks noGrp="1"/>
+          </p:cNvSpPr>
+          <p:nvPr>
+            <p:ph type="title"/>
           </p:nvPr>
         </p:nvSpPr>
         <p:spPr>
           <a:xfrm>
-            <a:off x="6003634" y="6530201"/>
-            <a:ext cx="184731" cy="276999"/>
+            <a:off x="1371600" y="685800"/>
+            <a:ext cx="9601200" cy="1485900"/>
           </a:xfrm>
           <a:prstGeom prst="rect">
             <a:avLst/>
           </a:prstGeom>
         </p:spPr>
         <p:txBody>
-          <a:bodyPr vert="horz" wrap="none" lIns="91440" tIns="45720" rIns="91440" bIns="45720" rtlCol="0" anchor="b" anchorCtr="1">
-            <a:spAutoFit/>
+          <a:bodyPr vert="horz" lIns="91440" tIns="45720" rIns="91440" bIns="45720" rtlCol="0" anchor="t">
+            <a:normAutofit/>
           </a:bodyPr>
-          <a:lstStyle>
-            <a:lvl1pPr algn="ctr">
-              <a:defRPr sz="1200">
-                <a:solidFill>
-                  <a:schemeClr val="tx1">
-                    <a:tint val="75000"/>
-                  </a:schemeClr>
-                </a:solidFill>
-              </a:defRPr>
-            </a:lvl1pPr>
-          </a:lstStyle>
-          <a:p>
-            <a:endParaRPr lang="en-US"/>
-          </a:p>
-        </p:txBody>
-      </p:sp>
-      <p:sp>
-        <p:nvSpPr>
-          <p:cNvPr id="2" name="Title Placeholder 1"/>
-          <p:cNvSpPr>
-            <a:spLocks noGrp="1"/>
-          </p:cNvSpPr>
-          <p:nvPr>
-            <p:ph type="title"/>
+          <a:lstStyle/>
+          <a:p>
+            <a:r>
+              <a:rPr lang="en-US"/>
+              <a:t>Click to edit Master title style</a:t>
+            </a:r>
+            <a:endParaRPr lang="en-US" dirty="0"/>
+          </a:p>
+        </p:txBody>
+      </p:sp>
+      <p:sp>
+        <p:nvSpPr>
+          <p:cNvPr id="3" name="Text Placeholder 2"/>
+          <p:cNvSpPr>
+            <a:spLocks noGrp="1"/>
+          </p:cNvSpPr>
+          <p:nvPr>
+            <p:ph type="body" idx="1"/>
           </p:nvPr>
         </p:nvSpPr>
         <p:spPr>
           <a:xfrm>
-            <a:off x="838200" y="365125"/>
-            <a:ext cx="10515600" cy="1325563"/>
+            <a:off x="1371600" y="2286000"/>
+            <a:ext cx="9601200" cy="3581400"/>
           </a:xfrm>
           <a:prstGeom prst="rect">
             <a:avLst/>
           </a:prstGeom>
         </p:spPr>
         <p:txBody>
-          <a:bodyPr vert="horz" lIns="91440" tIns="45720" rIns="91440" bIns="45720" rtlCol="0" anchor="ctr">
+          <a:bodyPr vert="horz" lIns="91440" tIns="45720" rIns="91440" bIns="45720" rtlCol="0">
             <a:normAutofit/>
           </a:bodyPr>
           <a:lstStyle/>
           <a:p>
-            <a:r>
-              <a:rPr lang="en-US" smtClean="0"/>
-              <a:t>Click to edit Master title style</a:t>
-            </a:r>
-            <a:endParaRPr lang="en-US"/>
-          </a:p>
-        </p:txBody>
-      </p:sp>
-      <p:sp>
-        <p:nvSpPr>
-          <p:cNvPr id="3" name="Text Placeholder 2"/>
-          <p:cNvSpPr>
-            <a:spLocks noGrp="1"/>
-          </p:cNvSpPr>
-          <p:nvPr>
-            <p:ph type="body" idx="1"/>
+            <a:pPr lvl="0"/>
+            <a:r>
+              <a:rPr lang="en-US"/>
+              <a:t>Edit Master text styles</a:t>
+            </a:r>
+          </a:p>
+          <a:p>
+            <a:pPr lvl="1"/>
+            <a:r>
+              <a:rPr lang="en-US"/>
+              <a:t>Second level</a:t>
+            </a:r>
+          </a:p>
+          <a:p>
+            <a:pPr lvl="2"/>
+            <a:r>
+              <a:rPr lang="en-US"/>
+              <a:t>Third level</a:t>
+            </a:r>
+          </a:p>
+          <a:p>
+            <a:pPr lvl="3"/>
+            <a:r>
+              <a:rPr lang="en-US"/>
+              <a:t>Fourth level</a:t>
+            </a:r>
+          </a:p>
+          <a:p>
+            <a:pPr lvl="4"/>
+            <a:r>
+              <a:rPr lang="en-US"/>
+              <a:t>Fifth level</a:t>
+            </a:r>
+            <a:endParaRPr lang="en-US" dirty="0"/>
+          </a:p>
+        </p:txBody>
+      </p:sp>
+      <p:sp>
+        <p:nvSpPr>
+          <p:cNvPr id="4" name="Date Placeholder 3"/>
+          <p:cNvSpPr>
+            <a:spLocks noGrp="1"/>
+          </p:cNvSpPr>
+          <p:nvPr>
+            <p:ph type="dt" sz="half" idx="2"/>
           </p:nvPr>
         </p:nvSpPr>
         <p:spPr>
           <a:xfrm>
-            <a:off x="838200" y="1825625"/>
-            <a:ext cx="10515600" cy="4351338"/>
+            <a:off x="1390650" y="6453386"/>
+            <a:ext cx="1204572" cy="404614"/>
           </a:xfrm>
           <a:prstGeom prst="rect">
             <a:avLst/>
           </a:prstGeom>
         </p:spPr>
         <p:txBody>
-          <a:bodyPr vert="horz" lIns="91440" tIns="45720" rIns="91440" bIns="45720" rtlCol="0">
-            <a:normAutofit/>
-          </a:bodyPr>
-          <a:lstStyle/>
-          <a:p>
-            <a:pPr lvl="0"/>
-            <a:r>
+          <a:bodyPr vert="horz" lIns="91440" tIns="45720" rIns="91440" bIns="45720" rtlCol="0" anchor="ctr"/>
+          <a:lstStyle>
+            <a:lvl1pPr algn="l">
+              <a:defRPr sz="1200" baseline="0">
+                <a:solidFill>
+                  <a:schemeClr val="tx2"/>
+                </a:solidFill>
+              </a:defRPr>
+            </a:lvl1pPr>
+          </a:lstStyle>
+          <a:p>
+            <a:fld id="{16F9FCAB-75CB-418E-A87B-2EA497AA5328}" type="datetimeFigureOut">
               <a:rPr lang="en-US" smtClean="0"/>
-              <a:t>Click to edit Master text styles</a:t>
-            </a:r>
-          </a:p>
-          <a:p>
-            <a:pPr lvl="1"/>
-            <a:r>
-              <a:rPr lang="en-US" smtClean="0"/>
-              <a:t>Second level</a:t>
-            </a:r>
-          </a:p>
-          <a:p>
-            <a:pPr lvl="2"/>
-            <a:r>
-              <a:rPr lang="en-US" smtClean="0"/>
-              <a:t>Third level</a:t>
-            </a:r>
-          </a:p>
-          <a:p>
-            <a:pPr lvl="3"/>
-            <a:r>
-              <a:rPr lang="en-US" smtClean="0"/>
-              <a:t>Fourth level</a:t>
-            </a:r>
-          </a:p>
-          <a:p>
-            <a:pPr lvl="4"/>
-            <a:r>
-              <a:rPr lang="en-US" smtClean="0"/>
-              <a:t>Fifth level</a:t>
-            </a:r>
+              <a:t>12/18/2016</a:t>
+            </a:fld>
             <a:endParaRPr lang="en-US"/>
           </a:p>
         </p:txBody>
       </p:sp>
       <p:sp>
         <p:nvSpPr>
-          <p:cNvPr id="4" name="Date Placeholder 3"/>
-          <p:cNvSpPr>
-            <a:spLocks noGrp="1"/>
-          </p:cNvSpPr>
-          <p:nvPr>
-            <p:ph type="dt" sz="half" idx="2"/>
+          <p:cNvPr id="5" name="Footer Placeholder 4"/>
+          <p:cNvSpPr>
+            <a:spLocks noGrp="1"/>
+          </p:cNvSpPr>
+          <p:nvPr>
+            <p:ph type="ftr" sz="quarter" idx="3"/>
           </p:nvPr>
         </p:nvSpPr>
         <p:spPr>
           <a:xfrm>
-            <a:off x="838200" y="6356350"/>
-            <a:ext cx="2743200" cy="365125"/>
+            <a:off x="2893564" y="6453386"/>
+            <a:ext cx="6280830" cy="404614"/>
           </a:xfrm>
           <a:prstGeom prst="rect">
             <a:avLst/>
@@ -3123,20 +3901,14 @@
           <a:bodyPr vert="horz" lIns="91440" tIns="45720" rIns="91440" bIns="45720" rtlCol="0" anchor="ctr"/>
           <a:lstStyle>
             <a:lvl1pPr algn="l">
-              <a:defRPr sz="1200">
+              <a:defRPr sz="1200" baseline="0">
                 <a:solidFill>
-                  <a:schemeClr val="tx1">
-                    <a:tint val="75000"/>
-                  </a:schemeClr>
+                  <a:schemeClr val="tx2"/>
                 </a:solidFill>
               </a:defRPr>
             </a:lvl1pPr>
           </a:lstStyle>
           <a:p>
-            <a:fld id="{16F9FCAB-75CB-418E-A87B-2EA497AA5328}" type="datetimeFigureOut">
-              <a:rPr lang="en-US" smtClean="0"/>
-              <a:t>12/16/2016</a:t>
-            </a:fld>
             <a:endParaRPr lang="en-US"/>
           </a:p>
         </p:txBody>
@@ -3153,8 +3925,8 @@
         </p:nvSpPr>
         <p:spPr>
           <a:xfrm>
-            <a:off x="8610600" y="6356350"/>
-            <a:ext cx="2743200" cy="365125"/>
+            <a:off x="9472736" y="6453386"/>
+            <a:ext cx="1596292" cy="404614"/>
           </a:xfrm>
           <a:prstGeom prst="rect">
             <a:avLst/>
@@ -3164,11 +3936,9 @@
           <a:bodyPr vert="horz" lIns="91440" tIns="45720" rIns="91440" bIns="45720" rtlCol="0" anchor="ctr"/>
           <a:lstStyle>
             <a:lvl1pPr algn="r">
-              <a:defRPr sz="1200">
+              <a:defRPr sz="1200" baseline="0">
                 <a:solidFill>
-                  <a:schemeClr val="tx1">
-                    <a:tint val="75000"/>
-                  </a:schemeClr>
+                  <a:schemeClr val="tx2"/>
                 </a:solidFill>
               </a:defRPr>
             </a:lvl1pPr>
@@ -3182,40 +3952,78 @@
           </a:p>
         </p:txBody>
       </p:sp>
+      <p:sp>
+        <p:nvSpPr>
+          <p:cNvPr id="9" name="Rectangle 8" title="Side bar"/>
+          <p:cNvSpPr/>
+          <p:nvPr/>
+        </p:nvSpPr>
+        <p:spPr>
+          <a:xfrm>
+            <a:off x="478095" y="376"/>
+            <a:ext cx="228600" cy="6858000"/>
+          </a:xfrm>
+          <a:prstGeom prst="rect">
+            <a:avLst/>
+          </a:prstGeom>
+          <a:solidFill>
+            <a:schemeClr val="tx2"/>
+          </a:solidFill>
+          <a:ln>
+            <a:noFill/>
+          </a:ln>
+        </p:spPr>
+        <p:style>
+          <a:lnRef idx="2">
+            <a:schemeClr val="accent1">
+              <a:shade val="50000"/>
+            </a:schemeClr>
+          </a:lnRef>
+          <a:fillRef idx="1">
+            <a:schemeClr val="accent1"/>
+          </a:fillRef>
+          <a:effectRef idx="0">
+            <a:schemeClr val="accent1"/>
+          </a:effectRef>
+          <a:fontRef idx="minor">
+            <a:schemeClr val="lt1"/>
+          </a:fontRef>
+        </p:style>
+      </p:sp>
     </p:spTree>
     <p:extLst>
       <p:ext uri="{BB962C8B-B14F-4D97-AF65-F5344CB8AC3E}">
-        <p14:creationId xmlns:p14="http://schemas.microsoft.com/office/powerpoint/2010/main" val="2527629333"/>
+        <p14:creationId xmlns:p14="http://schemas.microsoft.com/office/powerpoint/2010/main" val="2764405571"/>
       </p:ext>
     </p:extLst>
   </p:cSld>
   <p:clrMap bg1="lt1" tx1="dk1" bg2="lt2" tx2="dk2" accent1="accent1" accent2="accent2" accent3="accent3" accent4="accent4" accent5="accent5" accent6="accent6" hlink="hlink" folHlink="folHlink"/>
   <p:sldLayoutIdLst>
-    <p:sldLayoutId id="2147483649" r:id="rId1"/>
-    <p:sldLayoutId id="2147483650" r:id="rId2"/>
-    <p:sldLayoutId id="2147483651" r:id="rId3"/>
-    <p:sldLayoutId id="2147483652" r:id="rId4"/>
-    <p:sldLayoutId id="2147483653" r:id="rId5"/>
-    <p:sldLayoutId id="2147483654" r:id="rId6"/>
-    <p:sldLayoutId id="2147483655" r:id="rId7"/>
-    <p:sldLayoutId id="2147483656" r:id="rId8"/>
-    <p:sldLayoutId id="2147483657" r:id="rId9"/>
-    <p:sldLayoutId id="2147483658" r:id="rId10"/>
-    <p:sldLayoutId id="2147483659" r:id="rId11"/>
+    <p:sldLayoutId id="2147483661" r:id="rId1"/>
+    <p:sldLayoutId id="2147483662" r:id="rId2"/>
+    <p:sldLayoutId id="2147483663" r:id="rId3"/>
+    <p:sldLayoutId id="2147483664" r:id="rId4"/>
+    <p:sldLayoutId id="2147483665" r:id="rId5"/>
+    <p:sldLayoutId id="2147483666" r:id="rId6"/>
+    <p:sldLayoutId id="2147483667" r:id="rId7"/>
+    <p:sldLayoutId id="2147483668" r:id="rId8"/>
+    <p:sldLayoutId id="2147483669" r:id="rId9"/>
+    <p:sldLayoutId id="2147483670" r:id="rId10"/>
+    <p:sldLayoutId id="2147483671" r:id="rId11"/>
   </p:sldLayoutIdLst>
   <p:txStyles>
     <p:titleStyle>
       <a:lvl1pPr algn="l" defTabSz="914400" rtl="0" eaLnBrk="1" latinLnBrk="0" hangingPunct="1">
         <a:lnSpc>
-          <a:spcPct val="90000"/>
+          <a:spcPct val="89000"/>
         </a:lnSpc>
         <a:spcBef>
           <a:spcPct val="0"/>
         </a:spcBef>
         <a:buNone/>
-        <a:defRPr sz="4400" kern="1200">
+        <a:defRPr sz="4400" kern="1200" baseline="0">
           <a:solidFill>
-            <a:schemeClr val="tx1"/>
+            <a:schemeClr val="tx2"/>
           </a:solidFill>
           <a:latin typeface="+mj-lt"/>
           <a:ea typeface="+mj-ea"/>
@@ -3224,162 +4032,189 @@
       </a:lvl1pPr>
     </p:titleStyle>
     <p:bodyStyle>
-      <a:lvl1pPr marL="228600" indent="-228600" algn="l" defTabSz="914400" rtl="0" eaLnBrk="1" latinLnBrk="0" hangingPunct="1">
+      <a:lvl1pPr marL="384048" indent="-384048" algn="l" defTabSz="914400" rtl="0" eaLnBrk="1" latinLnBrk="0" hangingPunct="1">
         <a:lnSpc>
-          <a:spcPct val="90000"/>
+          <a:spcPct val="94000"/>
         </a:lnSpc>
         <a:spcBef>
           <a:spcPts val="1000"/>
         </a:spcBef>
-        <a:buFont typeface="Arial" panose="020B0604020202020204" pitchFamily="34" charset="0"/>
-        <a:buChar char="•"/>
-        <a:defRPr sz="2800" kern="1200">
+        <a:spcAft>
+          <a:spcPts val="200"/>
+        </a:spcAft>
+        <a:buFont typeface="Franklin Gothic Book" panose="020B0503020102020204" pitchFamily="34" charset="0"/>
+        <a:buChar char="■"/>
+        <a:defRPr sz="2000" kern="1200" baseline="0">
           <a:solidFill>
-            <a:schemeClr val="tx1"/>
+            <a:schemeClr val="tx2"/>
           </a:solidFill>
           <a:latin typeface="+mn-lt"/>
           <a:ea typeface="+mn-ea"/>
           <a:cs typeface="+mn-cs"/>
         </a:defRPr>
       </a:lvl1pPr>
-      <a:lvl2pPr marL="685800" indent="-228600" algn="l" defTabSz="914400" rtl="0" eaLnBrk="1" latinLnBrk="0" hangingPunct="1">
+      <a:lvl2pPr marL="914400" indent="-384048" algn="l" defTabSz="914400" rtl="0" eaLnBrk="1" latinLnBrk="0" hangingPunct="1">
         <a:lnSpc>
-          <a:spcPct val="90000"/>
+          <a:spcPct val="94000"/>
         </a:lnSpc>
         <a:spcBef>
           <a:spcPts val="500"/>
         </a:spcBef>
-        <a:buFont typeface="Arial" panose="020B0604020202020204" pitchFamily="34" charset="0"/>
-        <a:buChar char="•"/>
-        <a:defRPr sz="2400" kern="1200">
+        <a:spcAft>
+          <a:spcPts val="200"/>
+        </a:spcAft>
+        <a:buFont typeface="Franklin Gothic Book" panose="020B0503020102020204" pitchFamily="34" charset="0"/>
+        <a:buChar char="–"/>
+        <a:defRPr sz="2000" i="1" kern="1200" baseline="0">
           <a:solidFill>
-            <a:schemeClr val="tx1"/>
+            <a:schemeClr val="tx2"/>
           </a:solidFill>
           <a:latin typeface="+mn-lt"/>
           <a:ea typeface="+mn-ea"/>
           <a:cs typeface="+mn-cs"/>
         </a:defRPr>
       </a:lvl2pPr>
-      <a:lvl3pPr marL="1143000" indent="-228600" algn="l" defTabSz="914400" rtl="0" eaLnBrk="1" latinLnBrk="0" hangingPunct="1">
+      <a:lvl3pPr marL="1371600" indent="-384048" algn="l" defTabSz="914400" rtl="0" eaLnBrk="1" latinLnBrk="0" hangingPunct="1">
         <a:lnSpc>
-          <a:spcPct val="90000"/>
+          <a:spcPct val="94000"/>
         </a:lnSpc>
         <a:spcBef>
           <a:spcPts val="500"/>
         </a:spcBef>
-        <a:buFont typeface="Arial" panose="020B0604020202020204" pitchFamily="34" charset="0"/>
-        <a:buChar char="•"/>
-        <a:defRPr sz="2000" kern="1200">
+        <a:spcAft>
+          <a:spcPts val="200"/>
+        </a:spcAft>
+        <a:buFont typeface="Franklin Gothic Book" panose="020B0503020102020204" pitchFamily="34" charset="0"/>
+        <a:buChar char="■"/>
+        <a:defRPr sz="1800" kern="1200" baseline="0">
           <a:solidFill>
-            <a:schemeClr val="tx1"/>
+            <a:schemeClr val="tx2"/>
           </a:solidFill>
           <a:latin typeface="+mn-lt"/>
           <a:ea typeface="+mn-ea"/>
           <a:cs typeface="+mn-cs"/>
         </a:defRPr>
       </a:lvl3pPr>
-      <a:lvl4pPr marL="1600200" indent="-228600" algn="l" defTabSz="914400" rtl="0" eaLnBrk="1" latinLnBrk="0" hangingPunct="1">
+      <a:lvl4pPr marL="1828800" indent="-384048" algn="l" defTabSz="914400" rtl="0" eaLnBrk="1" latinLnBrk="0" hangingPunct="1">
         <a:lnSpc>
-          <a:spcPct val="90000"/>
+          <a:spcPct val="94000"/>
         </a:lnSpc>
         <a:spcBef>
           <a:spcPts val="500"/>
         </a:spcBef>
-        <a:buFont typeface="Arial" panose="020B0604020202020204" pitchFamily="34" charset="0"/>
-        <a:buChar char="•"/>
-        <a:defRPr sz="1800" kern="1200">
+        <a:spcAft>
+          <a:spcPts val="200"/>
+        </a:spcAft>
+        <a:buFont typeface="Franklin Gothic Book" panose="020B0503020102020204" pitchFamily="34" charset="0"/>
+        <a:buChar char="–"/>
+        <a:defRPr sz="1800" i="1" kern="1200" baseline="0">
           <a:solidFill>
-            <a:schemeClr val="tx1"/>
+            <a:schemeClr val="tx2"/>
           </a:solidFill>
           <a:latin typeface="+mn-lt"/>
           <a:ea typeface="+mn-ea"/>
           <a:cs typeface="+mn-cs"/>
         </a:defRPr>
       </a:lvl4pPr>
-      <a:lvl5pPr marL="2057400" indent="-228600" algn="l" defTabSz="914400" rtl="0" eaLnBrk="1" latinLnBrk="0" hangingPunct="1">
+      <a:lvl5pPr marL="2286000" indent="-384048" algn="l" defTabSz="914400" rtl="0" eaLnBrk="1" latinLnBrk="0" hangingPunct="1">
         <a:lnSpc>
-          <a:spcPct val="90000"/>
+          <a:spcPct val="94000"/>
         </a:lnSpc>
         <a:spcBef>
           <a:spcPts val="500"/>
         </a:spcBef>
-        <a:buFont typeface="Arial" panose="020B0604020202020204" pitchFamily="34" charset="0"/>
-        <a:buChar char="•"/>
-        <a:defRPr sz="1800" kern="1200">
+        <a:spcAft>
+          <a:spcPts val="200"/>
+        </a:spcAft>
+        <a:buFont typeface="Franklin Gothic Book" panose="020B0503020102020204" pitchFamily="34" charset="0"/>
+        <a:buChar char="■"/>
+        <a:defRPr sz="1600" kern="1200" baseline="0">
           <a:solidFill>
-            <a:schemeClr val="tx1"/>
+            <a:schemeClr val="tx2"/>
           </a:solidFill>
           <a:latin typeface="+mn-lt"/>
           <a:ea typeface="+mn-ea"/>
           <a:cs typeface="+mn-cs"/>
         </a:defRPr>
       </a:lvl5pPr>
-      <a:lvl6pPr marL="2514600" indent="-228600" algn="l" defTabSz="914400" rtl="0" eaLnBrk="1" latinLnBrk="0" hangingPunct="1">
+      <a:lvl6pPr marL="2743200" indent="-384048" algn="l" defTabSz="914400" rtl="0" eaLnBrk="1" latinLnBrk="0" hangingPunct="1">
         <a:lnSpc>
-          <a:spcPct val="90000"/>
+          <a:spcPct val="94000"/>
         </a:lnSpc>
         <a:spcBef>
           <a:spcPts val="500"/>
         </a:spcBef>
-        <a:buFont typeface="Arial" panose="020B0604020202020204" pitchFamily="34" charset="0"/>
-        <a:buChar char="•"/>
-        <a:defRPr sz="1800" kern="1200">
+        <a:spcAft>
+          <a:spcPts val="200"/>
+        </a:spcAft>
+        <a:buFont typeface="Franklin Gothic Book" panose="020B0503020102020204" pitchFamily="34" charset="0"/>
+        <a:buChar char="–"/>
+        <a:defRPr sz="1600" i="1" kern="1200" baseline="0">
           <a:solidFill>
-            <a:schemeClr val="tx1"/>
+            <a:schemeClr val="tx2"/>
           </a:solidFill>
           <a:latin typeface="+mn-lt"/>
           <a:ea typeface="+mn-ea"/>
           <a:cs typeface="+mn-cs"/>
         </a:defRPr>
       </a:lvl6pPr>
-      <a:lvl7pPr marL="2971800" indent="-228600" algn="l" defTabSz="914400" rtl="0" eaLnBrk="1" latinLnBrk="0" hangingPunct="1">
+      <a:lvl7pPr marL="3200400" indent="-384048" algn="l" defTabSz="914400" rtl="0" eaLnBrk="1" latinLnBrk="0" hangingPunct="1">
         <a:lnSpc>
-          <a:spcPct val="90000"/>
+          <a:spcPct val="94000"/>
         </a:lnSpc>
         <a:spcBef>
           <a:spcPts val="500"/>
         </a:spcBef>
-        <a:buFont typeface="Arial" panose="020B0604020202020204" pitchFamily="34" charset="0"/>
-        <a:buChar char="•"/>
-        <a:defRPr sz="1800" kern="1200">
+        <a:spcAft>
+          <a:spcPts val="200"/>
+        </a:spcAft>
+        <a:buFont typeface="Franklin Gothic Book" panose="020B0503020102020204" pitchFamily="34" charset="0"/>
+        <a:buChar char="■"/>
+        <a:defRPr sz="1400" kern="1200" baseline="0">
           <a:solidFill>
-            <a:schemeClr val="tx1"/>
+            <a:schemeClr val="tx2"/>
           </a:solidFill>
           <a:latin typeface="+mn-lt"/>
           <a:ea typeface="+mn-ea"/>
           <a:cs typeface="+mn-cs"/>
         </a:defRPr>
       </a:lvl7pPr>
-      <a:lvl8pPr marL="3429000" indent="-228600" algn="l" defTabSz="914400" rtl="0" eaLnBrk="1" latinLnBrk="0" hangingPunct="1">
+      <a:lvl8pPr marL="3657600" indent="-384048" algn="l" defTabSz="914400" rtl="0" eaLnBrk="1" latinLnBrk="0" hangingPunct="1">
         <a:lnSpc>
-          <a:spcPct val="90000"/>
+          <a:spcPct val="94000"/>
         </a:lnSpc>
         <a:spcBef>
           <a:spcPts val="500"/>
         </a:spcBef>
-        <a:buFont typeface="Arial" panose="020B0604020202020204" pitchFamily="34" charset="0"/>
-        <a:buChar char="•"/>
-        <a:defRPr sz="1800" kern="1200">
+        <a:spcAft>
+          <a:spcPts val="200"/>
+        </a:spcAft>
+        <a:buFont typeface="Franklin Gothic Book" panose="020B0503020102020204" pitchFamily="34" charset="0"/>
+        <a:buChar char="–"/>
+        <a:defRPr sz="1400" i="1" kern="1200" baseline="0">
           <a:solidFill>
-            <a:schemeClr val="tx1"/>
+            <a:schemeClr val="tx2"/>
           </a:solidFill>
           <a:latin typeface="+mn-lt"/>
           <a:ea typeface="+mn-ea"/>
           <a:cs typeface="+mn-cs"/>
         </a:defRPr>
       </a:lvl8pPr>
-      <a:lvl9pPr marL="3886200" indent="-228600" algn="l" defTabSz="914400" rtl="0" eaLnBrk="1" latinLnBrk="0" hangingPunct="1">
+      <a:lvl9pPr marL="4114800" indent="-384048" algn="l" defTabSz="914400" rtl="0" eaLnBrk="1" latinLnBrk="0" hangingPunct="1">
         <a:lnSpc>
-          <a:spcPct val="90000"/>
+          <a:spcPct val="94000"/>
         </a:lnSpc>
         <a:spcBef>
           <a:spcPts val="500"/>
         </a:spcBef>
-        <a:buFont typeface="Arial" panose="020B0604020202020204" pitchFamily="34" charset="0"/>
-        <a:buChar char="•"/>
-        <a:defRPr sz="1800" kern="1200">
+        <a:spcAft>
+          <a:spcPts val="200"/>
+        </a:spcAft>
+        <a:buFont typeface="Franklin Gothic Book" panose="020B0503020102020204" pitchFamily="34" charset="0"/>
+        <a:buChar char="■"/>
+        <a:defRPr sz="1400" kern="1200" baseline="0">
           <a:solidFill>
-            <a:schemeClr val="tx1"/>
+            <a:schemeClr val="tx2"/>
           </a:solidFill>
           <a:latin typeface="+mn-lt"/>
           <a:ea typeface="+mn-ea"/>
@@ -3483,6 +4318,52 @@
       </a:lvl9pPr>
     </p:otherStyle>
   </p:txStyles>
+  <p:extLst mod="1">
+    <p:ext uri="{27BBF7A9-308A-43DC-89C8-2F10F3537804}">
+      <p15:sldGuideLst xmlns:p15="http://schemas.microsoft.com/office/powerpoint/2012/main">
+        <p15:guide id="3" orient="horz" pos="1368">
+          <p15:clr>
+            <a:srgbClr val="F26B43"/>
+          </p15:clr>
+        </p15:guide>
+        <p15:guide id="4" orient="horz" pos="1440">
+          <p15:clr>
+            <a:srgbClr val="F26B43"/>
+          </p15:clr>
+        </p15:guide>
+        <p15:guide id="6" orient="horz" pos="3696">
+          <p15:clr>
+            <a:srgbClr val="F26B43"/>
+          </p15:clr>
+        </p15:guide>
+        <p15:guide id="7" orient="horz" pos="432">
+          <p15:clr>
+            <a:srgbClr val="F26B43"/>
+          </p15:clr>
+        </p15:guide>
+        <p15:guide id="8" orient="horz" pos="1512">
+          <p15:clr>
+            <a:srgbClr val="F26B43"/>
+          </p15:clr>
+        </p15:guide>
+        <p15:guide id="9" pos="6912">
+          <p15:clr>
+            <a:srgbClr val="F26B43"/>
+          </p15:clr>
+        </p15:guide>
+        <p15:guide id="10" pos="936">
+          <p15:clr>
+            <a:srgbClr val="F26B43"/>
+          </p15:clr>
+        </p15:guide>
+        <p15:guide id="11" pos="864">
+          <p15:clr>
+            <a:srgbClr val="F26B43"/>
+          </p15:clr>
+        </p15:guide>
+      </p15:sldGuideLst>
+    </p:ext>
+  </p:extLst>
 </p:sldMaster>
 </file>
 
@@ -3505,6 +4386,50 @@
       </p:grpSpPr>
       <p:sp>
         <p:nvSpPr>
+          <p:cNvPr id="2" name="Title 1"/>
+          <p:cNvSpPr>
+            <a:spLocks noGrp="1"/>
+          </p:cNvSpPr>
+          <p:nvPr>
+            <p:ph type="ctrTitle"/>
+          </p:nvPr>
+        </p:nvSpPr>
+        <p:spPr/>
+        <p:txBody>
+          <a:bodyPr/>
+          <a:lstStyle/>
+          <a:p>
+            <a:r>
+              <a:rPr lang="en-US" dirty="0"/>
+              <a:t>Secure Electronic Voting</a:t>
+            </a:r>
+          </a:p>
+        </p:txBody>
+      </p:sp>
+      <p:sp>
+        <p:nvSpPr>
+          <p:cNvPr id="3" name="Subtitle 2"/>
+          <p:cNvSpPr>
+            <a:spLocks noGrp="1"/>
+          </p:cNvSpPr>
+          <p:nvPr>
+            <p:ph type="subTitle" idx="1"/>
+          </p:nvPr>
+        </p:nvSpPr>
+        <p:spPr/>
+        <p:txBody>
+          <a:bodyPr/>
+          <a:lstStyle/>
+          <a:p>
+            <a:r>
+              <a:rPr lang="en-US" dirty="0"/>
+              <a:t>By Rob Irwin and Pete Mollica</a:t>
+            </a:r>
+          </a:p>
+        </p:txBody>
+      </p:sp>
+      <p:sp>
+        <p:nvSpPr>
           <p:cNvPr id="4" name="Footer Placeholder 3"/>
           <p:cNvSpPr>
             <a:spLocks noGrp="1"/>
@@ -3513,12 +4438,7 @@
             <p:ph type="ftr" sz="quarter" idx="11"/>
           </p:nvPr>
         </p:nvSpPr>
-        <p:spPr>
-          <a:xfrm>
-            <a:off x="6003634" y="6530201"/>
-            <a:ext cx="184731" cy="276999"/>
-          </a:xfrm>
-        </p:spPr>
+        <p:spPr/>
         <p:txBody>
           <a:bodyPr wrap="none" anchor="b" anchorCtr="1">
             <a:spAutoFit/>
@@ -3526,52 +4446,6 @@
           <a:lstStyle/>
           <a:p>
             <a:endParaRPr lang="en-US"/>
-          </a:p>
-        </p:txBody>
-      </p:sp>
-      <p:sp>
-        <p:nvSpPr>
-          <p:cNvPr id="2" name="Title 1"/>
-          <p:cNvSpPr>
-            <a:spLocks noGrp="1"/>
-          </p:cNvSpPr>
-          <p:nvPr>
-            <p:ph type="ctrTitle"/>
-          </p:nvPr>
-        </p:nvSpPr>
-        <p:spPr/>
-        <p:txBody>
-          <a:bodyPr/>
-          <a:lstStyle/>
-          <a:p>
-            <a:r>
-              <a:rPr lang="en-US" dirty="0" smtClean="0"/>
-              <a:t>Secure Electronic Voting</a:t>
-            </a:r>
-            <a:endParaRPr lang="en-US" dirty="0"/>
-          </a:p>
-        </p:txBody>
-      </p:sp>
-      <p:sp>
-        <p:nvSpPr>
-          <p:cNvPr id="3" name="Subtitle 2"/>
-          <p:cNvSpPr>
-            <a:spLocks noGrp="1"/>
-          </p:cNvSpPr>
-          <p:nvPr>
-            <p:ph type="subTitle" idx="1"/>
-          </p:nvPr>
-        </p:nvSpPr>
-        <p:spPr/>
-        <p:txBody>
-          <a:bodyPr/>
-          <a:lstStyle/>
-          <a:p>
-            <a:r>
-              <a:rPr lang="en-US" dirty="0" smtClean="0"/>
-              <a:t>By Rob Irwin and Pete Mollica</a:t>
-            </a:r>
-            <a:endParaRPr lang="en-US" dirty="0"/>
           </a:p>
         </p:txBody>
       </p:sp>
@@ -3622,11 +4496,116 @@
           <a:p>
             <a:pPr algn="ctr"/>
             <a:r>
-              <a:rPr lang="en-US" dirty="0" smtClean="0"/>
-              <a:t>Current Methods </a:t>
-            </a:r>
+              <a:rPr lang="en-US" dirty="0"/>
+              <a:t>Tallying Phase</a:t>
+            </a:r>
+          </a:p>
+        </p:txBody>
+      </p:sp>
+      <p:sp>
+        <p:nvSpPr>
+          <p:cNvPr id="3" name="Content Placeholder 2"/>
+          <p:cNvSpPr>
+            <a:spLocks noGrp="1"/>
+          </p:cNvSpPr>
+          <p:nvPr>
+            <p:ph idx="1"/>
+          </p:nvPr>
+        </p:nvSpPr>
+        <p:spPr/>
+        <p:txBody>
+          <a:bodyPr/>
+          <a:lstStyle/>
+          <a:p>
+            <a:r>
+              <a:rPr lang="en-US" dirty="0"/>
+              <a:t>Vote is only tallied after the hash is verified</a:t>
+            </a:r>
+          </a:p>
+          <a:p>
+            <a:pPr marL="0" indent="0">
+              <a:buNone/>
+            </a:pPr>
             <a:endParaRPr lang="en-US" dirty="0"/>
           </a:p>
+          <a:p>
+            <a:pPr marL="0" indent="0">
+              <a:buNone/>
+            </a:pPr>
+            <a:endParaRPr lang="en-US" b="1" dirty="0"/>
+          </a:p>
+        </p:txBody>
+      </p:sp>
+      <p:sp>
+        <p:nvSpPr>
+          <p:cNvPr id="4" name="Footer Placeholder 3"/>
+          <p:cNvSpPr>
+            <a:spLocks noGrp="1"/>
+          </p:cNvSpPr>
+          <p:nvPr>
+            <p:ph type="ftr" sz="quarter" idx="11"/>
+          </p:nvPr>
+        </p:nvSpPr>
+        <p:spPr/>
+        <p:txBody>
+          <a:bodyPr/>
+          <a:lstStyle/>
+          <a:p>
+            <a:endParaRPr lang="en-US"/>
+          </a:p>
+        </p:txBody>
+      </p:sp>
+    </p:spTree>
+    <p:extLst>
+      <p:ext uri="{BB962C8B-B14F-4D97-AF65-F5344CB8AC3E}">
+        <p14:creationId xmlns:p14="http://schemas.microsoft.com/office/powerpoint/2010/main" val="279905248"/>
+      </p:ext>
+    </p:extLst>
+  </p:cSld>
+  <p:clrMapOvr>
+    <a:masterClrMapping/>
+  </p:clrMapOvr>
+</p:sld>
+</file>
+
+<file path=ppt/slides/slide11.xml><?xml version="1.0" encoding="utf-8"?>
+<p:sld xmlns:a="http://schemas.openxmlformats.org/drawingml/2006/main" xmlns:r="http://schemas.openxmlformats.org/officeDocument/2006/relationships" xmlns:p="http://schemas.openxmlformats.org/presentationml/2006/main">
+  <p:cSld>
+    <p:spTree>
+      <p:nvGrpSpPr>
+        <p:cNvPr id="1" name=""/>
+        <p:cNvGrpSpPr/>
+        <p:nvPr/>
+      </p:nvGrpSpPr>
+      <p:grpSpPr>
+        <a:xfrm>
+          <a:off x="0" y="0"/>
+          <a:ext cx="0" cy="0"/>
+          <a:chOff x="0" y="0"/>
+          <a:chExt cx="0" cy="0"/>
+        </a:xfrm>
+      </p:grpSpPr>
+      <p:sp>
+        <p:nvSpPr>
+          <p:cNvPr id="2" name="Title 1"/>
+          <p:cNvSpPr>
+            <a:spLocks noGrp="1"/>
+          </p:cNvSpPr>
+          <p:nvPr>
+            <p:ph type="title"/>
+          </p:nvPr>
+        </p:nvSpPr>
+        <p:spPr/>
+        <p:txBody>
+          <a:bodyPr/>
+          <a:lstStyle/>
+          <a:p>
+            <a:pPr algn="ctr"/>
+            <a:r>
+              <a:rPr lang="en-US" dirty="0"/>
+              <a:t>Disassociating Voter/Vote</a:t>
+            </a:r>
+          </a:p>
         </p:txBody>
       </p:sp>
       <p:sp>
@@ -3645,53 +4624,264 @@
           <a:lstStyle/>
           <a:p>
             <a:r>
-              <a:rPr lang="en-US" dirty="0" smtClean="0"/>
+              <a:rPr lang="en-US" dirty="0"/>
+              <a:t>Once the advisory validates the credentials, sends a request to the ballot server to initiate communications with the booth.</a:t>
+            </a:r>
+          </a:p>
+          <a:p>
+            <a:pPr lvl="1"/>
+            <a:r>
+              <a:rPr lang="en-US" dirty="0"/>
+              <a:t>Voter can now cast vote, but the ballot server does not know who the vote is coming from.</a:t>
+            </a:r>
+          </a:p>
+        </p:txBody>
+      </p:sp>
+      <p:sp>
+        <p:nvSpPr>
+          <p:cNvPr id="4" name="Footer Placeholder 3"/>
+          <p:cNvSpPr>
+            <a:spLocks noGrp="1"/>
+          </p:cNvSpPr>
+          <p:nvPr>
+            <p:ph type="ftr" sz="quarter" idx="11"/>
+          </p:nvPr>
+        </p:nvSpPr>
+        <p:spPr/>
+        <p:txBody>
+          <a:bodyPr/>
+          <a:lstStyle/>
+          <a:p>
+            <a:endParaRPr lang="en-US"/>
+          </a:p>
+        </p:txBody>
+      </p:sp>
+    </p:spTree>
+    <p:extLst>
+      <p:ext uri="{BB962C8B-B14F-4D97-AF65-F5344CB8AC3E}">
+        <p14:creationId xmlns:p14="http://schemas.microsoft.com/office/powerpoint/2010/main" val="1492122553"/>
+      </p:ext>
+    </p:extLst>
+  </p:cSld>
+  <p:clrMapOvr>
+    <a:masterClrMapping/>
+  </p:clrMapOvr>
+</p:sld>
+</file>
+
+<file path=ppt/slides/slide12.xml><?xml version="1.0" encoding="utf-8"?>
+<p:sld xmlns:a="http://schemas.openxmlformats.org/drawingml/2006/main" xmlns:r="http://schemas.openxmlformats.org/officeDocument/2006/relationships" xmlns:p="http://schemas.openxmlformats.org/presentationml/2006/main">
+  <p:cSld>
+    <p:spTree>
+      <p:nvGrpSpPr>
+        <p:cNvPr id="1" name=""/>
+        <p:cNvGrpSpPr/>
+        <p:nvPr/>
+      </p:nvGrpSpPr>
+      <p:grpSpPr>
+        <a:xfrm>
+          <a:off x="0" y="0"/>
+          <a:ext cx="0" cy="0"/>
+          <a:chOff x="0" y="0"/>
+          <a:chExt cx="0" cy="0"/>
+        </a:xfrm>
+      </p:grpSpPr>
+      <p:sp>
+        <p:nvSpPr>
+          <p:cNvPr id="2" name="Title 1"/>
+          <p:cNvSpPr>
+            <a:spLocks noGrp="1"/>
+          </p:cNvSpPr>
+          <p:nvPr>
+            <p:ph type="title"/>
+          </p:nvPr>
+        </p:nvSpPr>
+        <p:spPr/>
+        <p:txBody>
+          <a:bodyPr/>
+          <a:lstStyle/>
+          <a:p>
+            <a:pPr algn="ctr"/>
+            <a:r>
+              <a:rPr lang="en-US" dirty="0"/>
+              <a:t>Proposed Encryption Method</a:t>
+            </a:r>
+          </a:p>
+        </p:txBody>
+      </p:sp>
+      <p:sp>
+        <p:nvSpPr>
+          <p:cNvPr id="3" name="Content Placeholder 2"/>
+          <p:cNvSpPr>
+            <a:spLocks noGrp="1"/>
+          </p:cNvSpPr>
+          <p:nvPr>
+            <p:ph idx="1"/>
+          </p:nvPr>
+        </p:nvSpPr>
+        <p:spPr/>
+        <p:txBody>
+          <a:bodyPr/>
+          <a:lstStyle/>
+          <a:p>
+            <a:r>
+              <a:rPr lang="en-US" dirty="0"/>
+              <a:t>Symmetric Encryption on all channels</a:t>
+            </a:r>
+          </a:p>
+          <a:p>
+            <a:pPr lvl="1"/>
+            <a:r>
+              <a:rPr lang="en-US" dirty="0"/>
+              <a:t>AES</a:t>
+            </a:r>
+          </a:p>
+          <a:p>
+            <a:pPr lvl="1"/>
+            <a:r>
+              <a:rPr lang="en-US" dirty="0"/>
+              <a:t>Hash encrypted message</a:t>
+            </a:r>
+          </a:p>
+          <a:p>
+            <a:endParaRPr lang="en-US" dirty="0"/>
+          </a:p>
+        </p:txBody>
+      </p:sp>
+      <p:sp>
+        <p:nvSpPr>
+          <p:cNvPr id="4" name="Footer Placeholder 3"/>
+          <p:cNvSpPr>
+            <a:spLocks noGrp="1"/>
+          </p:cNvSpPr>
+          <p:nvPr>
+            <p:ph type="ftr" sz="quarter" idx="11"/>
+          </p:nvPr>
+        </p:nvSpPr>
+        <p:spPr/>
+        <p:txBody>
+          <a:bodyPr/>
+          <a:lstStyle/>
+          <a:p>
+            <a:endParaRPr lang="en-US"/>
+          </a:p>
+        </p:txBody>
+      </p:sp>
+    </p:spTree>
+    <p:extLst>
+      <p:ext uri="{BB962C8B-B14F-4D97-AF65-F5344CB8AC3E}">
+        <p14:creationId xmlns:p14="http://schemas.microsoft.com/office/powerpoint/2010/main" val="1579761944"/>
+      </p:ext>
+    </p:extLst>
+  </p:cSld>
+  <p:clrMapOvr>
+    <a:masterClrMapping/>
+  </p:clrMapOvr>
+</p:sld>
+</file>
+
+<file path=ppt/slides/slide13.xml><?xml version="1.0" encoding="utf-8"?>
+<p:sld xmlns:a="http://schemas.openxmlformats.org/drawingml/2006/main" xmlns:r="http://schemas.openxmlformats.org/officeDocument/2006/relationships" xmlns:p="http://schemas.openxmlformats.org/presentationml/2006/main">
+  <p:cSld>
+    <p:spTree>
+      <p:nvGrpSpPr>
+        <p:cNvPr id="1" name=""/>
+        <p:cNvGrpSpPr/>
+        <p:nvPr/>
+      </p:nvGrpSpPr>
+      <p:grpSpPr>
+        <a:xfrm>
+          <a:off x="0" y="0"/>
+          <a:ext cx="0" cy="0"/>
+          <a:chOff x="0" y="0"/>
+          <a:chExt cx="0" cy="0"/>
+        </a:xfrm>
+      </p:grpSpPr>
+      <p:sp>
+        <p:nvSpPr>
+          <p:cNvPr id="2" name="Title 1"/>
+          <p:cNvSpPr>
+            <a:spLocks noGrp="1"/>
+          </p:cNvSpPr>
+          <p:nvPr>
+            <p:ph type="title"/>
+          </p:nvPr>
+        </p:nvSpPr>
+        <p:spPr/>
+        <p:txBody>
+          <a:bodyPr/>
+          <a:lstStyle/>
+          <a:p>
+            <a:pPr algn="ctr"/>
+            <a:r>
+              <a:rPr lang="en-US" dirty="0"/>
+              <a:t>Current Encryption Methods </a:t>
+            </a:r>
+          </a:p>
+        </p:txBody>
+      </p:sp>
+      <p:sp>
+        <p:nvSpPr>
+          <p:cNvPr id="3" name="Content Placeholder 2"/>
+          <p:cNvSpPr>
+            <a:spLocks noGrp="1"/>
+          </p:cNvSpPr>
+          <p:nvPr>
+            <p:ph idx="1"/>
+          </p:nvPr>
+        </p:nvSpPr>
+        <p:spPr/>
+        <p:txBody>
+          <a:bodyPr/>
+          <a:lstStyle/>
+          <a:p>
+            <a:r>
+              <a:rPr lang="en-US" dirty="0"/>
               <a:t>Homomorphic encryption:</a:t>
             </a:r>
           </a:p>
           <a:p>
             <a:pPr lvl="1"/>
             <a:r>
-              <a:rPr lang="en-US" dirty="0" err="1" smtClean="0"/>
+              <a:rPr lang="en-US" dirty="0" err="1"/>
               <a:t>Enc</a:t>
             </a:r>
             <a:r>
-              <a:rPr lang="en-US" dirty="0" smtClean="0"/>
+              <a:rPr lang="en-US" dirty="0"/>
               <a:t>(v1) *...* </a:t>
             </a:r>
             <a:r>
-              <a:rPr lang="en-US" dirty="0" err="1" smtClean="0"/>
+              <a:rPr lang="en-US" dirty="0" err="1"/>
               <a:t>Enc</a:t>
             </a:r>
             <a:r>
-              <a:rPr lang="en-US" dirty="0" smtClean="0"/>
+              <a:rPr lang="en-US" dirty="0"/>
               <a:t>(</a:t>
             </a:r>
             <a:r>
-              <a:rPr lang="en-US" dirty="0" err="1" smtClean="0"/>
+              <a:rPr lang="en-US" dirty="0" err="1"/>
               <a:t>vn</a:t>
             </a:r>
             <a:r>
-              <a:rPr lang="en-US" dirty="0" smtClean="0"/>
+              <a:rPr lang="en-US" dirty="0"/>
               <a:t>) = </a:t>
             </a:r>
             <a:r>
-              <a:rPr lang="en-US" dirty="0" err="1" smtClean="0"/>
+              <a:rPr lang="en-US" dirty="0" err="1"/>
               <a:t>Enc</a:t>
             </a:r>
             <a:r>
-              <a:rPr lang="en-US" dirty="0" smtClean="0"/>
+              <a:rPr lang="en-US" dirty="0"/>
               <a:t>(v1 +...+ </a:t>
             </a:r>
             <a:r>
-              <a:rPr lang="en-US" dirty="0" err="1" smtClean="0"/>
+              <a:rPr lang="en-US" dirty="0" err="1"/>
               <a:t>vn</a:t>
             </a:r>
             <a:r>
-              <a:rPr lang="en-US" dirty="0" smtClean="0"/>
+              <a:rPr lang="en-US" dirty="0"/>
               <a:t>).</a:t>
             </a:r>
-            <a:endParaRPr lang="en-US" dirty="0"/>
           </a:p>
         </p:txBody>
       </p:sp>
@@ -3718,6 +4908,887 @@
     <p:extLst>
       <p:ext uri="{BB962C8B-B14F-4D97-AF65-F5344CB8AC3E}">
         <p14:creationId xmlns:p14="http://schemas.microsoft.com/office/powerpoint/2010/main" val="2900096873"/>
+      </p:ext>
+    </p:extLst>
+  </p:cSld>
+  <p:clrMapOvr>
+    <a:masterClrMapping/>
+  </p:clrMapOvr>
+</p:sld>
+</file>
+
+<file path=ppt/slides/slide14.xml><?xml version="1.0" encoding="utf-8"?>
+<p:sld xmlns:a="http://schemas.openxmlformats.org/drawingml/2006/main" xmlns:r="http://schemas.openxmlformats.org/officeDocument/2006/relationships" xmlns:p="http://schemas.openxmlformats.org/presentationml/2006/main">
+  <p:cSld>
+    <p:spTree>
+      <p:nvGrpSpPr>
+        <p:cNvPr id="1" name=""/>
+        <p:cNvGrpSpPr/>
+        <p:nvPr/>
+      </p:nvGrpSpPr>
+      <p:grpSpPr>
+        <a:xfrm>
+          <a:off x="0" y="0"/>
+          <a:ext cx="0" cy="0"/>
+          <a:chOff x="0" y="0"/>
+          <a:chExt cx="0" cy="0"/>
+        </a:xfrm>
+      </p:grpSpPr>
+      <p:sp>
+        <p:nvSpPr>
+          <p:cNvPr id="2" name="Title 1"/>
+          <p:cNvSpPr>
+            <a:spLocks noGrp="1"/>
+          </p:cNvSpPr>
+          <p:nvPr>
+            <p:ph type="title"/>
+          </p:nvPr>
+        </p:nvSpPr>
+        <p:spPr/>
+        <p:txBody>
+          <a:bodyPr/>
+          <a:lstStyle/>
+          <a:p>
+            <a:pPr algn="ctr"/>
+            <a:r>
+              <a:rPr lang="en-US" dirty="0"/>
+              <a:t>Design Topology</a:t>
+            </a:r>
+          </a:p>
+        </p:txBody>
+      </p:sp>
+      <p:sp>
+        <p:nvSpPr>
+          <p:cNvPr id="4" name="Footer Placeholder 3"/>
+          <p:cNvSpPr>
+            <a:spLocks noGrp="1"/>
+          </p:cNvSpPr>
+          <p:nvPr>
+            <p:ph type="ftr" sz="quarter" idx="11"/>
+          </p:nvPr>
+        </p:nvSpPr>
+        <p:spPr/>
+        <p:txBody>
+          <a:bodyPr/>
+          <a:lstStyle/>
+          <a:p>
+            <a:endParaRPr lang="en-US"/>
+          </a:p>
+        </p:txBody>
+      </p:sp>
+      <p:sp>
+        <p:nvSpPr>
+          <p:cNvPr id="5" name="Oval 4"/>
+          <p:cNvSpPr/>
+          <p:nvPr/>
+        </p:nvSpPr>
+        <p:spPr>
+          <a:xfrm>
+            <a:off x="1260391" y="1713472"/>
+            <a:ext cx="2907957" cy="2290119"/>
+          </a:xfrm>
+          <a:prstGeom prst="ellipse">
+            <a:avLst/>
+          </a:prstGeom>
+          <a:solidFill>
+            <a:schemeClr val="bg2"/>
+          </a:solidFill>
+        </p:spPr>
+        <p:style>
+          <a:lnRef idx="2">
+            <a:schemeClr val="dk1"/>
+          </a:lnRef>
+          <a:fillRef idx="1">
+            <a:schemeClr val="lt1"/>
+          </a:fillRef>
+          <a:effectRef idx="0">
+            <a:schemeClr val="dk1"/>
+          </a:effectRef>
+          <a:fontRef idx="minor">
+            <a:schemeClr val="dk1"/>
+          </a:fontRef>
+        </p:style>
+        <p:txBody>
+          <a:bodyPr rtlCol="0" anchor="ctr"/>
+          <a:lstStyle/>
+          <a:p>
+            <a:pPr algn="ctr"/>
+            <a:r>
+              <a:rPr lang="en-US" b="1" dirty="0"/>
+              <a:t>Voter Booth:</a:t>
+            </a:r>
+          </a:p>
+          <a:p>
+            <a:pPr marL="342900" indent="-342900" algn="ctr">
+              <a:buAutoNum type="arabicPeriod"/>
+            </a:pPr>
+            <a:r>
+              <a:rPr lang="en-US" sz="1400" dirty="0"/>
+              <a:t>Enter Credentials</a:t>
+            </a:r>
+          </a:p>
+          <a:p>
+            <a:pPr algn="ctr"/>
+            <a:r>
+              <a:rPr lang="en-US" sz="1400" dirty="0"/>
+              <a:t>6. Cast Vote</a:t>
+            </a:r>
+          </a:p>
+        </p:txBody>
+      </p:sp>
+      <p:sp>
+        <p:nvSpPr>
+          <p:cNvPr id="6" name="Oval 5"/>
+          <p:cNvSpPr/>
+          <p:nvPr/>
+        </p:nvSpPr>
+        <p:spPr>
+          <a:xfrm>
+            <a:off x="7352273" y="1713473"/>
+            <a:ext cx="2969740" cy="2174790"/>
+          </a:xfrm>
+          <a:prstGeom prst="ellipse">
+            <a:avLst/>
+          </a:prstGeom>
+          <a:solidFill>
+            <a:schemeClr val="bg2"/>
+          </a:solidFill>
+        </p:spPr>
+        <p:style>
+          <a:lnRef idx="2">
+            <a:schemeClr val="dk1"/>
+          </a:lnRef>
+          <a:fillRef idx="1">
+            <a:schemeClr val="lt1"/>
+          </a:fillRef>
+          <a:effectRef idx="0">
+            <a:schemeClr val="dk1"/>
+          </a:effectRef>
+          <a:fontRef idx="minor">
+            <a:schemeClr val="dk1"/>
+          </a:fontRef>
+        </p:style>
+        <p:txBody>
+          <a:bodyPr rtlCol="0" anchor="ctr"/>
+          <a:lstStyle/>
+          <a:p>
+            <a:pPr algn="ctr"/>
+            <a:r>
+              <a:rPr lang="en-US" b="1" dirty="0"/>
+              <a:t>Credential Advisory:</a:t>
+            </a:r>
+          </a:p>
+          <a:p>
+            <a:pPr algn="ctr"/>
+            <a:r>
+              <a:rPr lang="en-US" sz="1200" dirty="0"/>
+              <a:t>2. Check Registration Status</a:t>
+            </a:r>
+          </a:p>
+        </p:txBody>
+      </p:sp>
+      <p:sp>
+        <p:nvSpPr>
+          <p:cNvPr id="7" name="Oval 6"/>
+          <p:cNvSpPr/>
+          <p:nvPr/>
+        </p:nvSpPr>
+        <p:spPr>
+          <a:xfrm>
+            <a:off x="4382532" y="4312516"/>
+            <a:ext cx="3064475" cy="2195384"/>
+          </a:xfrm>
+          <a:prstGeom prst="ellipse">
+            <a:avLst/>
+          </a:prstGeom>
+          <a:solidFill>
+            <a:schemeClr val="bg2"/>
+          </a:solidFill>
+        </p:spPr>
+        <p:style>
+          <a:lnRef idx="2">
+            <a:schemeClr val="dk1"/>
+          </a:lnRef>
+          <a:fillRef idx="1">
+            <a:schemeClr val="lt1"/>
+          </a:fillRef>
+          <a:effectRef idx="0">
+            <a:schemeClr val="dk1"/>
+          </a:effectRef>
+          <a:fontRef idx="minor">
+            <a:schemeClr val="dk1"/>
+          </a:fontRef>
+        </p:style>
+        <p:txBody>
+          <a:bodyPr rtlCol="0" anchor="ctr"/>
+          <a:lstStyle/>
+          <a:p>
+            <a:pPr algn="ctr"/>
+            <a:r>
+              <a:rPr lang="en-US" b="1" dirty="0"/>
+              <a:t>Ballot Server:</a:t>
+            </a:r>
+          </a:p>
+          <a:p>
+            <a:pPr algn="ctr"/>
+            <a:r>
+              <a:rPr lang="en-US" sz="1400" dirty="0"/>
+              <a:t>8. Tally Vote</a:t>
+            </a:r>
+          </a:p>
+          <a:p>
+            <a:pPr algn="ctr"/>
+            <a:r>
+              <a:rPr lang="en-US" sz="1400" dirty="0"/>
+              <a:t>9. Close Communication</a:t>
+            </a:r>
+          </a:p>
+        </p:txBody>
+      </p:sp>
+      <p:cxnSp>
+        <p:nvCxnSpPr>
+          <p:cNvPr id="9" name="Connector: Curved 8"/>
+          <p:cNvCxnSpPr>
+            <a:stCxn id="5" idx="7"/>
+            <a:endCxn id="6" idx="1"/>
+          </p:cNvCxnSpPr>
+          <p:nvPr/>
+        </p:nvCxnSpPr>
+        <p:spPr>
+          <a:xfrm rot="5400000" flipH="1" flipV="1">
+            <a:off x="5756390" y="18062"/>
+            <a:ext cx="16888" cy="4044693"/>
+          </a:xfrm>
+          <a:prstGeom prst="curvedConnector3">
+            <a:avLst>
+              <a:gd name="adj1" fmla="val 3339531"/>
+            </a:avLst>
+          </a:prstGeom>
+          <a:ln>
+            <a:tailEnd type="triangle"/>
+          </a:ln>
+        </p:spPr>
+        <p:style>
+          <a:lnRef idx="2">
+            <a:schemeClr val="dk1"/>
+          </a:lnRef>
+          <a:fillRef idx="0">
+            <a:schemeClr val="dk1"/>
+          </a:fillRef>
+          <a:effectRef idx="1">
+            <a:schemeClr val="dk1"/>
+          </a:effectRef>
+          <a:fontRef idx="minor">
+            <a:schemeClr val="tx1"/>
+          </a:fontRef>
+        </p:style>
+      </p:cxnSp>
+      <p:sp>
+        <p:nvSpPr>
+          <p:cNvPr id="10" name="TextBox 9"/>
+          <p:cNvSpPr txBox="1"/>
+          <p:nvPr/>
+        </p:nvSpPr>
+        <p:spPr>
+          <a:xfrm>
+            <a:off x="5033321" y="1511205"/>
+            <a:ext cx="1592409" cy="307777"/>
+          </a:xfrm>
+          <a:prstGeom prst="rect">
+            <a:avLst/>
+          </a:prstGeom>
+          <a:noFill/>
+        </p:spPr>
+        <p:txBody>
+          <a:bodyPr wrap="square" rtlCol="0">
+            <a:spAutoFit/>
+          </a:bodyPr>
+          <a:lstStyle/>
+          <a:p>
+            <a:r>
+              <a:rPr lang="en-US" sz="1400" dirty="0"/>
+              <a:t>1. Send Credentials</a:t>
+            </a:r>
+          </a:p>
+        </p:txBody>
+      </p:sp>
+      <p:cxnSp>
+        <p:nvCxnSpPr>
+          <p:cNvPr id="13" name="Connector: Curved 12"/>
+          <p:cNvCxnSpPr>
+            <a:stCxn id="6" idx="3"/>
+            <a:endCxn id="5" idx="5"/>
+          </p:cNvCxnSpPr>
+          <p:nvPr/>
+        </p:nvCxnSpPr>
+        <p:spPr>
+          <a:xfrm rot="5400000">
+            <a:off x="5715616" y="1596645"/>
+            <a:ext cx="98439" cy="4044693"/>
+          </a:xfrm>
+          <a:prstGeom prst="curvedConnector3">
+            <a:avLst>
+              <a:gd name="adj1" fmla="val 631080"/>
+            </a:avLst>
+          </a:prstGeom>
+          <a:ln>
+            <a:tailEnd type="triangle"/>
+          </a:ln>
+        </p:spPr>
+        <p:style>
+          <a:lnRef idx="2">
+            <a:schemeClr val="dk1"/>
+          </a:lnRef>
+          <a:fillRef idx="0">
+            <a:schemeClr val="dk1"/>
+          </a:fillRef>
+          <a:effectRef idx="1">
+            <a:schemeClr val="dk1"/>
+          </a:effectRef>
+          <a:fontRef idx="minor">
+            <a:schemeClr val="tx1"/>
+          </a:fontRef>
+        </p:style>
+      </p:cxnSp>
+      <p:sp>
+        <p:nvSpPr>
+          <p:cNvPr id="16" name="TextBox 15"/>
+          <p:cNvSpPr txBox="1"/>
+          <p:nvPr/>
+        </p:nvSpPr>
+        <p:spPr>
+          <a:xfrm>
+            <a:off x="4952557" y="3822173"/>
+            <a:ext cx="1927654" cy="307777"/>
+          </a:xfrm>
+          <a:prstGeom prst="rect">
+            <a:avLst/>
+          </a:prstGeom>
+          <a:noFill/>
+        </p:spPr>
+        <p:txBody>
+          <a:bodyPr wrap="square" rtlCol="0">
+            <a:spAutoFit/>
+          </a:bodyPr>
+          <a:lstStyle/>
+          <a:p>
+            <a:r>
+              <a:rPr lang="en-US" sz="1400" dirty="0"/>
+              <a:t>3. Registration Status</a:t>
+            </a:r>
+          </a:p>
+        </p:txBody>
+      </p:sp>
+      <p:cxnSp>
+        <p:nvCxnSpPr>
+          <p:cNvPr id="18" name="Connector: Curved 17"/>
+          <p:cNvCxnSpPr>
+            <a:stCxn id="6" idx="4"/>
+            <a:endCxn id="7" idx="6"/>
+          </p:cNvCxnSpPr>
+          <p:nvPr/>
+        </p:nvCxnSpPr>
+        <p:spPr>
+          <a:xfrm rot="5400000">
+            <a:off x="7381103" y="3954167"/>
+            <a:ext cx="1521945" cy="1390136"/>
+          </a:xfrm>
+          <a:prstGeom prst="curvedConnector2">
+            <a:avLst/>
+          </a:prstGeom>
+          <a:ln>
+            <a:tailEnd type="triangle"/>
+          </a:ln>
+        </p:spPr>
+        <p:style>
+          <a:lnRef idx="2">
+            <a:schemeClr val="dk1"/>
+          </a:lnRef>
+          <a:fillRef idx="0">
+            <a:schemeClr val="dk1"/>
+          </a:fillRef>
+          <a:effectRef idx="1">
+            <a:schemeClr val="dk1"/>
+          </a:effectRef>
+          <a:fontRef idx="minor">
+            <a:schemeClr val="tx1"/>
+          </a:fontRef>
+        </p:style>
+      </p:cxnSp>
+      <p:sp>
+        <p:nvSpPr>
+          <p:cNvPr id="19" name="TextBox 18"/>
+          <p:cNvSpPr txBox="1"/>
+          <p:nvPr/>
+        </p:nvSpPr>
+        <p:spPr>
+          <a:xfrm rot="18019244">
+            <a:off x="7826691" y="4393509"/>
+            <a:ext cx="2150076" cy="307777"/>
+          </a:xfrm>
+          <a:prstGeom prst="rect">
+            <a:avLst/>
+          </a:prstGeom>
+          <a:noFill/>
+        </p:spPr>
+        <p:txBody>
+          <a:bodyPr wrap="square" rtlCol="0">
+            <a:spAutoFit/>
+          </a:bodyPr>
+          <a:lstStyle/>
+          <a:p>
+            <a:r>
+              <a:rPr lang="en-US" sz="1400" dirty="0"/>
+              <a:t>4. Ballot Request</a:t>
+            </a:r>
+          </a:p>
+        </p:txBody>
+      </p:sp>
+      <p:cxnSp>
+        <p:nvCxnSpPr>
+          <p:cNvPr id="21" name="Connector: Curved 20"/>
+          <p:cNvCxnSpPr>
+            <a:stCxn id="7" idx="2"/>
+            <a:endCxn id="5" idx="4"/>
+          </p:cNvCxnSpPr>
+          <p:nvPr/>
+        </p:nvCxnSpPr>
+        <p:spPr>
+          <a:xfrm rot="10800000">
+            <a:off x="2714370" y="4003592"/>
+            <a:ext cx="1668162" cy="1406617"/>
+          </a:xfrm>
+          <a:prstGeom prst="curvedConnector2">
+            <a:avLst/>
+          </a:prstGeom>
+          <a:ln>
+            <a:tailEnd type="triangle"/>
+          </a:ln>
+        </p:spPr>
+        <p:style>
+          <a:lnRef idx="2">
+            <a:schemeClr val="dk1"/>
+          </a:lnRef>
+          <a:fillRef idx="0">
+            <a:schemeClr val="dk1"/>
+          </a:fillRef>
+          <a:effectRef idx="1">
+            <a:schemeClr val="dk1"/>
+          </a:effectRef>
+          <a:fontRef idx="minor">
+            <a:schemeClr val="tx1"/>
+          </a:fontRef>
+        </p:style>
+      </p:cxnSp>
+      <p:sp>
+        <p:nvSpPr>
+          <p:cNvPr id="22" name="TextBox 21"/>
+          <p:cNvSpPr txBox="1"/>
+          <p:nvPr/>
+        </p:nvSpPr>
+        <p:spPr>
+          <a:xfrm rot="2391888">
+            <a:off x="2485349" y="4605192"/>
+            <a:ext cx="2108886" cy="307777"/>
+          </a:xfrm>
+          <a:prstGeom prst="rect">
+            <a:avLst/>
+          </a:prstGeom>
+          <a:noFill/>
+        </p:spPr>
+        <p:txBody>
+          <a:bodyPr wrap="square" rtlCol="0">
+            <a:spAutoFit/>
+          </a:bodyPr>
+          <a:lstStyle/>
+          <a:p>
+            <a:r>
+              <a:rPr lang="en-US" sz="1400" dirty="0"/>
+              <a:t>5. Initiate Communication</a:t>
+            </a:r>
+          </a:p>
+        </p:txBody>
+      </p:sp>
+      <p:cxnSp>
+        <p:nvCxnSpPr>
+          <p:cNvPr id="24" name="Connector: Curved 23"/>
+          <p:cNvCxnSpPr>
+            <a:stCxn id="5" idx="3"/>
+            <a:endCxn id="7" idx="3"/>
+          </p:cNvCxnSpPr>
+          <p:nvPr/>
+        </p:nvCxnSpPr>
+        <p:spPr>
+          <a:xfrm rot="16200000" flipH="1">
+            <a:off x="1999691" y="3354770"/>
+            <a:ext cx="2518182" cy="3145063"/>
+          </a:xfrm>
+          <a:prstGeom prst="curvedConnector3">
+            <a:avLst>
+              <a:gd name="adj1" fmla="val 96983"/>
+            </a:avLst>
+          </a:prstGeom>
+          <a:ln>
+            <a:tailEnd type="triangle"/>
+          </a:ln>
+        </p:spPr>
+        <p:style>
+          <a:lnRef idx="2">
+            <a:schemeClr val="dk1"/>
+          </a:lnRef>
+          <a:fillRef idx="0">
+            <a:schemeClr val="dk1"/>
+          </a:fillRef>
+          <a:effectRef idx="1">
+            <a:schemeClr val="dk1"/>
+          </a:effectRef>
+          <a:fontRef idx="minor">
+            <a:schemeClr val="tx1"/>
+          </a:fontRef>
+        </p:style>
+      </p:cxnSp>
+      <p:sp>
+        <p:nvSpPr>
+          <p:cNvPr id="26" name="TextBox 25"/>
+          <p:cNvSpPr txBox="1"/>
+          <p:nvPr/>
+        </p:nvSpPr>
+        <p:spPr>
+          <a:xfrm rot="2410980">
+            <a:off x="1822418" y="5343250"/>
+            <a:ext cx="1891385" cy="307777"/>
+          </a:xfrm>
+          <a:prstGeom prst="rect">
+            <a:avLst/>
+          </a:prstGeom>
+          <a:noFill/>
+        </p:spPr>
+        <p:txBody>
+          <a:bodyPr wrap="square" rtlCol="0">
+            <a:spAutoFit/>
+          </a:bodyPr>
+          <a:lstStyle/>
+          <a:p>
+            <a:r>
+              <a:rPr lang="en-US" sz="1400" dirty="0"/>
+              <a:t>7. Send Encrypted Vote</a:t>
+            </a:r>
+          </a:p>
+        </p:txBody>
+      </p:sp>
+    </p:spTree>
+    <p:extLst>
+      <p:ext uri="{BB962C8B-B14F-4D97-AF65-F5344CB8AC3E}">
+        <p14:creationId xmlns:p14="http://schemas.microsoft.com/office/powerpoint/2010/main" val="3827242929"/>
+      </p:ext>
+    </p:extLst>
+  </p:cSld>
+  <p:clrMapOvr>
+    <a:masterClrMapping/>
+  </p:clrMapOvr>
+</p:sld>
+</file>
+
+<file path=ppt/slides/slide15.xml><?xml version="1.0" encoding="utf-8"?>
+<p:sld xmlns:a="http://schemas.openxmlformats.org/drawingml/2006/main" xmlns:r="http://schemas.openxmlformats.org/officeDocument/2006/relationships" xmlns:p="http://schemas.openxmlformats.org/presentationml/2006/main">
+  <p:cSld>
+    <p:spTree>
+      <p:nvGrpSpPr>
+        <p:cNvPr id="1" name=""/>
+        <p:cNvGrpSpPr/>
+        <p:nvPr/>
+      </p:nvGrpSpPr>
+      <p:grpSpPr>
+        <a:xfrm>
+          <a:off x="0" y="0"/>
+          <a:ext cx="0" cy="0"/>
+          <a:chOff x="0" y="0"/>
+          <a:chExt cx="0" cy="0"/>
+        </a:xfrm>
+      </p:grpSpPr>
+      <p:sp>
+        <p:nvSpPr>
+          <p:cNvPr id="2" name="Title 1"/>
+          <p:cNvSpPr>
+            <a:spLocks noGrp="1"/>
+          </p:cNvSpPr>
+          <p:nvPr>
+            <p:ph type="title"/>
+          </p:nvPr>
+        </p:nvSpPr>
+        <p:spPr/>
+        <p:txBody>
+          <a:bodyPr/>
+          <a:lstStyle/>
+          <a:p>
+            <a:pPr algn="ctr"/>
+            <a:r>
+              <a:rPr lang="en-US" dirty="0"/>
+              <a:t>Demo</a:t>
+            </a:r>
+          </a:p>
+        </p:txBody>
+      </p:sp>
+      <p:sp>
+        <p:nvSpPr>
+          <p:cNvPr id="3" name="Content Placeholder 2"/>
+          <p:cNvSpPr>
+            <a:spLocks noGrp="1"/>
+          </p:cNvSpPr>
+          <p:nvPr>
+            <p:ph idx="1"/>
+          </p:nvPr>
+        </p:nvSpPr>
+        <p:spPr/>
+        <p:txBody>
+          <a:bodyPr/>
+          <a:lstStyle/>
+          <a:p>
+            <a:pPr marL="0" indent="0">
+              <a:buNone/>
+            </a:pPr>
+            <a:endParaRPr lang="en-US" dirty="0"/>
+          </a:p>
+        </p:txBody>
+      </p:sp>
+      <p:sp>
+        <p:nvSpPr>
+          <p:cNvPr id="4" name="Footer Placeholder 3"/>
+          <p:cNvSpPr>
+            <a:spLocks noGrp="1"/>
+          </p:cNvSpPr>
+          <p:nvPr>
+            <p:ph type="ftr" sz="quarter" idx="11"/>
+          </p:nvPr>
+        </p:nvSpPr>
+        <p:spPr/>
+        <p:txBody>
+          <a:bodyPr/>
+          <a:lstStyle/>
+          <a:p>
+            <a:endParaRPr lang="en-US"/>
+          </a:p>
+        </p:txBody>
+      </p:sp>
+    </p:spTree>
+    <p:extLst>
+      <p:ext uri="{BB962C8B-B14F-4D97-AF65-F5344CB8AC3E}">
+        <p14:creationId xmlns:p14="http://schemas.microsoft.com/office/powerpoint/2010/main" val="1748253675"/>
+      </p:ext>
+    </p:extLst>
+  </p:cSld>
+  <p:clrMapOvr>
+    <a:masterClrMapping/>
+  </p:clrMapOvr>
+</p:sld>
+</file>
+
+<file path=ppt/slides/slide16.xml><?xml version="1.0" encoding="utf-8"?>
+<p:sld xmlns:a="http://schemas.openxmlformats.org/drawingml/2006/main" xmlns:r="http://schemas.openxmlformats.org/officeDocument/2006/relationships" xmlns:p="http://schemas.openxmlformats.org/presentationml/2006/main">
+  <p:cSld>
+    <p:spTree>
+      <p:nvGrpSpPr>
+        <p:cNvPr id="1" name=""/>
+        <p:cNvGrpSpPr/>
+        <p:nvPr/>
+      </p:nvGrpSpPr>
+      <p:grpSpPr>
+        <a:xfrm>
+          <a:off x="0" y="0"/>
+          <a:ext cx="0" cy="0"/>
+          <a:chOff x="0" y="0"/>
+          <a:chExt cx="0" cy="0"/>
+        </a:xfrm>
+      </p:grpSpPr>
+      <p:sp>
+        <p:nvSpPr>
+          <p:cNvPr id="2" name="Title 1"/>
+          <p:cNvSpPr>
+            <a:spLocks noGrp="1"/>
+          </p:cNvSpPr>
+          <p:nvPr>
+            <p:ph type="title"/>
+          </p:nvPr>
+        </p:nvSpPr>
+        <p:spPr/>
+        <p:txBody>
+          <a:bodyPr/>
+          <a:lstStyle/>
+          <a:p>
+            <a:pPr algn="ctr"/>
+            <a:r>
+              <a:rPr lang="en-US" dirty="0"/>
+              <a:t>Problems with Design</a:t>
+            </a:r>
+          </a:p>
+        </p:txBody>
+      </p:sp>
+      <p:sp>
+        <p:nvSpPr>
+          <p:cNvPr id="3" name="Content Placeholder 2"/>
+          <p:cNvSpPr>
+            <a:spLocks noGrp="1"/>
+          </p:cNvSpPr>
+          <p:nvPr>
+            <p:ph idx="1"/>
+          </p:nvPr>
+        </p:nvSpPr>
+        <p:spPr/>
+        <p:txBody>
+          <a:bodyPr/>
+          <a:lstStyle/>
+          <a:p>
+            <a:r>
+              <a:rPr lang="en-US" dirty="0"/>
+              <a:t>Susceptible to man in the middle attacks</a:t>
+            </a:r>
+          </a:p>
+          <a:p>
+            <a:r>
+              <a:rPr lang="en-US" dirty="0"/>
+              <a:t>If symmetric key is compromised, no mechanism in place to change the key</a:t>
+            </a:r>
+          </a:p>
+        </p:txBody>
+      </p:sp>
+      <p:sp>
+        <p:nvSpPr>
+          <p:cNvPr id="4" name="Footer Placeholder 3"/>
+          <p:cNvSpPr>
+            <a:spLocks noGrp="1"/>
+          </p:cNvSpPr>
+          <p:nvPr>
+            <p:ph type="ftr" sz="quarter" idx="11"/>
+          </p:nvPr>
+        </p:nvSpPr>
+        <p:spPr/>
+        <p:txBody>
+          <a:bodyPr/>
+          <a:lstStyle/>
+          <a:p>
+            <a:endParaRPr lang="en-US"/>
+          </a:p>
+        </p:txBody>
+      </p:sp>
+    </p:spTree>
+    <p:extLst>
+      <p:ext uri="{BB962C8B-B14F-4D97-AF65-F5344CB8AC3E}">
+        <p14:creationId xmlns:p14="http://schemas.microsoft.com/office/powerpoint/2010/main" val="502260934"/>
+      </p:ext>
+    </p:extLst>
+  </p:cSld>
+  <p:clrMapOvr>
+    <a:masterClrMapping/>
+  </p:clrMapOvr>
+</p:sld>
+</file>
+
+<file path=ppt/slides/slide17.xml><?xml version="1.0" encoding="utf-8"?>
+<p:sld xmlns:a="http://schemas.openxmlformats.org/drawingml/2006/main" xmlns:r="http://schemas.openxmlformats.org/officeDocument/2006/relationships" xmlns:p="http://schemas.openxmlformats.org/presentationml/2006/main">
+  <p:cSld>
+    <p:spTree>
+      <p:nvGrpSpPr>
+        <p:cNvPr id="1" name=""/>
+        <p:cNvGrpSpPr/>
+        <p:nvPr/>
+      </p:nvGrpSpPr>
+      <p:grpSpPr>
+        <a:xfrm>
+          <a:off x="0" y="0"/>
+          <a:ext cx="0" cy="0"/>
+          <a:chOff x="0" y="0"/>
+          <a:chExt cx="0" cy="0"/>
+        </a:xfrm>
+      </p:grpSpPr>
+      <p:sp>
+        <p:nvSpPr>
+          <p:cNvPr id="2" name="Title 1"/>
+          <p:cNvSpPr>
+            <a:spLocks noGrp="1"/>
+          </p:cNvSpPr>
+          <p:nvPr>
+            <p:ph type="title"/>
+          </p:nvPr>
+        </p:nvSpPr>
+        <p:spPr/>
+        <p:txBody>
+          <a:bodyPr/>
+          <a:lstStyle/>
+          <a:p>
+            <a:pPr algn="ctr"/>
+            <a:r>
+              <a:rPr lang="en-US" dirty="0"/>
+              <a:t>Proposed Solution</a:t>
+            </a:r>
+          </a:p>
+        </p:txBody>
+      </p:sp>
+      <p:sp>
+        <p:nvSpPr>
+          <p:cNvPr id="3" name="Content Placeholder 2"/>
+          <p:cNvSpPr>
+            <a:spLocks noGrp="1"/>
+          </p:cNvSpPr>
+          <p:nvPr>
+            <p:ph idx="1"/>
+          </p:nvPr>
+        </p:nvSpPr>
+        <p:spPr/>
+        <p:txBody>
+          <a:bodyPr/>
+          <a:lstStyle/>
+          <a:p>
+            <a:r>
+              <a:rPr lang="en-US" dirty="0"/>
+              <a:t>Key Distribution Center</a:t>
+            </a:r>
+          </a:p>
+          <a:p>
+            <a:pPr lvl="1"/>
+            <a:r>
+              <a:rPr lang="en-US" dirty="0"/>
+              <a:t>Every time the ballot server opens communication with the booth, both the booth and ballot server request a new symmetric key.</a:t>
+            </a:r>
+          </a:p>
+          <a:p>
+            <a:pPr lvl="2"/>
+            <a:r>
+              <a:rPr lang="en-US" dirty="0"/>
+              <a:t>Solves problem of key compromise</a:t>
+            </a:r>
+          </a:p>
+          <a:p>
+            <a:pPr lvl="2"/>
+            <a:r>
+              <a:rPr lang="en-US" dirty="0"/>
+              <a:t>Solves man in the middle</a:t>
+            </a:r>
+          </a:p>
+        </p:txBody>
+      </p:sp>
+      <p:sp>
+        <p:nvSpPr>
+          <p:cNvPr id="4" name="Footer Placeholder 3"/>
+          <p:cNvSpPr>
+            <a:spLocks noGrp="1"/>
+          </p:cNvSpPr>
+          <p:nvPr>
+            <p:ph type="ftr" sz="quarter" idx="11"/>
+          </p:nvPr>
+        </p:nvSpPr>
+        <p:spPr/>
+        <p:txBody>
+          <a:bodyPr/>
+          <a:lstStyle/>
+          <a:p>
+            <a:endParaRPr lang="en-US"/>
+          </a:p>
+        </p:txBody>
+      </p:sp>
+    </p:spTree>
+    <p:extLst>
+      <p:ext uri="{BB962C8B-B14F-4D97-AF65-F5344CB8AC3E}">
+        <p14:creationId xmlns:p14="http://schemas.microsoft.com/office/powerpoint/2010/main" val="640905498"/>
       </p:ext>
     </p:extLst>
   </p:cSld>
@@ -3761,10 +5832,9 @@
           <a:p>
             <a:pPr algn="ctr"/>
             <a:r>
-              <a:rPr lang="en-US" dirty="0" smtClean="0"/>
+              <a:rPr lang="en-US" dirty="0"/>
               <a:t>What is Electronic Voting</a:t>
             </a:r>
-            <a:endParaRPr lang="en-US" dirty="0"/>
           </a:p>
         </p:txBody>
       </p:sp>
@@ -3789,29 +5859,28 @@
           <a:lstStyle/>
           <a:p>
             <a:r>
-              <a:rPr lang="en-US" dirty="0" smtClean="0"/>
+              <a:rPr lang="en-US" dirty="0"/>
               <a:t>An electronic voting (e-voting) system is a voting system in which the election data is recorded, stored and processed primarily as digital information. </a:t>
             </a:r>
           </a:p>
           <a:p>
             <a:pPr lvl="1"/>
             <a:r>
-              <a:rPr lang="en-US" i="1" dirty="0" smtClean="0"/>
+              <a:rPr lang="en-US" i="1" dirty="0"/>
               <a:t>Network Voting System Standards</a:t>
             </a:r>
             <a:r>
-              <a:rPr lang="en-US" dirty="0" smtClean="0"/>
+              <a:rPr lang="en-US" dirty="0"/>
               <a:t>, </a:t>
             </a:r>
             <a:r>
-              <a:rPr lang="en-US" dirty="0" err="1" smtClean="0"/>
+              <a:rPr lang="en-US" dirty="0" err="1"/>
               <a:t>VoteHere</a:t>
             </a:r>
             <a:r>
-              <a:rPr lang="en-US" dirty="0" smtClean="0"/>
+              <a:rPr lang="en-US" dirty="0"/>
               <a:t>, Inc., April 2002</a:t>
             </a:r>
-            <a:endParaRPr lang="en-US" dirty="0"/>
           </a:p>
         </p:txBody>
       </p:sp>
@@ -3905,10 +5974,9 @@
           <a:p>
             <a:pPr algn="ctr"/>
             <a:r>
-              <a:rPr lang="en-US" dirty="0" smtClean="0"/>
+              <a:rPr lang="en-US" dirty="0"/>
               <a:t>Problems</a:t>
             </a:r>
-            <a:endParaRPr lang="en-US" dirty="0"/>
           </a:p>
         </p:txBody>
       </p:sp>
@@ -3927,7 +5995,40 @@
           <a:bodyPr/>
           <a:lstStyle/>
           <a:p>
-            <a:endParaRPr lang="en-US"/>
+            <a:r>
+              <a:rPr lang="en-US" dirty="0"/>
+              <a:t>Votes can be altered</a:t>
+            </a:r>
+          </a:p>
+          <a:p>
+            <a:r>
+              <a:rPr lang="en-US" dirty="0"/>
+              <a:t>Voters may vote more than once</a:t>
+            </a:r>
+          </a:p>
+          <a:p>
+            <a:r>
+              <a:rPr lang="en-US" dirty="0"/>
+              <a:t>Voter Impersonation</a:t>
+            </a:r>
+          </a:p>
+          <a:p>
+            <a:r>
+              <a:rPr lang="en-US" dirty="0"/>
+              <a:t>Tallying can be altered</a:t>
+            </a:r>
+          </a:p>
+          <a:p>
+            <a:r>
+              <a:rPr lang="en-US" dirty="0"/>
+              <a:t>Votes can be tied to voters</a:t>
+            </a:r>
+          </a:p>
+          <a:p>
+            <a:r>
+              <a:rPr lang="en-US" dirty="0"/>
+              <a:t>Erroneous Communication</a:t>
+            </a:r>
           </a:p>
         </p:txBody>
       </p:sp>
@@ -3997,10 +6098,9 @@
           <a:p>
             <a:pPr algn="ctr"/>
             <a:r>
-              <a:rPr lang="en-US" dirty="0" smtClean="0"/>
+              <a:rPr lang="en-US" dirty="0"/>
               <a:t>System Security Requirements</a:t>
             </a:r>
-            <a:endParaRPr lang="en-US" dirty="0"/>
           </a:p>
         </p:txBody>
       </p:sp>
@@ -4022,76 +6122,76 @@
         </p:spPr>
         <p:txBody>
           <a:bodyPr>
-            <a:normAutofit fontScale="92500" lnSpcReduction="10000"/>
+            <a:normAutofit/>
           </a:bodyPr>
           <a:lstStyle/>
           <a:p>
             <a:r>
-              <a:rPr lang="en-US" b="1" dirty="0" smtClean="0"/>
+              <a:rPr lang="en-US" b="1" dirty="0"/>
               <a:t>Authentication</a:t>
             </a:r>
             <a:r>
-              <a:rPr lang="en-US" dirty="0" smtClean="0"/>
+              <a:rPr lang="en-US" dirty="0"/>
               <a:t>: Only authorized voters should be able to vote.</a:t>
             </a:r>
           </a:p>
           <a:p>
             <a:r>
-              <a:rPr lang="en-US" b="1" dirty="0" smtClean="0"/>
+              <a:rPr lang="en-US" b="1" dirty="0"/>
               <a:t>Uniqueness</a:t>
             </a:r>
             <a:r>
-              <a:rPr lang="en-US" dirty="0" smtClean="0"/>
+              <a:rPr lang="en-US" dirty="0"/>
               <a:t>: No voter should be able to vote more than once.</a:t>
             </a:r>
           </a:p>
           <a:p>
             <a:r>
-              <a:rPr lang="en-US" b="1" dirty="0" smtClean="0"/>
+              <a:rPr lang="en-US" b="1" dirty="0"/>
               <a:t>Accuracy</a:t>
             </a:r>
             <a:r>
-              <a:rPr lang="en-US" dirty="0" smtClean="0"/>
+              <a:rPr lang="en-US" dirty="0"/>
               <a:t>: Voting systems should record the votes correctly</a:t>
             </a:r>
           </a:p>
           <a:p>
             <a:r>
-              <a:rPr lang="en-US" b="1" dirty="0" smtClean="0"/>
+              <a:rPr lang="en-US" b="1" dirty="0"/>
               <a:t>Integrity</a:t>
             </a:r>
             <a:r>
-              <a:rPr lang="en-US" dirty="0" smtClean="0"/>
+              <a:rPr lang="en-US" dirty="0"/>
               <a:t>: Voters should not be able to be modified without detection</a:t>
             </a:r>
           </a:p>
           <a:p>
             <a:r>
-              <a:rPr lang="en-US" b="1" dirty="0" smtClean="0"/>
+              <a:rPr lang="en-US" b="1" dirty="0"/>
               <a:t>Verifiability</a:t>
             </a:r>
             <a:r>
-              <a:rPr lang="en-US" dirty="0" smtClean="0"/>
+              <a:rPr lang="en-US" dirty="0"/>
               <a:t>: Should be possible to verify that votes are correctly counted for the final tally.</a:t>
             </a:r>
           </a:p>
           <a:p>
             <a:r>
-              <a:rPr lang="en-US" b="1" dirty="0" smtClean="0"/>
+              <a:rPr lang="en-US" b="1" dirty="0"/>
               <a:t>Auditability</a:t>
             </a:r>
             <a:r>
-              <a:rPr lang="en-US" dirty="0" smtClean="0"/>
+              <a:rPr lang="en-US" dirty="0"/>
               <a:t>: There should be reliable and demonstrably authentic election results</a:t>
             </a:r>
           </a:p>
           <a:p>
             <a:r>
-              <a:rPr lang="en-US" b="1" dirty="0" smtClean="0"/>
+              <a:rPr lang="en-US" b="1" dirty="0"/>
               <a:t>Secrecy</a:t>
             </a:r>
             <a:r>
-              <a:rPr lang="en-US" dirty="0" smtClean="0"/>
+              <a:rPr lang="en-US" dirty="0"/>
               <a:t>: No one should be able to determine how any individual voted.</a:t>
             </a:r>
           </a:p>
@@ -4306,18 +6406,17 @@
               <a:buNone/>
             </a:pPr>
             <a:r>
-              <a:rPr lang="en-US" dirty="0" smtClean="0"/>
+              <a:rPr lang="en-US" dirty="0"/>
               <a:t>*Internet Policy Institute, </a:t>
             </a:r>
             <a:r>
-              <a:rPr lang="en-US" i="1" dirty="0" smtClean="0"/>
+              <a:rPr lang="en-US" i="1" dirty="0"/>
               <a:t>Report of the National Workshop on Internet Voting: Issues and Research Agenda</a:t>
             </a:r>
             <a:r>
-              <a:rPr lang="en-US" dirty="0" smtClean="0"/>
+              <a:rPr lang="en-US" dirty="0"/>
               <a:t>, USA, March 2001.</a:t>
             </a:r>
-            <a:endParaRPr lang="en-US" dirty="0"/>
           </a:p>
         </p:txBody>
       </p:sp>
@@ -4368,10 +6467,9 @@
           <a:p>
             <a:pPr algn="ctr"/>
             <a:r>
-              <a:rPr lang="en-US" dirty="0" smtClean="0"/>
+              <a:rPr lang="en-US" dirty="0"/>
               <a:t>System Security Requirements</a:t>
             </a:r>
-            <a:endParaRPr lang="en-US" dirty="0"/>
           </a:p>
         </p:txBody>
       </p:sp>
@@ -4393,83 +6491,75 @@
         </p:spPr>
         <p:txBody>
           <a:bodyPr>
-            <a:normAutofit lnSpcReduction="10000"/>
+            <a:normAutofit/>
           </a:bodyPr>
           <a:lstStyle/>
           <a:p>
             <a:r>
-              <a:rPr lang="en-US" b="1" dirty="0" smtClean="0"/>
+              <a:rPr lang="en-US" b="1" dirty="0"/>
               <a:t>Non-</a:t>
             </a:r>
             <a:r>
-              <a:rPr lang="en-US" b="1" dirty="0" err="1" smtClean="0"/>
+              <a:rPr lang="en-US" b="1" dirty="0" err="1"/>
               <a:t>coercibility</a:t>
             </a:r>
             <a:r>
-              <a:rPr lang="en-US" dirty="0" smtClean="0"/>
+              <a:rPr lang="en-US" dirty="0"/>
               <a:t>: Voters should not be able to prove how they voted. </a:t>
             </a:r>
           </a:p>
           <a:p>
             <a:r>
-              <a:rPr lang="en-US" b="1" dirty="0" smtClean="0"/>
+              <a:rPr lang="en-US" b="1" dirty="0"/>
               <a:t>Flexibility</a:t>
             </a:r>
             <a:r>
-              <a:rPr lang="en-US" dirty="0" smtClean="0"/>
+              <a:rPr lang="en-US" dirty="0"/>
               <a:t>: Equipment should allow for a variety of ballot question formats.</a:t>
             </a:r>
           </a:p>
           <a:p>
             <a:r>
-              <a:rPr lang="en-US" b="1" dirty="0" smtClean="0"/>
+              <a:rPr lang="en-US" b="1" dirty="0"/>
               <a:t>Convenience</a:t>
             </a:r>
             <a:r>
-              <a:rPr lang="en-US" dirty="0" smtClean="0"/>
+              <a:rPr lang="en-US" dirty="0"/>
               <a:t>: Voters should be able to cast votes with minimal equipment and skills.</a:t>
             </a:r>
           </a:p>
           <a:p>
             <a:r>
-              <a:rPr lang="en-US" b="1" dirty="0" err="1" smtClean="0"/>
+              <a:rPr lang="en-US" b="1" dirty="0" err="1"/>
               <a:t>Certifiability</a:t>
             </a:r>
             <a:r>
-              <a:rPr lang="en-US" dirty="0" smtClean="0"/>
+              <a:rPr lang="en-US" dirty="0"/>
               <a:t>: Systems should be testable against essential criteria.</a:t>
             </a:r>
           </a:p>
           <a:p>
             <a:r>
-              <a:rPr lang="en-US" b="1" dirty="0" smtClean="0"/>
+              <a:rPr lang="en-US" b="1" dirty="0"/>
               <a:t>Transparency</a:t>
             </a:r>
             <a:r>
-              <a:rPr lang="en-US" dirty="0" smtClean="0"/>
+              <a:rPr lang="en-US" dirty="0"/>
               <a:t>: Voters should be able to possess a general understanding of the whole process.</a:t>
             </a:r>
           </a:p>
           <a:p>
             <a:r>
-              <a:rPr lang="en-US" b="1" dirty="0" smtClean="0"/>
+              <a:rPr lang="en-US" b="1" dirty="0"/>
               <a:t>Cost-effectiveness</a:t>
             </a:r>
             <a:r>
-              <a:rPr lang="en-US" dirty="0" smtClean="0"/>
-              <a:t>: Systems should be affordable and </a:t>
-            </a:r>
-            <a:r>
-              <a:rPr lang="en-US" dirty="0" err="1" smtClean="0"/>
-              <a:t>effient</a:t>
-            </a:r>
-            <a:r>
-              <a:rPr lang="en-US" dirty="0" smtClean="0"/>
-              <a:t>. </a:t>
-            </a:r>
-          </a:p>
-          <a:p>
-            <a:endParaRPr lang="en-US" dirty="0" smtClean="0"/>
+              <a:rPr lang="en-US" dirty="0"/>
+              <a:t>: Systems should be affordable and efficient. </a:t>
+            </a:r>
+          </a:p>
+          <a:p>
+            <a:endParaRPr lang="en-US" dirty="0"/>
           </a:p>
         </p:txBody>
       </p:sp>
@@ -4682,18 +6772,17 @@
               <a:buNone/>
             </a:pPr>
             <a:r>
-              <a:rPr lang="en-US" dirty="0" smtClean="0"/>
+              <a:rPr lang="en-US" dirty="0"/>
               <a:t>*Internet Policy Institute, </a:t>
             </a:r>
             <a:r>
-              <a:rPr lang="en-US" i="1" dirty="0" smtClean="0"/>
+              <a:rPr lang="en-US" i="1" dirty="0"/>
               <a:t>Report of the National Workshop on Internet Voting: Issues and Research Agenda</a:t>
             </a:r>
             <a:r>
-              <a:rPr lang="en-US" dirty="0" smtClean="0"/>
+              <a:rPr lang="en-US" dirty="0"/>
               <a:t>, USA, March 2001.</a:t>
             </a:r>
-            <a:endParaRPr lang="en-US" dirty="0"/>
           </a:p>
         </p:txBody>
       </p:sp>
@@ -4744,10 +6833,9 @@
           <a:p>
             <a:pPr algn="ctr"/>
             <a:r>
-              <a:rPr lang="en-US" dirty="0" smtClean="0"/>
+              <a:rPr lang="en-US" dirty="0"/>
               <a:t>Four Stage of Secure Voting</a:t>
             </a:r>
-            <a:endParaRPr lang="en-US" dirty="0"/>
           </a:p>
         </p:txBody>
       </p:sp>
@@ -4771,11 +6859,11 @@
               <a:buAutoNum type="arabicPeriod"/>
             </a:pPr>
             <a:r>
-              <a:rPr lang="en-US" b="1" i="1" dirty="0" smtClean="0"/>
+              <a:rPr lang="en-US" b="1" i="1" dirty="0"/>
               <a:t>Registration Phase</a:t>
             </a:r>
             <a:r>
-              <a:rPr lang="en-US" dirty="0" smtClean="0"/>
+              <a:rPr lang="en-US" dirty="0"/>
               <a:t> – Prior to election, voters will have to prove that they are eligible to vote and voter credentials are stored in a registration database.</a:t>
             </a:r>
           </a:p>
@@ -4785,11 +6873,11 @@
               <a:buAutoNum type="arabicPeriod"/>
             </a:pPr>
             <a:r>
-              <a:rPr lang="en-US" b="1" i="1" dirty="0" smtClean="0"/>
+              <a:rPr lang="en-US" b="1" i="1" dirty="0"/>
               <a:t>Validation Phase</a:t>
             </a:r>
             <a:r>
-              <a:rPr lang="en-US" dirty="0" smtClean="0"/>
+              <a:rPr lang="en-US" dirty="0"/>
               <a:t> – When the user goes to vote we have to check that their credentials are valid and have not yet voted. </a:t>
             </a:r>
           </a:p>
@@ -4799,11 +6887,11 @@
               <a:buAutoNum type="arabicPeriod"/>
             </a:pPr>
             <a:r>
-              <a:rPr lang="en-US" b="1" i="1" dirty="0" smtClean="0"/>
+              <a:rPr lang="en-US" b="1" i="1" dirty="0"/>
               <a:t>Vote Casting Phase</a:t>
             </a:r>
             <a:r>
-              <a:rPr lang="en-US" dirty="0" smtClean="0"/>
+              <a:rPr lang="en-US" dirty="0"/>
               <a:t> – Voters cast their vote and sent to the tallying database.</a:t>
             </a:r>
           </a:p>
@@ -4813,14 +6901,14 @@
               <a:buAutoNum type="arabicPeriod"/>
             </a:pPr>
             <a:r>
-              <a:rPr lang="en-US" b="1" i="1" dirty="0" smtClean="0"/>
+              <a:rPr lang="en-US" b="1" i="1" dirty="0"/>
               <a:t>Tallying Phase</a:t>
             </a:r>
             <a:r>
-              <a:rPr lang="en-US" dirty="0" smtClean="0"/>
+              <a:rPr lang="en-US" dirty="0"/>
               <a:t> – Votes are tallied quickly and accurately </a:t>
             </a:r>
-            <a:endParaRPr lang="en-US" b="1" i="1" dirty="0" smtClean="0"/>
+            <a:endParaRPr lang="en-US" b="1" i="1" dirty="0"/>
           </a:p>
           <a:p>
             <a:endParaRPr lang="en-US" b="1" i="1" dirty="0"/>
@@ -4893,10 +6981,9 @@
           <a:p>
             <a:pPr algn="ctr"/>
             <a:r>
-              <a:rPr lang="en-US" dirty="0" smtClean="0"/>
+              <a:rPr lang="en-US" dirty="0"/>
               <a:t>Registration Phase</a:t>
             </a:r>
-            <a:endParaRPr lang="en-US" dirty="0"/>
           </a:p>
         </p:txBody>
       </p:sp>
@@ -4916,13 +7003,13 @@
           <a:lstStyle/>
           <a:p>
             <a:r>
-              <a:rPr lang="en-US" dirty="0" smtClean="0"/>
+              <a:rPr lang="en-US" dirty="0"/>
               <a:t>Done before the election.</a:t>
             </a:r>
           </a:p>
           <a:p>
             <a:r>
-              <a:rPr lang="en-US" dirty="0" smtClean="0"/>
+              <a:rPr lang="en-US" dirty="0"/>
               <a:t>Once a voter is considered eligible to vote their credentials are stored in a registration server database. </a:t>
             </a:r>
           </a:p>
@@ -4997,10 +7084,9 @@
           <a:p>
             <a:pPr algn="ctr"/>
             <a:r>
-              <a:rPr lang="en-US" dirty="0" smtClean="0"/>
+              <a:rPr lang="en-US" dirty="0"/>
               <a:t>Validation Phase</a:t>
             </a:r>
-            <a:endParaRPr lang="en-US" dirty="0"/>
           </a:p>
         </p:txBody>
       </p:sp>
@@ -5020,14 +7106,35 @@
           <a:lstStyle/>
           <a:p>
             <a:r>
-              <a:rPr lang="en-US" dirty="0" smtClean="0"/>
+              <a:rPr lang="en-US" dirty="0"/>
               <a:t>The user will enter their credentials which is checked against the database.</a:t>
             </a:r>
           </a:p>
           <a:p>
             <a:r>
-              <a:rPr lang="en-US" dirty="0" smtClean="0"/>
-              <a:t> </a:t>
+              <a:rPr lang="en-US" dirty="0"/>
+              <a:t> The database is a blockchain.</a:t>
+            </a:r>
+          </a:p>
+          <a:p>
+            <a:pPr lvl="1"/>
+            <a:r>
+              <a:rPr lang="en-US" dirty="0"/>
+              <a:t>De-centralized database.</a:t>
+            </a:r>
+          </a:p>
+          <a:p>
+            <a:pPr lvl="1"/>
+            <a:r>
+              <a:rPr lang="en-US" dirty="0"/>
+              <a:t>Everyone can read from the blockchain, only authorized users can write</a:t>
+            </a:r>
+          </a:p>
+          <a:p>
+            <a:pPr lvl="1"/>
+            <a:r>
+              <a:rPr lang="en-US" dirty="0"/>
+              <a:t>All previous writes are stored in the blockchain</a:t>
             </a:r>
           </a:p>
         </p:txBody>
@@ -5098,10 +7205,9 @@
           <a:p>
             <a:pPr algn="ctr"/>
             <a:r>
-              <a:rPr lang="en-US" dirty="0" smtClean="0"/>
-              <a:t>Proposed Method</a:t>
-            </a:r>
-            <a:endParaRPr lang="en-US" dirty="0"/>
+              <a:rPr lang="en-US" dirty="0"/>
+              <a:t>Vote Casting Phase</a:t>
+            </a:r>
           </a:p>
         </p:txBody>
       </p:sp>
@@ -5120,7 +7226,22 @@
           <a:bodyPr/>
           <a:lstStyle/>
           <a:p>
-            <a:endParaRPr lang="en-US"/>
+            <a:r>
+              <a:rPr lang="en-US" dirty="0"/>
+              <a:t>Votes are sent over an encrypted channel</a:t>
+            </a:r>
+          </a:p>
+          <a:p>
+            <a:r>
+              <a:rPr lang="en-US" dirty="0"/>
+              <a:t>Encrypted Votes are hashed.</a:t>
+            </a:r>
+          </a:p>
+          <a:p>
+            <a:pPr marL="0" indent="0">
+              <a:buNone/>
+            </a:pPr>
+            <a:endParaRPr lang="en-US" b="1" dirty="0"/>
           </a:p>
         </p:txBody>
       </p:sp>
@@ -5146,7 +7267,7 @@
     </p:spTree>
     <p:extLst>
       <p:ext uri="{BB962C8B-B14F-4D97-AF65-F5344CB8AC3E}">
-        <p14:creationId xmlns:p14="http://schemas.microsoft.com/office/powerpoint/2010/main" val="1579761944"/>
+        <p14:creationId xmlns:p14="http://schemas.microsoft.com/office/powerpoint/2010/main" val="3843622176"/>
       </p:ext>
     </p:extLst>
   </p:cSld>
@@ -5157,9 +7278,9 @@
 </file>
 
 <file path=ppt/theme/theme1.xml><?xml version="1.0" encoding="utf-8"?>
-<a:theme xmlns:a="http://schemas.openxmlformats.org/drawingml/2006/main" name="Office Theme">
+<a:theme xmlns:a="http://schemas.openxmlformats.org/drawingml/2006/main" name="Crop">
   <a:themeElements>
-    <a:clrScheme name="Office">
+    <a:clrScheme name="Crop">
       <a:dk1>
         <a:sysClr val="windowText" lastClr="000000"/>
       </a:dk1>
@@ -5167,83 +7288,48 @@
         <a:sysClr val="window" lastClr="FFFFFF"/>
       </a:lt1>
       <a:dk2>
-        <a:srgbClr val="44546A"/>
+        <a:srgbClr val="191B0E"/>
       </a:dk2>
       <a:lt2>
-        <a:srgbClr val="E7E6E6"/>
+        <a:srgbClr val="EFEDE3"/>
       </a:lt2>
       <a:accent1>
-        <a:srgbClr val="5B9BD5"/>
+        <a:srgbClr val="8C8D86"/>
       </a:accent1>
       <a:accent2>
-        <a:srgbClr val="ED7D31"/>
+        <a:srgbClr val="E6C069"/>
       </a:accent2>
       <a:accent3>
-        <a:srgbClr val="A5A5A5"/>
+        <a:srgbClr val="897B61"/>
       </a:accent3>
       <a:accent4>
-        <a:srgbClr val="FFC000"/>
+        <a:srgbClr val="8DAB8E"/>
       </a:accent4>
       <a:accent5>
-        <a:srgbClr val="4472C4"/>
+        <a:srgbClr val="77A2BB"/>
       </a:accent5>
       <a:accent6>
-        <a:srgbClr val="70AD47"/>
+        <a:srgbClr val="E28394"/>
       </a:accent6>
       <a:hlink>
-        <a:srgbClr val="0563C1"/>
+        <a:srgbClr val="77A2BB"/>
       </a:hlink>
       <a:folHlink>
-        <a:srgbClr val="954F72"/>
+        <a:srgbClr val="957A99"/>
       </a:folHlink>
     </a:clrScheme>
-    <a:fontScheme name="Office">
+    <a:fontScheme name="Crop">
       <a:majorFont>
-        <a:latin typeface="Calibri Light" panose="020F0302020204030204"/>
+        <a:latin typeface="Franklin Gothic Book" panose="020B0503020102020204"/>
         <a:ea typeface=""/>
         <a:cs typeface=""/>
-        <a:font script="Jpan" typeface="ＭＳ Ｐゴシック"/>
-        <a:font script="Hang" typeface="맑은 고딕"/>
-        <a:font script="Hans" typeface="宋体"/>
-        <a:font script="Hant" typeface="新細明體"/>
-        <a:font script="Arab" typeface="Times New Roman"/>
-        <a:font script="Hebr" typeface="Times New Roman"/>
-        <a:font script="Thai" typeface="Angsana New"/>
-        <a:font script="Ethi" typeface="Nyala"/>
-        <a:font script="Beng" typeface="Vrinda"/>
-        <a:font script="Gujr" typeface="Shruti"/>
-        <a:font script="Khmr" typeface="MoolBoran"/>
-        <a:font script="Knda" typeface="Tunga"/>
-        <a:font script="Guru" typeface="Raavi"/>
-        <a:font script="Cans" typeface="Euphemia"/>
-        <a:font script="Cher" typeface="Plantagenet Cherokee"/>
-        <a:font script="Yiii" typeface="Microsoft Yi Baiti"/>
-        <a:font script="Tibt" typeface="Microsoft Himalaya"/>
-        <a:font script="Thaa" typeface="MV Boli"/>
-        <a:font script="Deva" typeface="Mangal"/>
-        <a:font script="Telu" typeface="Gautami"/>
-        <a:font script="Taml" typeface="Latha"/>
-        <a:font script="Syrc" typeface="Estrangelo Edessa"/>
-        <a:font script="Orya" typeface="Kalinga"/>
-        <a:font script="Mlym" typeface="Kartika"/>
-        <a:font script="Laoo" typeface="DokChampa"/>
-        <a:font script="Sinh" typeface="Iskoola Pota"/>
-        <a:font script="Mong" typeface="Mongolian Baiti"/>
-        <a:font script="Viet" typeface="Times New Roman"/>
-        <a:font script="Uigh" typeface="Microsoft Uighur"/>
-        <a:font script="Geor" typeface="Sylfaen"/>
-      </a:majorFont>
-      <a:minorFont>
-        <a:latin typeface="Calibri" panose="020F0502020204030204"/>
-        <a:ea typeface=""/>
-        <a:cs typeface=""/>
-        <a:font script="Jpan" typeface="ＭＳ Ｐゴシック"/>
-        <a:font script="Hang" typeface="맑은 고딕"/>
-        <a:font script="Hans" typeface="宋体"/>
-        <a:font script="Hant" typeface="新細明體"/>
-        <a:font script="Arab" typeface="Arial"/>
-        <a:font script="Hebr" typeface="Arial"/>
-        <a:font script="Thai" typeface="Cordia New"/>
+        <a:font script="Jpan" typeface="メイリオ"/>
+        <a:font script="Hang" typeface="돋움"/>
+        <a:font script="Hans" typeface="华文楷体"/>
+        <a:font script="Hant" typeface="微軟正黑體"/>
+        <a:font script="Arab" typeface="Tahoma"/>
+        <a:font script="Hebr" typeface="Aharoni"/>
+        <a:font script="Thai" typeface="LilyUPC"/>
         <a:font script="Ethi" typeface="Nyala"/>
         <a:font script="Beng" typeface="Vrinda"/>
         <a:font script="Gujr" typeface="Shruti"/>
@@ -5264,12 +7350,47 @@
         <a:font script="Laoo" typeface="DokChampa"/>
         <a:font script="Sinh" typeface="Iskoola Pota"/>
         <a:font script="Mong" typeface="Mongolian Baiti"/>
-        <a:font script="Viet" typeface="Arial"/>
+        <a:font script="Viet" typeface="Tahoma"/>
+        <a:font script="Uigh" typeface="Microsoft Uighur"/>
+        <a:font script="Geor" typeface="Sylfaen"/>
+      </a:majorFont>
+      <a:minorFont>
+        <a:latin typeface="Franklin Gothic Book" panose="020B0503020102020204"/>
+        <a:ea typeface=""/>
+        <a:cs typeface=""/>
+        <a:font script="Jpan" typeface="メイリオ"/>
+        <a:font script="Hang" typeface="돋움"/>
+        <a:font script="Hans" typeface="华文楷体"/>
+        <a:font script="Hant" typeface="微軟正黑體"/>
+        <a:font script="Arab" typeface="Tahoma"/>
+        <a:font script="Hebr" typeface="Aharoni"/>
+        <a:font script="Thai" typeface="LilyUPC"/>
+        <a:font script="Ethi" typeface="Nyala"/>
+        <a:font script="Beng" typeface="Vrinda"/>
+        <a:font script="Gujr" typeface="Shruti"/>
+        <a:font script="Khmr" typeface="DaunPenh"/>
+        <a:font script="Knda" typeface="Tunga"/>
+        <a:font script="Guru" typeface="Raavi"/>
+        <a:font script="Cans" typeface="Euphemia"/>
+        <a:font script="Cher" typeface="Plantagenet Cherokee"/>
+        <a:font script="Yiii" typeface="Microsoft Yi Baiti"/>
+        <a:font script="Tibt" typeface="Microsoft Himalaya"/>
+        <a:font script="Thaa" typeface="MV Boli"/>
+        <a:font script="Deva" typeface="Mangal"/>
+        <a:font script="Telu" typeface="Gautami"/>
+        <a:font script="Taml" typeface="Latha"/>
+        <a:font script="Syrc" typeface="Estrangelo Edessa"/>
+        <a:font script="Orya" typeface="Kalinga"/>
+        <a:font script="Mlym" typeface="Kartika"/>
+        <a:font script="Laoo" typeface="DokChampa"/>
+        <a:font script="Sinh" typeface="Iskoola Pota"/>
+        <a:font script="Mong" typeface="Mongolian Baiti"/>
+        <a:font script="Viet" typeface="Tahoma"/>
         <a:font script="Uigh" typeface="Microsoft Uighur"/>
         <a:font script="Geor" typeface="Sylfaen"/>
       </a:minorFont>
     </a:fontScheme>
-    <a:fmtScheme name="Office">
+    <a:fmtScheme name="Crop">
       <a:fillStyleLst>
         <a:solidFill>
           <a:schemeClr val="phClr"/>
@@ -5278,23 +7399,23 @@
           <a:gsLst>
             <a:gs pos="0">
               <a:schemeClr val="phClr">
+                <a:tint val="67000"/>
+                <a:satMod val="105000"/>
                 <a:lumMod val="110000"/>
-                <a:satMod val="105000"/>
-                <a:tint val="67000"/>
               </a:schemeClr>
             </a:gs>
             <a:gs pos="50000">
               <a:schemeClr val="phClr">
+                <a:tint val="73000"/>
+                <a:satMod val="103000"/>
                 <a:lumMod val="105000"/>
-                <a:satMod val="103000"/>
-                <a:tint val="73000"/>
               </a:schemeClr>
             </a:gs>
             <a:gs pos="100000">
               <a:schemeClr val="phClr">
+                <a:tint val="81000"/>
+                <a:satMod val="109000"/>
                 <a:lumMod val="105000"/>
-                <a:satMod val="109000"/>
-                <a:tint val="81000"/>
               </a:schemeClr>
             </a:gs>
           </a:gsLst>
@@ -5304,23 +7425,23 @@
           <a:gsLst>
             <a:gs pos="0">
               <a:schemeClr val="phClr">
+                <a:tint val="94000"/>
                 <a:satMod val="103000"/>
                 <a:lumMod val="102000"/>
-                <a:tint val="94000"/>
               </a:schemeClr>
             </a:gs>
             <a:gs pos="50000">
               <a:schemeClr val="phClr">
+                <a:shade val="100000"/>
                 <a:satMod val="110000"/>
                 <a:lumMod val="100000"/>
-                <a:shade val="100000"/>
               </a:schemeClr>
             </a:gs>
             <a:gs pos="100000">
               <a:schemeClr val="phClr">
+                <a:shade val="78000"/>
+                <a:satMod val="120000"/>
                 <a:lumMod val="99000"/>
-                <a:satMod val="120000"/>
-                <a:shade val="78000"/>
               </a:schemeClr>
             </a:gs>
           </a:gsLst>
@@ -5328,26 +7449,23 @@
         </a:gradFill>
       </a:fillStyleLst>
       <a:lnStyleLst>
-        <a:ln w="6350" cap="flat" cmpd="sng" algn="ctr">
+        <a:ln w="6350" cap="flat" cmpd="sng" algn="in">
           <a:solidFill>
             <a:schemeClr val="phClr"/>
           </a:solidFill>
           <a:prstDash val="solid"/>
-          <a:miter lim="800000"/>
         </a:ln>
-        <a:ln w="12700" cap="flat" cmpd="sng" algn="ctr">
+        <a:ln w="34925" cap="flat" cmpd="sng" algn="in">
           <a:solidFill>
             <a:schemeClr val="phClr"/>
           </a:solidFill>
           <a:prstDash val="solid"/>
-          <a:miter lim="800000"/>
         </a:ln>
-        <a:ln w="19050" cap="flat" cmpd="sng" algn="ctr">
+        <a:ln w="19050" cap="flat" cmpd="sng" algn="in">
           <a:solidFill>
             <a:schemeClr val="phClr"/>
           </a:solidFill>
           <a:prstDash val="solid"/>
-          <a:miter lim="800000"/>
         </a:ln>
       </a:lnStyleLst>
       <a:effectStyleLst>
@@ -5361,7 +7479,7 @@
           <a:effectLst>
             <a:outerShdw blurRad="57150" dist="19050" dir="5400000" algn="ctr" rotWithShape="0">
               <a:srgbClr val="000000">
-                <a:alpha val="63000"/>
+                <a:alpha val="35000"/>
               </a:srgbClr>
             </a:outerShdw>
           </a:effectLst>
@@ -5382,16 +7500,16 @@
             <a:gs pos="0">
               <a:schemeClr val="phClr">
                 <a:tint val="93000"/>
+                <a:shade val="98000"/>
                 <a:satMod val="150000"/>
-                <a:shade val="98000"/>
                 <a:lumMod val="102000"/>
               </a:schemeClr>
             </a:gs>
             <a:gs pos="50000">
               <a:schemeClr val="phClr">
                 <a:tint val="98000"/>
+                <a:shade val="90000"/>
                 <a:satMod val="130000"/>
-                <a:shade val="90000"/>
                 <a:lumMod val="103000"/>
               </a:schemeClr>
             </a:gs>
@@ -5411,7 +7529,7 @@
   <a:extraClrSchemeLst/>
   <a:extLst>
     <a:ext uri="{05A4C25C-085E-4340-85A3-A5531E510DB2}">
-      <thm15:themeFamily xmlns:thm15="http://schemas.microsoft.com/office/thememl/2012/main" name="Office Theme" id="{62F939B6-93AF-4DB8-9C6B-D6C7DFDC589F}" vid="{4A3C46E8-61CC-4603-A589-7422A47A8E4A}"/>
+      <thm15:themeFamily xmlns:thm15="http://schemas.microsoft.com/office/thememl/2012/main" name="Crop" id="{EC9488ED-E761-4D60-9AC4-764D1FE2C171}" vid="{CE19780C-D67D-4C13-9DE9-A52BC3BA51B4}"/>
     </a:ext>
   </a:extLst>
 </a:theme>

--- a/doc/Crypto_Final_Presentation.pptx
+++ b/doc/Crypto_Final_Presentation.pptx
@@ -5,29 +5,30 @@
     <p:sldMasterId id="2147483660" r:id="rId1"/>
   </p:sldMasterIdLst>
   <p:notesMasterIdLst>
-    <p:notesMasterId r:id="rId19"/>
+    <p:notesMasterId r:id="rId20"/>
   </p:notesMasterIdLst>
   <p:handoutMasterIdLst>
-    <p:handoutMasterId r:id="rId20"/>
+    <p:handoutMasterId r:id="rId21"/>
   </p:handoutMasterIdLst>
   <p:sldIdLst>
     <p:sldId id="256" r:id="rId2"/>
     <p:sldId id="257" r:id="rId3"/>
-    <p:sldId id="258" r:id="rId4"/>
-    <p:sldId id="259" r:id="rId5"/>
-    <p:sldId id="263" r:id="rId6"/>
-    <p:sldId id="260" r:id="rId7"/>
-    <p:sldId id="261" r:id="rId8"/>
-    <p:sldId id="262" r:id="rId9"/>
-    <p:sldId id="271" r:id="rId10"/>
-    <p:sldId id="272" r:id="rId11"/>
-    <p:sldId id="267" r:id="rId12"/>
-    <p:sldId id="264" r:id="rId13"/>
-    <p:sldId id="265" r:id="rId14"/>
+    <p:sldId id="273" r:id="rId4"/>
+    <p:sldId id="258" r:id="rId5"/>
+    <p:sldId id="259" r:id="rId6"/>
+    <p:sldId id="263" r:id="rId7"/>
+    <p:sldId id="260" r:id="rId8"/>
+    <p:sldId id="261" r:id="rId9"/>
+    <p:sldId id="262" r:id="rId10"/>
+    <p:sldId id="271" r:id="rId11"/>
+    <p:sldId id="272" r:id="rId12"/>
+    <p:sldId id="267" r:id="rId13"/>
+    <p:sldId id="264" r:id="rId14"/>
     <p:sldId id="266" r:id="rId15"/>
     <p:sldId id="268" r:id="rId16"/>
     <p:sldId id="269" r:id="rId17"/>
     <p:sldId id="270" r:id="rId18"/>
+    <p:sldId id="265" r:id="rId19"/>
   </p:sldIdLst>
   <p:sldSz cx="12192000" cy="6858000"/>
   <p:notesSz cx="6858000" cy="9144000"/>
@@ -216,7 +217,7 @@
           <a:p>
             <a:fld id="{DBF0A504-8D30-45BB-8D29-F7BF444A4C1E}" type="datetimeFigureOut">
               <a:rPr lang="en-US" smtClean="0"/>
-              <a:t>12/18/2016</a:t>
+              <a:t>12/19/2016</a:t>
             </a:fld>
             <a:endParaRPr lang="en-US"/>
           </a:p>
@@ -382,7 +383,7 @@
           <a:p>
             <a:fld id="{BA443B5A-046E-4325-A058-2C61FA8B0430}" type="datetimeFigureOut">
               <a:rPr lang="en-US" smtClean="0"/>
-              <a:t>12/18/2016</a:t>
+              <a:t>12/19/2016</a:t>
             </a:fld>
             <a:endParaRPr lang="en-US"/>
           </a:p>
@@ -819,7 +820,7 @@
           <a:p>
             <a:fld id="{16F9FCAB-75CB-418E-A87B-2EA497AA5328}" type="datetimeFigureOut">
               <a:rPr lang="en-US" smtClean="0"/>
-              <a:t>12/18/2016</a:t>
+              <a:t>12/19/2016</a:t>
             </a:fld>
             <a:endParaRPr lang="en-US"/>
           </a:p>
@@ -1149,7 +1150,7 @@
           <a:p>
             <a:fld id="{16F9FCAB-75CB-418E-A87B-2EA497AA5328}" type="datetimeFigureOut">
               <a:rPr lang="en-US" smtClean="0"/>
-              <a:t>12/18/2016</a:t>
+              <a:t>12/19/2016</a:t>
             </a:fld>
             <a:endParaRPr lang="en-US"/>
           </a:p>
@@ -1329,7 +1330,7 @@
           <a:p>
             <a:fld id="{16F9FCAB-75CB-418E-A87B-2EA497AA5328}" type="datetimeFigureOut">
               <a:rPr lang="en-US" smtClean="0"/>
-              <a:t>12/18/2016</a:t>
+              <a:t>12/19/2016</a:t>
             </a:fld>
             <a:endParaRPr lang="en-US"/>
           </a:p>
@@ -1499,7 +1500,7 @@
           <a:p>
             <a:fld id="{16F9FCAB-75CB-418E-A87B-2EA497AA5328}" type="datetimeFigureOut">
               <a:rPr lang="en-US" smtClean="0"/>
-              <a:t>12/18/2016</a:t>
+              <a:t>12/19/2016</a:t>
             </a:fld>
             <a:endParaRPr lang="en-US"/>
           </a:p>
@@ -1776,7 +1777,7 @@
           <a:p>
             <a:fld id="{16F9FCAB-75CB-418E-A87B-2EA497AA5328}" type="datetimeFigureOut">
               <a:rPr lang="en-US" smtClean="0"/>
-              <a:t>12/18/2016</a:t>
+              <a:t>12/19/2016</a:t>
             </a:fld>
             <a:endParaRPr lang="en-US"/>
           </a:p>
@@ -2170,7 +2171,7 @@
           <a:p>
             <a:fld id="{16F9FCAB-75CB-418E-A87B-2EA497AA5328}" type="datetimeFigureOut">
               <a:rPr lang="en-US" smtClean="0"/>
-              <a:t>12/18/2016</a:t>
+              <a:t>12/19/2016</a:t>
             </a:fld>
             <a:endParaRPr lang="en-US"/>
           </a:p>
@@ -2647,7 +2648,7 @@
           <a:p>
             <a:fld id="{16F9FCAB-75CB-418E-A87B-2EA497AA5328}" type="datetimeFigureOut">
               <a:rPr lang="en-US" smtClean="0"/>
-              <a:t>12/18/2016</a:t>
+              <a:t>12/19/2016</a:t>
             </a:fld>
             <a:endParaRPr lang="en-US"/>
           </a:p>
@@ -2765,7 +2766,7 @@
           <a:p>
             <a:fld id="{16F9FCAB-75CB-418E-A87B-2EA497AA5328}" type="datetimeFigureOut">
               <a:rPr lang="en-US" smtClean="0"/>
-              <a:t>12/18/2016</a:t>
+              <a:t>12/19/2016</a:t>
             </a:fld>
             <a:endParaRPr lang="en-US"/>
           </a:p>
@@ -2860,7 +2861,7 @@
           <a:p>
             <a:fld id="{16F9FCAB-75CB-418E-A87B-2EA497AA5328}" type="datetimeFigureOut">
               <a:rPr lang="en-US" smtClean="0"/>
-              <a:t>12/18/2016</a:t>
+              <a:t>12/19/2016</a:t>
             </a:fld>
             <a:endParaRPr lang="en-US"/>
           </a:p>
@@ -3206,7 +3207,7 @@
           <a:p>
             <a:fld id="{16F9FCAB-75CB-418E-A87B-2EA497AA5328}" type="datetimeFigureOut">
               <a:rPr lang="en-US" smtClean="0"/>
-              <a:t>12/18/2016</a:t>
+              <a:t>12/19/2016</a:t>
             </a:fld>
             <a:endParaRPr lang="en-US"/>
           </a:p>
@@ -3594,7 +3595,7 @@
           <a:p>
             <a:fld id="{16F9FCAB-75CB-418E-A87B-2EA497AA5328}" type="datetimeFigureOut">
               <a:rPr lang="en-US" smtClean="0"/>
-              <a:t>12/18/2016</a:t>
+              <a:t>12/19/2016</a:t>
             </a:fld>
             <a:endParaRPr lang="en-US"/>
           </a:p>
@@ -3872,7 +3873,7 @@
           <a:p>
             <a:fld id="{16F9FCAB-75CB-418E-A87B-2EA497AA5328}" type="datetimeFigureOut">
               <a:rPr lang="en-US" smtClean="0"/>
-              <a:t>12/18/2016</a:t>
+              <a:t>12/19/2016</a:t>
             </a:fld>
             <a:endParaRPr lang="en-US"/>
           </a:p>
@@ -4497,7 +4498,7 @@
             <a:pPr algn="ctr"/>
             <a:r>
               <a:rPr lang="en-US" dirty="0"/>
-              <a:t>Tallying Phase</a:t>
+              <a:t>Vote Casting Phase</a:t>
             </a:r>
           </a:p>
         </p:txBody>
@@ -4519,14 +4520,14 @@
           <a:p>
             <a:r>
               <a:rPr lang="en-US" dirty="0"/>
-              <a:t>Vote is only tallied after the hash is verified</a:t>
-            </a:r>
-          </a:p>
-          <a:p>
-            <a:pPr marL="0" indent="0">
-              <a:buNone/>
-            </a:pPr>
-            <a:endParaRPr lang="en-US" dirty="0"/>
+              <a:t>Votes are sent over an encrypted channel</a:t>
+            </a:r>
+          </a:p>
+          <a:p>
+            <a:r>
+              <a:rPr lang="en-US" dirty="0"/>
+              <a:t>Encrypted Votes are hashed.</a:t>
+            </a:r>
           </a:p>
           <a:p>
             <a:pPr marL="0" indent="0">
@@ -4558,7 +4559,7 @@
     </p:spTree>
     <p:extLst>
       <p:ext uri="{BB962C8B-B14F-4D97-AF65-F5344CB8AC3E}">
-        <p14:creationId xmlns:p14="http://schemas.microsoft.com/office/powerpoint/2010/main" val="279905248"/>
+        <p14:creationId xmlns:p14="http://schemas.microsoft.com/office/powerpoint/2010/main" val="3843622176"/>
       </p:ext>
     </p:extLst>
   </p:cSld>
@@ -4603,7 +4604,7 @@
             <a:pPr algn="ctr"/>
             <a:r>
               <a:rPr lang="en-US" dirty="0"/>
-              <a:t>Disassociating Voter/Vote</a:t>
+              <a:t>Tallying Phase</a:t>
             </a:r>
           </a:p>
         </p:txBody>
@@ -4625,15 +4626,20 @@
           <a:p>
             <a:r>
               <a:rPr lang="en-US" dirty="0"/>
-              <a:t>Once the advisory validates the credentials, sends a request to the ballot server to initiate communications with the booth.</a:t>
-            </a:r>
-          </a:p>
-          <a:p>
-            <a:pPr lvl="1"/>
-            <a:r>
-              <a:rPr lang="en-US" dirty="0"/>
-              <a:t>Voter can now cast vote, but the ballot server does not know who the vote is coming from.</a:t>
-            </a:r>
+              <a:t>Vote is only tallied after the hash is verified</a:t>
+            </a:r>
+          </a:p>
+          <a:p>
+            <a:pPr marL="0" indent="0">
+              <a:buNone/>
+            </a:pPr>
+            <a:endParaRPr lang="en-US" dirty="0"/>
+          </a:p>
+          <a:p>
+            <a:pPr marL="0" indent="0">
+              <a:buNone/>
+            </a:pPr>
+            <a:endParaRPr lang="en-US" b="1" dirty="0"/>
           </a:p>
         </p:txBody>
       </p:sp>
@@ -4659,7 +4665,7 @@
     </p:spTree>
     <p:extLst>
       <p:ext uri="{BB962C8B-B14F-4D97-AF65-F5344CB8AC3E}">
-        <p14:creationId xmlns:p14="http://schemas.microsoft.com/office/powerpoint/2010/main" val="1492122553"/>
+        <p14:creationId xmlns:p14="http://schemas.microsoft.com/office/powerpoint/2010/main" val="279905248"/>
       </p:ext>
     </p:extLst>
   </p:cSld>
@@ -4704,7 +4710,7 @@
             <a:pPr algn="ctr"/>
             <a:r>
               <a:rPr lang="en-US" dirty="0"/>
-              <a:t>Proposed Encryption Method</a:t>
+              <a:t>Disassociating Voter/Vote</a:t>
             </a:r>
           </a:p>
         </p:txBody>
@@ -4726,25 +4732,15 @@
           <a:p>
             <a:r>
               <a:rPr lang="en-US" dirty="0"/>
-              <a:t>Symmetric Encryption on all channels</a:t>
+              <a:t>Once the advisory validates the credentials, the booth initiates communication with the ballot server</a:t>
             </a:r>
           </a:p>
           <a:p>
             <a:pPr lvl="1"/>
             <a:r>
               <a:rPr lang="en-US" dirty="0"/>
-              <a:t>AES</a:t>
-            </a:r>
-          </a:p>
-          <a:p>
-            <a:pPr lvl="1"/>
-            <a:r>
-              <a:rPr lang="en-US" dirty="0"/>
-              <a:t>Hash encrypted message</a:t>
-            </a:r>
-          </a:p>
-          <a:p>
-            <a:endParaRPr lang="en-US" dirty="0"/>
+              <a:t>Voter can now cast vote, but the ballot server does not know who the vote is coming from.</a:t>
+            </a:r>
           </a:p>
         </p:txBody>
       </p:sp>
@@ -4770,7 +4766,7 @@
     </p:spTree>
     <p:extLst>
       <p:ext uri="{BB962C8B-B14F-4D97-AF65-F5344CB8AC3E}">
-        <p14:creationId xmlns:p14="http://schemas.microsoft.com/office/powerpoint/2010/main" val="1579761944"/>
+        <p14:creationId xmlns:p14="http://schemas.microsoft.com/office/powerpoint/2010/main" val="1492122553"/>
       </p:ext>
     </p:extLst>
   </p:cSld>
@@ -4815,7 +4811,7 @@
             <a:pPr algn="ctr"/>
             <a:r>
               <a:rPr lang="en-US" dirty="0"/>
-              <a:t>Current Encryption Methods </a:t>
+              <a:t>Proposed Encryption Method</a:t>
             </a:r>
           </a:p>
         </p:txBody>
@@ -4837,51 +4833,25 @@
           <a:p>
             <a:r>
               <a:rPr lang="en-US" dirty="0"/>
-              <a:t>Homomorphic encryption:</a:t>
+              <a:t>Symmetric Encryption on all channels</a:t>
             </a:r>
           </a:p>
           <a:p>
             <a:pPr lvl="1"/>
             <a:r>
-              <a:rPr lang="en-US" dirty="0" err="1"/>
-              <a:t>Enc</a:t>
-            </a:r>
-            <a:r>
               <a:rPr lang="en-US" dirty="0"/>
-              <a:t>(v1) *...* </a:t>
-            </a:r>
-            <a:r>
-              <a:rPr lang="en-US" dirty="0" err="1"/>
-              <a:t>Enc</a:t>
-            </a:r>
+              <a:t>AES</a:t>
+            </a:r>
+          </a:p>
+          <a:p>
+            <a:pPr lvl="1"/>
             <a:r>
               <a:rPr lang="en-US" dirty="0"/>
-              <a:t>(</a:t>
-            </a:r>
-            <a:r>
-              <a:rPr lang="en-US" dirty="0" err="1"/>
-              <a:t>vn</a:t>
-            </a:r>
-            <a:r>
-              <a:rPr lang="en-US" dirty="0"/>
-              <a:t>) = </a:t>
-            </a:r>
-            <a:r>
-              <a:rPr lang="en-US" dirty="0" err="1"/>
-              <a:t>Enc</a:t>
-            </a:r>
-            <a:r>
-              <a:rPr lang="en-US" dirty="0"/>
-              <a:t>(v1 +...+ </a:t>
-            </a:r>
-            <a:r>
-              <a:rPr lang="en-US" dirty="0" err="1"/>
-              <a:t>vn</a:t>
-            </a:r>
-            <a:r>
-              <a:rPr lang="en-US" dirty="0"/>
-              <a:t>).</a:t>
-            </a:r>
+              <a:t>Hash encrypted message</a:t>
+            </a:r>
+          </a:p>
+          <a:p>
+            <a:endParaRPr lang="en-US" dirty="0"/>
           </a:p>
         </p:txBody>
       </p:sp>
@@ -4907,7 +4877,7 @@
     </p:spTree>
     <p:extLst>
       <p:ext uri="{BB962C8B-B14F-4D97-AF65-F5344CB8AC3E}">
-        <p14:creationId xmlns:p14="http://schemas.microsoft.com/office/powerpoint/2010/main" val="2900096873"/>
+        <p14:creationId xmlns:p14="http://schemas.microsoft.com/office/powerpoint/2010/main" val="1579761944"/>
       </p:ext>
     </p:extLst>
   </p:cSld>
@@ -5031,7 +5001,7 @@
             <a:pPr algn="ctr"/>
             <a:r>
               <a:rPr lang="en-US" sz="1400" dirty="0"/>
-              <a:t>6. Cast Vote</a:t>
+              <a:t>5. Cast Vote</a:t>
             </a:r>
           </a:p>
         </p:txBody>
@@ -5133,14 +5103,14 @@
             <a:pPr algn="ctr"/>
             <a:r>
               <a:rPr lang="en-US" sz="1400" dirty="0"/>
-              <a:t>8. Tally Vote</a:t>
+              <a:t>7. Tally Vote</a:t>
             </a:r>
           </a:p>
           <a:p>
             <a:pPr algn="ctr"/>
             <a:r>
               <a:rPr lang="en-US" sz="1400" dirty="0"/>
-              <a:t>9. Close Communication</a:t>
+              <a:t>8. Close Communication</a:t>
             </a:r>
           </a:p>
         </p:txBody>
@@ -5281,17 +5251,16 @@
       </p:sp>
       <p:cxnSp>
         <p:nvCxnSpPr>
-          <p:cNvPr id="18" name="Connector: Curved 17"/>
+          <p:cNvPr id="21" name="Connector: Curved 20"/>
           <p:cNvCxnSpPr>
-            <a:stCxn id="6" idx="4"/>
-            <a:endCxn id="7" idx="6"/>
+            <a:stCxn id="5" idx="4"/>
           </p:cNvCxnSpPr>
           <p:nvPr/>
         </p:nvCxnSpPr>
         <p:spPr>
-          <a:xfrm rot="5400000">
-            <a:off x="7381103" y="3954167"/>
-            <a:ext cx="1521945" cy="1390136"/>
+          <a:xfrm rot="16200000" flipH="1">
+            <a:off x="2849415" y="3868546"/>
+            <a:ext cx="1398074" cy="1668164"/>
           </a:xfrm>
           <a:prstGeom prst="curvedConnector2">
             <a:avLst/>
@@ -5317,14 +5286,14 @@
       </p:cxnSp>
       <p:sp>
         <p:nvSpPr>
-          <p:cNvPr id="19" name="TextBox 18"/>
+          <p:cNvPr id="22" name="TextBox 21"/>
           <p:cNvSpPr txBox="1"/>
           <p:nvPr/>
         </p:nvSpPr>
         <p:spPr>
-          <a:xfrm rot="18019244">
-            <a:off x="7826691" y="4393509"/>
-            <a:ext cx="2150076" cy="307777"/>
+          <a:xfrm rot="2391888">
+            <a:off x="2809611" y="4707530"/>
+            <a:ext cx="2108886" cy="523220"/>
           </a:xfrm>
           <a:prstGeom prst="rect">
             <a:avLst/>
@@ -5339,72 +5308,7 @@
           <a:p>
             <a:r>
               <a:rPr lang="en-US" sz="1400" dirty="0"/>
-              <a:t>4. Ballot Request</a:t>
-            </a:r>
-          </a:p>
-        </p:txBody>
-      </p:sp>
-      <p:cxnSp>
-        <p:nvCxnSpPr>
-          <p:cNvPr id="21" name="Connector: Curved 20"/>
-          <p:cNvCxnSpPr>
-            <a:stCxn id="7" idx="2"/>
-            <a:endCxn id="5" idx="4"/>
-          </p:cNvCxnSpPr>
-          <p:nvPr/>
-        </p:nvCxnSpPr>
-        <p:spPr>
-          <a:xfrm rot="10800000">
-            <a:off x="2714370" y="4003592"/>
-            <a:ext cx="1668162" cy="1406617"/>
-          </a:xfrm>
-          <a:prstGeom prst="curvedConnector2">
-            <a:avLst/>
-          </a:prstGeom>
-          <a:ln>
-            <a:tailEnd type="triangle"/>
-          </a:ln>
-        </p:spPr>
-        <p:style>
-          <a:lnRef idx="2">
-            <a:schemeClr val="dk1"/>
-          </a:lnRef>
-          <a:fillRef idx="0">
-            <a:schemeClr val="dk1"/>
-          </a:fillRef>
-          <a:effectRef idx="1">
-            <a:schemeClr val="dk1"/>
-          </a:effectRef>
-          <a:fontRef idx="minor">
-            <a:schemeClr val="tx1"/>
-          </a:fontRef>
-        </p:style>
-      </p:cxnSp>
-      <p:sp>
-        <p:nvSpPr>
-          <p:cNvPr id="22" name="TextBox 21"/>
-          <p:cNvSpPr txBox="1"/>
-          <p:nvPr/>
-        </p:nvSpPr>
-        <p:spPr>
-          <a:xfrm rot="2391888">
-            <a:off x="2485349" y="4605192"/>
-            <a:ext cx="2108886" cy="307777"/>
-          </a:xfrm>
-          <a:prstGeom prst="rect">
-            <a:avLst/>
-          </a:prstGeom>
-          <a:noFill/>
-        </p:spPr>
-        <p:txBody>
-          <a:bodyPr wrap="square" rtlCol="0">
-            <a:spAutoFit/>
-          </a:bodyPr>
-          <a:lstStyle/>
-          <a:p>
-            <a:r>
-              <a:rPr lang="en-US" sz="1400" dirty="0"/>
-              <a:t>5. Initiate Communication</a:t>
+              <a:t>4. Initiate Communication</a:t>
             </a:r>
           </a:p>
         </p:txBody>
@@ -5455,8 +5359,8 @@
         </p:nvSpPr>
         <p:spPr>
           <a:xfrm rot="2410980">
-            <a:off x="1822418" y="5343250"/>
-            <a:ext cx="1891385" cy="307777"/>
+            <a:off x="2022915" y="5251075"/>
+            <a:ext cx="1891385" cy="523220"/>
           </a:xfrm>
           <a:prstGeom prst="rect">
             <a:avLst/>
@@ -5471,7 +5375,7 @@
           <a:p>
             <a:r>
               <a:rPr lang="en-US" sz="1400" dirty="0"/>
-              <a:t>7. Send Encrypted Vote</a:t>
+              <a:t>6. Send Encrypted Vote</a:t>
             </a:r>
           </a:p>
         </p:txBody>
@@ -5789,6 +5693,176 @@
     <p:extLst>
       <p:ext uri="{BB962C8B-B14F-4D97-AF65-F5344CB8AC3E}">
         <p14:creationId xmlns:p14="http://schemas.microsoft.com/office/powerpoint/2010/main" val="640905498"/>
+      </p:ext>
+    </p:extLst>
+  </p:cSld>
+  <p:clrMapOvr>
+    <a:masterClrMapping/>
+  </p:clrMapOvr>
+</p:sld>
+</file>
+
+<file path=ppt/slides/slide18.xml><?xml version="1.0" encoding="utf-8"?>
+<p:sld xmlns:a="http://schemas.openxmlformats.org/drawingml/2006/main" xmlns:r="http://schemas.openxmlformats.org/officeDocument/2006/relationships" xmlns:p="http://schemas.openxmlformats.org/presentationml/2006/main">
+  <p:cSld>
+    <p:spTree>
+      <p:nvGrpSpPr>
+        <p:cNvPr id="1" name=""/>
+        <p:cNvGrpSpPr/>
+        <p:nvPr/>
+      </p:nvGrpSpPr>
+      <p:grpSpPr>
+        <a:xfrm>
+          <a:off x="0" y="0"/>
+          <a:ext cx="0" cy="0"/>
+          <a:chOff x="0" y="0"/>
+          <a:chExt cx="0" cy="0"/>
+        </a:xfrm>
+      </p:grpSpPr>
+      <p:sp>
+        <p:nvSpPr>
+          <p:cNvPr id="2" name="Title 1"/>
+          <p:cNvSpPr>
+            <a:spLocks noGrp="1"/>
+          </p:cNvSpPr>
+          <p:nvPr>
+            <p:ph type="title"/>
+          </p:nvPr>
+        </p:nvSpPr>
+        <p:spPr/>
+        <p:txBody>
+          <a:bodyPr/>
+          <a:lstStyle/>
+          <a:p>
+            <a:pPr algn="ctr"/>
+            <a:r>
+              <a:rPr lang="en-US" dirty="0"/>
+              <a:t>Current Encryption Methods </a:t>
+            </a:r>
+          </a:p>
+        </p:txBody>
+      </p:sp>
+      <p:sp>
+        <p:nvSpPr>
+          <p:cNvPr id="3" name="Content Placeholder 2"/>
+          <p:cNvSpPr>
+            <a:spLocks noGrp="1"/>
+          </p:cNvSpPr>
+          <p:nvPr>
+            <p:ph idx="1"/>
+          </p:nvPr>
+        </p:nvSpPr>
+        <p:spPr/>
+        <p:txBody>
+          <a:bodyPr/>
+          <a:lstStyle/>
+          <a:p>
+            <a:r>
+              <a:rPr lang="en-US" dirty="0"/>
+              <a:t>Homomorphic encryption:</a:t>
+            </a:r>
+          </a:p>
+          <a:p>
+            <a:pPr lvl="1"/>
+            <a:r>
+              <a:rPr lang="en-US" dirty="0" err="1"/>
+              <a:t>Enc</a:t>
+            </a:r>
+            <a:r>
+              <a:rPr lang="en-US" dirty="0"/>
+              <a:t>(v1) *...* </a:t>
+            </a:r>
+            <a:r>
+              <a:rPr lang="en-US" dirty="0" err="1"/>
+              <a:t>Enc</a:t>
+            </a:r>
+            <a:r>
+              <a:rPr lang="en-US" dirty="0"/>
+              <a:t>(</a:t>
+            </a:r>
+            <a:r>
+              <a:rPr lang="en-US" dirty="0" err="1"/>
+              <a:t>vn</a:t>
+            </a:r>
+            <a:r>
+              <a:rPr lang="en-US" dirty="0"/>
+              <a:t>) = </a:t>
+            </a:r>
+            <a:r>
+              <a:rPr lang="en-US" dirty="0" err="1"/>
+              <a:t>Enc</a:t>
+            </a:r>
+            <a:r>
+              <a:rPr lang="en-US" dirty="0"/>
+              <a:t>(v1 +...+ </a:t>
+            </a:r>
+            <a:r>
+              <a:rPr lang="en-US" dirty="0" err="1"/>
+              <a:t>vn</a:t>
+            </a:r>
+            <a:r>
+              <a:rPr lang="en-US" dirty="0"/>
+              <a:t>).</a:t>
+            </a:r>
+          </a:p>
+          <a:p>
+            <a:endParaRPr lang="en-US" dirty="0"/>
+          </a:p>
+        </p:txBody>
+      </p:sp>
+      <p:sp>
+        <p:nvSpPr>
+          <p:cNvPr id="4" name="Footer Placeholder 3"/>
+          <p:cNvSpPr>
+            <a:spLocks noGrp="1"/>
+          </p:cNvSpPr>
+          <p:nvPr>
+            <p:ph type="ftr" sz="quarter" idx="11"/>
+          </p:nvPr>
+        </p:nvSpPr>
+        <p:spPr/>
+        <p:txBody>
+          <a:bodyPr/>
+          <a:lstStyle/>
+          <a:p>
+            <a:endParaRPr lang="en-US"/>
+          </a:p>
+        </p:txBody>
+      </p:sp>
+      <p:pic>
+        <p:nvPicPr>
+          <p:cNvPr id="5" name="Picture 4"/>
+          <p:cNvPicPr>
+            <a:picLocks noChangeAspect="1"/>
+          </p:cNvPicPr>
+          <p:nvPr/>
+        </p:nvPicPr>
+        <p:blipFill>
+          <a:blip r:embed="rId2">
+            <a:extLst>
+              <a:ext uri="{28A0092B-C50C-407E-A947-70E740481C1C}">
+                <a14:useLocalDpi xmlns:a14="http://schemas.microsoft.com/office/drawing/2010/main" val="0"/>
+              </a:ext>
+            </a:extLst>
+          </a:blip>
+          <a:stretch>
+            <a:fillRect/>
+          </a:stretch>
+        </p:blipFill>
+        <p:spPr>
+          <a:xfrm>
+            <a:off x="3330057" y="3528990"/>
+            <a:ext cx="5684285" cy="2631403"/>
+          </a:xfrm>
+          <a:prstGeom prst="rect">
+            <a:avLst/>
+          </a:prstGeom>
+        </p:spPr>
+      </p:pic>
+    </p:spTree>
+    <p:extLst>
+      <p:ext uri="{BB962C8B-B14F-4D97-AF65-F5344CB8AC3E}">
+        <p14:creationId xmlns:p14="http://schemas.microsoft.com/office/powerpoint/2010/main" val="2900096873"/>
       </p:ext>
     </p:extLst>
   </p:cSld>
@@ -5975,7 +6049,7 @@
             <a:pPr algn="ctr"/>
             <a:r>
               <a:rPr lang="en-US" dirty="0"/>
-              <a:t>Problems</a:t>
+              <a:t>Motivation</a:t>
             </a:r>
           </a:p>
         </p:txBody>
@@ -5990,44 +6064,50 @@
             <p:ph idx="1"/>
           </p:nvPr>
         </p:nvSpPr>
-        <p:spPr/>
+        <p:spPr>
+          <a:xfrm>
+            <a:off x="838200" y="1690688"/>
+            <a:ext cx="10515600" cy="4486275"/>
+          </a:xfrm>
+        </p:spPr>
         <p:txBody>
           <a:bodyPr/>
           <a:lstStyle/>
           <a:p>
             <a:r>
               <a:rPr lang="en-US" dirty="0"/>
-              <a:t>Votes can be altered</a:t>
+              <a:t>Eliminate human error in tallying</a:t>
             </a:r>
           </a:p>
           <a:p>
             <a:r>
               <a:rPr lang="en-US" dirty="0"/>
-              <a:t>Voters may vote more than once</a:t>
+              <a:t>Cost-effectiveness</a:t>
             </a:r>
           </a:p>
           <a:p>
             <a:r>
               <a:rPr lang="en-US" dirty="0"/>
-              <a:t>Voter Impersonation</a:t>
+              <a:t>Increases voter confidence</a:t>
             </a:r>
           </a:p>
           <a:p>
             <a:r>
               <a:rPr lang="en-US" dirty="0"/>
-              <a:t>Tallying can be altered</a:t>
-            </a:r>
-          </a:p>
-          <a:p>
+              <a:t>Potentially increase voter turnout</a:t>
+            </a:r>
+          </a:p>
+          <a:p>
+            <a:pPr lvl="1"/>
             <a:r>
               <a:rPr lang="en-US" dirty="0"/>
-              <a:t>Votes can be tied to voters</a:t>
+              <a:t>Internet-based voting</a:t>
             </a:r>
           </a:p>
           <a:p>
             <a:r>
               <a:rPr lang="en-US" dirty="0"/>
-              <a:t>Erroneous Communication</a:t>
+              <a:t>Immediate Results</a:t>
             </a:r>
           </a:p>
         </p:txBody>
@@ -6054,7 +6134,7 @@
     </p:spTree>
     <p:extLst>
       <p:ext uri="{BB962C8B-B14F-4D97-AF65-F5344CB8AC3E}">
-        <p14:creationId xmlns:p14="http://schemas.microsoft.com/office/powerpoint/2010/main" val="3214018132"/>
+        <p14:creationId xmlns:p14="http://schemas.microsoft.com/office/powerpoint/2010/main" val="2952968248"/>
       </p:ext>
     </p:extLst>
   </p:cSld>
@@ -6099,6 +6179,130 @@
             <a:pPr algn="ctr"/>
             <a:r>
               <a:rPr lang="en-US" dirty="0"/>
+              <a:t>Problems</a:t>
+            </a:r>
+          </a:p>
+        </p:txBody>
+      </p:sp>
+      <p:sp>
+        <p:nvSpPr>
+          <p:cNvPr id="3" name="Content Placeholder 2"/>
+          <p:cNvSpPr>
+            <a:spLocks noGrp="1"/>
+          </p:cNvSpPr>
+          <p:nvPr>
+            <p:ph idx="1"/>
+          </p:nvPr>
+        </p:nvSpPr>
+        <p:spPr/>
+        <p:txBody>
+          <a:bodyPr/>
+          <a:lstStyle/>
+          <a:p>
+            <a:r>
+              <a:rPr lang="en-US" dirty="0"/>
+              <a:t>Votes can be altered</a:t>
+            </a:r>
+          </a:p>
+          <a:p>
+            <a:r>
+              <a:rPr lang="en-US" dirty="0"/>
+              <a:t>Voters may vote more than once</a:t>
+            </a:r>
+          </a:p>
+          <a:p>
+            <a:r>
+              <a:rPr lang="en-US" dirty="0"/>
+              <a:t>Voter Impersonation</a:t>
+            </a:r>
+          </a:p>
+          <a:p>
+            <a:r>
+              <a:rPr lang="en-US" dirty="0"/>
+              <a:t>Tallying can be altered</a:t>
+            </a:r>
+          </a:p>
+          <a:p>
+            <a:r>
+              <a:rPr lang="en-US" dirty="0"/>
+              <a:t>Votes can be tied to voters</a:t>
+            </a:r>
+          </a:p>
+          <a:p>
+            <a:r>
+              <a:rPr lang="en-US" dirty="0"/>
+              <a:t>Erroneous Communication</a:t>
+            </a:r>
+          </a:p>
+        </p:txBody>
+      </p:sp>
+      <p:sp>
+        <p:nvSpPr>
+          <p:cNvPr id="4" name="Footer Placeholder 3"/>
+          <p:cNvSpPr>
+            <a:spLocks noGrp="1"/>
+          </p:cNvSpPr>
+          <p:nvPr>
+            <p:ph type="ftr" sz="quarter" idx="11"/>
+          </p:nvPr>
+        </p:nvSpPr>
+        <p:spPr/>
+        <p:txBody>
+          <a:bodyPr/>
+          <a:lstStyle/>
+          <a:p>
+            <a:endParaRPr lang="en-US"/>
+          </a:p>
+        </p:txBody>
+      </p:sp>
+    </p:spTree>
+    <p:extLst>
+      <p:ext uri="{BB962C8B-B14F-4D97-AF65-F5344CB8AC3E}">
+        <p14:creationId xmlns:p14="http://schemas.microsoft.com/office/powerpoint/2010/main" val="3214018132"/>
+      </p:ext>
+    </p:extLst>
+  </p:cSld>
+  <p:clrMapOvr>
+    <a:masterClrMapping/>
+  </p:clrMapOvr>
+</p:sld>
+</file>
+
+<file path=ppt/slides/slide5.xml><?xml version="1.0" encoding="utf-8"?>
+<p:sld xmlns:a="http://schemas.openxmlformats.org/drawingml/2006/main" xmlns:r="http://schemas.openxmlformats.org/officeDocument/2006/relationships" xmlns:p="http://schemas.openxmlformats.org/presentationml/2006/main">
+  <p:cSld>
+    <p:spTree>
+      <p:nvGrpSpPr>
+        <p:cNvPr id="1" name=""/>
+        <p:cNvGrpSpPr/>
+        <p:nvPr/>
+      </p:nvGrpSpPr>
+      <p:grpSpPr>
+        <a:xfrm>
+          <a:off x="0" y="0"/>
+          <a:ext cx="0" cy="0"/>
+          <a:chOff x="0" y="0"/>
+          <a:chExt cx="0" cy="0"/>
+        </a:xfrm>
+      </p:grpSpPr>
+      <p:sp>
+        <p:nvSpPr>
+          <p:cNvPr id="2" name="Title 1"/>
+          <p:cNvSpPr>
+            <a:spLocks noGrp="1"/>
+          </p:cNvSpPr>
+          <p:nvPr>
+            <p:ph type="title"/>
+          </p:nvPr>
+        </p:nvSpPr>
+        <p:spPr/>
+        <p:txBody>
+          <a:bodyPr/>
+          <a:lstStyle/>
+          <a:p>
+            <a:pPr algn="ctr"/>
+            <a:r>
+              <a:rPr lang="en-US" dirty="0"/>
               <a:t>System Security Requirements</a:t>
             </a:r>
           </a:p>
@@ -6162,7 +6366,7 @@
             </a:r>
             <a:r>
               <a:rPr lang="en-US" dirty="0"/>
-              <a:t>: Voters should not be able to be modified without detection</a:t>
+              <a:t>: Votes should not be able to be modified without detection</a:t>
             </a:r>
           </a:p>
           <a:p>
@@ -6433,7 +6637,7 @@
 </p:sld>
 </file>
 
-<file path=ppt/slides/slide5.xml><?xml version="1.0" encoding="utf-8"?>
+<file path=ppt/slides/slide6.xml><?xml version="1.0" encoding="utf-8"?>
 <p:sld xmlns:a="http://schemas.openxmlformats.org/drawingml/2006/main" xmlns:r="http://schemas.openxmlformats.org/officeDocument/2006/relationships" xmlns:p="http://schemas.openxmlformats.org/presentationml/2006/main">
   <p:cSld>
     <p:spTree>
@@ -6799,154 +7003,6 @@
 </p:sld>
 </file>
 
-<file path=ppt/slides/slide6.xml><?xml version="1.0" encoding="utf-8"?>
-<p:sld xmlns:a="http://schemas.openxmlformats.org/drawingml/2006/main" xmlns:r="http://schemas.openxmlformats.org/officeDocument/2006/relationships" xmlns:p="http://schemas.openxmlformats.org/presentationml/2006/main">
-  <p:cSld>
-    <p:spTree>
-      <p:nvGrpSpPr>
-        <p:cNvPr id="1" name=""/>
-        <p:cNvGrpSpPr/>
-        <p:nvPr/>
-      </p:nvGrpSpPr>
-      <p:grpSpPr>
-        <a:xfrm>
-          <a:off x="0" y="0"/>
-          <a:ext cx="0" cy="0"/>
-          <a:chOff x="0" y="0"/>
-          <a:chExt cx="0" cy="0"/>
-        </a:xfrm>
-      </p:grpSpPr>
-      <p:sp>
-        <p:nvSpPr>
-          <p:cNvPr id="2" name="Title 1"/>
-          <p:cNvSpPr>
-            <a:spLocks noGrp="1"/>
-          </p:cNvSpPr>
-          <p:nvPr>
-            <p:ph type="title"/>
-          </p:nvPr>
-        </p:nvSpPr>
-        <p:spPr/>
-        <p:txBody>
-          <a:bodyPr/>
-          <a:lstStyle/>
-          <a:p>
-            <a:pPr algn="ctr"/>
-            <a:r>
-              <a:rPr lang="en-US" dirty="0"/>
-              <a:t>Four Stage of Secure Voting</a:t>
-            </a:r>
-          </a:p>
-        </p:txBody>
-      </p:sp>
-      <p:sp>
-        <p:nvSpPr>
-          <p:cNvPr id="3" name="Content Placeholder 2"/>
-          <p:cNvSpPr>
-            <a:spLocks noGrp="1"/>
-          </p:cNvSpPr>
-          <p:nvPr>
-            <p:ph idx="1"/>
-          </p:nvPr>
-        </p:nvSpPr>
-        <p:spPr/>
-        <p:txBody>
-          <a:bodyPr/>
-          <a:lstStyle/>
-          <a:p>
-            <a:pPr marL="514350" indent="-514350">
-              <a:buFont typeface="+mj-lt"/>
-              <a:buAutoNum type="arabicPeriod"/>
-            </a:pPr>
-            <a:r>
-              <a:rPr lang="en-US" b="1" i="1" dirty="0"/>
-              <a:t>Registration Phase</a:t>
-            </a:r>
-            <a:r>
-              <a:rPr lang="en-US" dirty="0"/>
-              <a:t> – Prior to election, voters will have to prove that they are eligible to vote and voter credentials are stored in a registration database.</a:t>
-            </a:r>
-          </a:p>
-          <a:p>
-            <a:pPr marL="514350" indent="-514350">
-              <a:buFont typeface="+mj-lt"/>
-              <a:buAutoNum type="arabicPeriod"/>
-            </a:pPr>
-            <a:r>
-              <a:rPr lang="en-US" b="1" i="1" dirty="0"/>
-              <a:t>Validation Phase</a:t>
-            </a:r>
-            <a:r>
-              <a:rPr lang="en-US" dirty="0"/>
-              <a:t> – When the user goes to vote we have to check that their credentials are valid and have not yet voted. </a:t>
-            </a:r>
-          </a:p>
-          <a:p>
-            <a:pPr marL="514350" indent="-514350">
-              <a:buFont typeface="+mj-lt"/>
-              <a:buAutoNum type="arabicPeriod"/>
-            </a:pPr>
-            <a:r>
-              <a:rPr lang="en-US" b="1" i="1" dirty="0"/>
-              <a:t>Vote Casting Phase</a:t>
-            </a:r>
-            <a:r>
-              <a:rPr lang="en-US" dirty="0"/>
-              <a:t> – Voters cast their vote and sent to the tallying database.</a:t>
-            </a:r>
-          </a:p>
-          <a:p>
-            <a:pPr marL="514350" indent="-514350">
-              <a:buFont typeface="+mj-lt"/>
-              <a:buAutoNum type="arabicPeriod"/>
-            </a:pPr>
-            <a:r>
-              <a:rPr lang="en-US" b="1" i="1" dirty="0"/>
-              <a:t>Tallying Phase</a:t>
-            </a:r>
-            <a:r>
-              <a:rPr lang="en-US" dirty="0"/>
-              <a:t> – Votes are tallied quickly and accurately </a:t>
-            </a:r>
-            <a:endParaRPr lang="en-US" b="1" i="1" dirty="0"/>
-          </a:p>
-          <a:p>
-            <a:endParaRPr lang="en-US" b="1" i="1" dirty="0"/>
-          </a:p>
-        </p:txBody>
-      </p:sp>
-      <p:sp>
-        <p:nvSpPr>
-          <p:cNvPr id="4" name="Footer Placeholder 3"/>
-          <p:cNvSpPr>
-            <a:spLocks noGrp="1"/>
-          </p:cNvSpPr>
-          <p:nvPr>
-            <p:ph type="ftr" sz="quarter" idx="11"/>
-          </p:nvPr>
-        </p:nvSpPr>
-        <p:spPr/>
-        <p:txBody>
-          <a:bodyPr/>
-          <a:lstStyle/>
-          <a:p>
-            <a:endParaRPr lang="en-US"/>
-          </a:p>
-        </p:txBody>
-      </p:sp>
-    </p:spTree>
-    <p:extLst>
-      <p:ext uri="{BB962C8B-B14F-4D97-AF65-F5344CB8AC3E}">
-        <p14:creationId xmlns:p14="http://schemas.microsoft.com/office/powerpoint/2010/main" val="3355951266"/>
-      </p:ext>
-    </p:extLst>
-  </p:cSld>
-  <p:clrMapOvr>
-    <a:masterClrMapping/>
-  </p:clrMapOvr>
-</p:sld>
-</file>
-
 <file path=ppt/slides/slide7.xml><?xml version="1.0" encoding="utf-8"?>
 <p:sld xmlns:a="http://schemas.openxmlformats.org/drawingml/2006/main" xmlns:r="http://schemas.openxmlformats.org/officeDocument/2006/relationships" xmlns:p="http://schemas.openxmlformats.org/presentationml/2006/main">
   <p:cSld>
@@ -6982,39 +7038,84 @@
             <a:pPr algn="ctr"/>
             <a:r>
               <a:rPr lang="en-US" dirty="0"/>
+              <a:t>Four Stage of Secure Voting</a:t>
+            </a:r>
+          </a:p>
+        </p:txBody>
+      </p:sp>
+      <p:sp>
+        <p:nvSpPr>
+          <p:cNvPr id="3" name="Content Placeholder 2"/>
+          <p:cNvSpPr>
+            <a:spLocks noGrp="1"/>
+          </p:cNvSpPr>
+          <p:nvPr>
+            <p:ph idx="1"/>
+          </p:nvPr>
+        </p:nvSpPr>
+        <p:spPr/>
+        <p:txBody>
+          <a:bodyPr/>
+          <a:lstStyle/>
+          <a:p>
+            <a:pPr marL="514350" indent="-514350">
+              <a:buFont typeface="+mj-lt"/>
+              <a:buAutoNum type="arabicPeriod"/>
+            </a:pPr>
+            <a:r>
+              <a:rPr lang="en-US" b="1" i="1" dirty="0"/>
               <a:t>Registration Phase</a:t>
             </a:r>
-          </a:p>
-        </p:txBody>
-      </p:sp>
-      <p:sp>
-        <p:nvSpPr>
-          <p:cNvPr id="3" name="Content Placeholder 2"/>
-          <p:cNvSpPr>
-            <a:spLocks noGrp="1"/>
-          </p:cNvSpPr>
-          <p:nvPr>
-            <p:ph idx="1"/>
-          </p:nvPr>
-        </p:nvSpPr>
-        <p:spPr/>
-        <p:txBody>
-          <a:bodyPr/>
-          <a:lstStyle/>
-          <a:p>
             <a:r>
               <a:rPr lang="en-US" dirty="0"/>
-              <a:t>Done before the election.</a:t>
-            </a:r>
-          </a:p>
-          <a:p>
+              <a:t> – Prior to election, voters will have to prove that they are eligible to vote and voter credentials are stored in a registration database.</a:t>
+            </a:r>
+          </a:p>
+          <a:p>
+            <a:pPr marL="514350" indent="-514350">
+              <a:buFont typeface="+mj-lt"/>
+              <a:buAutoNum type="arabicPeriod"/>
+            </a:pPr>
+            <a:r>
+              <a:rPr lang="en-US" b="1" i="1" dirty="0"/>
+              <a:t>Validation Phase</a:t>
+            </a:r>
             <a:r>
               <a:rPr lang="en-US" dirty="0"/>
-              <a:t>Once a voter is considered eligible to vote their credentials are stored in a registration server database. </a:t>
-            </a:r>
-          </a:p>
-          <a:p>
-            <a:endParaRPr lang="en-US" dirty="0"/>
+              <a:t> – When the user goes to vote we have to check that their credentials are valid and have not yet voted. </a:t>
+            </a:r>
+          </a:p>
+          <a:p>
+            <a:pPr marL="514350" indent="-514350">
+              <a:buFont typeface="+mj-lt"/>
+              <a:buAutoNum type="arabicPeriod"/>
+            </a:pPr>
+            <a:r>
+              <a:rPr lang="en-US" b="1" i="1" dirty="0"/>
+              <a:t>Vote Casting Phase</a:t>
+            </a:r>
+            <a:r>
+              <a:rPr lang="en-US" dirty="0"/>
+              <a:t> – Voters cast their vote and sent to the tallying database.</a:t>
+            </a:r>
+          </a:p>
+          <a:p>
+            <a:pPr marL="514350" indent="-514350">
+              <a:buFont typeface="+mj-lt"/>
+              <a:buAutoNum type="arabicPeriod"/>
+            </a:pPr>
+            <a:r>
+              <a:rPr lang="en-US" b="1" i="1" dirty="0"/>
+              <a:t>Tallying Phase</a:t>
+            </a:r>
+            <a:r>
+              <a:rPr lang="en-US" dirty="0"/>
+              <a:t> – Votes are tallied quickly and accurately </a:t>
+            </a:r>
+            <a:endParaRPr lang="en-US" b="1" i="1" dirty="0"/>
+          </a:p>
+          <a:p>
+            <a:endParaRPr lang="en-US" b="1" i="1" dirty="0"/>
           </a:p>
         </p:txBody>
       </p:sp>
@@ -7040,7 +7141,7 @@
     </p:spTree>
     <p:extLst>
       <p:ext uri="{BB962C8B-B14F-4D97-AF65-F5344CB8AC3E}">
-        <p14:creationId xmlns:p14="http://schemas.microsoft.com/office/powerpoint/2010/main" val="402796579"/>
+        <p14:creationId xmlns:p14="http://schemas.microsoft.com/office/powerpoint/2010/main" val="3355951266"/>
       </p:ext>
     </p:extLst>
   </p:cSld>
@@ -7085,7 +7186,7 @@
             <a:pPr algn="ctr"/>
             <a:r>
               <a:rPr lang="en-US" dirty="0"/>
-              <a:t>Validation Phase</a:t>
+              <a:t>Registration Phase</a:t>
             </a:r>
           </a:p>
         </p:txBody>
@@ -7107,35 +7208,17 @@
           <a:p>
             <a:r>
               <a:rPr lang="en-US" dirty="0"/>
-              <a:t>The user will enter their credentials which is checked against the database.</a:t>
+              <a:t>Done before the election.</a:t>
             </a:r>
           </a:p>
           <a:p>
             <a:r>
               <a:rPr lang="en-US" dirty="0"/>
-              <a:t> The database is a blockchain.</a:t>
-            </a:r>
-          </a:p>
-          <a:p>
-            <a:pPr lvl="1"/>
-            <a:r>
-              <a:rPr lang="en-US" dirty="0"/>
-              <a:t>De-centralized database.</a:t>
-            </a:r>
-          </a:p>
-          <a:p>
-            <a:pPr lvl="1"/>
-            <a:r>
-              <a:rPr lang="en-US" dirty="0"/>
-              <a:t>Everyone can read from the blockchain, only authorized users can write</a:t>
-            </a:r>
-          </a:p>
-          <a:p>
-            <a:pPr lvl="1"/>
-            <a:r>
-              <a:rPr lang="en-US" dirty="0"/>
-              <a:t>All previous writes are stored in the blockchain</a:t>
-            </a:r>
+              <a:t>Once a voter is considered eligible to vote their credentials are stored in a registration server database. </a:t>
+            </a:r>
+          </a:p>
+          <a:p>
+            <a:endParaRPr lang="en-US" dirty="0"/>
           </a:p>
         </p:txBody>
       </p:sp>
@@ -7161,7 +7244,7 @@
     </p:spTree>
     <p:extLst>
       <p:ext uri="{BB962C8B-B14F-4D97-AF65-F5344CB8AC3E}">
-        <p14:creationId xmlns:p14="http://schemas.microsoft.com/office/powerpoint/2010/main" val="2425849277"/>
+        <p14:creationId xmlns:p14="http://schemas.microsoft.com/office/powerpoint/2010/main" val="402796579"/>
       </p:ext>
     </p:extLst>
   </p:cSld>
@@ -7206,7 +7289,7 @@
             <a:pPr algn="ctr"/>
             <a:r>
               <a:rPr lang="en-US" dirty="0"/>
-              <a:t>Vote Casting Phase</a:t>
+              <a:t>Validation Phase</a:t>
             </a:r>
           </a:p>
         </p:txBody>
@@ -7228,20 +7311,35 @@
           <a:p>
             <a:r>
               <a:rPr lang="en-US" dirty="0"/>
-              <a:t>Votes are sent over an encrypted channel</a:t>
+              <a:t>The user will enter their credentials which is checked against the database.</a:t>
             </a:r>
           </a:p>
           <a:p>
             <a:r>
               <a:rPr lang="en-US" dirty="0"/>
-              <a:t>Encrypted Votes are hashed.</a:t>
-            </a:r>
-          </a:p>
-          <a:p>
-            <a:pPr marL="0" indent="0">
-              <a:buNone/>
-            </a:pPr>
-            <a:endParaRPr lang="en-US" b="1" dirty="0"/>
+              <a:t> The database is a blockchain.</a:t>
+            </a:r>
+          </a:p>
+          <a:p>
+            <a:pPr lvl="1"/>
+            <a:r>
+              <a:rPr lang="en-US" dirty="0"/>
+              <a:t>De-centralized database.</a:t>
+            </a:r>
+          </a:p>
+          <a:p>
+            <a:pPr lvl="1"/>
+            <a:r>
+              <a:rPr lang="en-US" dirty="0"/>
+              <a:t>Everyone can read from the blockchain, only authorized users can write</a:t>
+            </a:r>
+          </a:p>
+          <a:p>
+            <a:pPr lvl="1"/>
+            <a:r>
+              <a:rPr lang="en-US" dirty="0"/>
+              <a:t>All previous writes are stored in the blockchain</a:t>
+            </a:r>
           </a:p>
         </p:txBody>
       </p:sp>
@@ -7267,7 +7365,7 @@
     </p:spTree>
     <p:extLst>
       <p:ext uri="{BB962C8B-B14F-4D97-AF65-F5344CB8AC3E}">
-        <p14:creationId xmlns:p14="http://schemas.microsoft.com/office/powerpoint/2010/main" val="3843622176"/>
+        <p14:creationId xmlns:p14="http://schemas.microsoft.com/office/powerpoint/2010/main" val="2425849277"/>
       </p:ext>
     </p:extLst>
   </p:cSld>
